--- a/powerpoint resources/variable explained.pptx
+++ b/powerpoint resources/variable explained.pptx
@@ -8,8 +8,10 @@
     <p:sldId id="257" r:id="rId2"/>
     <p:sldId id="258" r:id="rId3"/>
     <p:sldId id="259" r:id="rId4"/>
-    <p:sldId id="260" r:id="rId5"/>
-    <p:sldId id="261" r:id="rId6"/>
+    <p:sldId id="262" r:id="rId5"/>
+    <p:sldId id="263" r:id="rId6"/>
+    <p:sldId id="260" r:id="rId7"/>
+    <p:sldId id="261" r:id="rId8"/>
   </p:sldIdLst>
   <p:sldSz cx="9144000" cy="6858000" type="screen4x3"/>
   <p:notesSz cx="6858000" cy="9144000"/>
@@ -293,7 +295,7 @@
             <a:fld id="{1D8BD707-D9CF-40AE-B4C6-C98DA3205C09}" type="datetimeFigureOut">
               <a:rPr lang="en-US" smtClean="0"/>
               <a:pPr/>
-              <a:t>2/29/2024</a:t>
+              <a:t>3/8/2024</a:t>
             </a:fld>
             <a:endParaRPr lang="en-US"/>
           </a:p>
@@ -460,7 +462,7 @@
             <a:fld id="{1D8BD707-D9CF-40AE-B4C6-C98DA3205C09}" type="datetimeFigureOut">
               <a:rPr lang="en-US" smtClean="0"/>
               <a:pPr/>
-              <a:t>2/29/2024</a:t>
+              <a:t>3/8/2024</a:t>
             </a:fld>
             <a:endParaRPr lang="en-US"/>
           </a:p>
@@ -637,7 +639,7 @@
             <a:fld id="{1D8BD707-D9CF-40AE-B4C6-C98DA3205C09}" type="datetimeFigureOut">
               <a:rPr lang="en-US" smtClean="0"/>
               <a:pPr/>
-              <a:t>2/29/2024</a:t>
+              <a:t>3/8/2024</a:t>
             </a:fld>
             <a:endParaRPr lang="en-US"/>
           </a:p>
@@ -804,7 +806,7 @@
             <a:fld id="{1D8BD707-D9CF-40AE-B4C6-C98DA3205C09}" type="datetimeFigureOut">
               <a:rPr lang="en-US" smtClean="0"/>
               <a:pPr/>
-              <a:t>2/29/2024</a:t>
+              <a:t>3/8/2024</a:t>
             </a:fld>
             <a:endParaRPr lang="en-US"/>
           </a:p>
@@ -1047,7 +1049,7 @@
             <a:fld id="{1D8BD707-D9CF-40AE-B4C6-C98DA3205C09}" type="datetimeFigureOut">
               <a:rPr lang="en-US" smtClean="0"/>
               <a:pPr/>
-              <a:t>2/29/2024</a:t>
+              <a:t>3/8/2024</a:t>
             </a:fld>
             <a:endParaRPr lang="en-US"/>
           </a:p>
@@ -1332,7 +1334,7 @@
             <a:fld id="{1D8BD707-D9CF-40AE-B4C6-C98DA3205C09}" type="datetimeFigureOut">
               <a:rPr lang="en-US" smtClean="0"/>
               <a:pPr/>
-              <a:t>2/29/2024</a:t>
+              <a:t>3/8/2024</a:t>
             </a:fld>
             <a:endParaRPr lang="en-US"/>
           </a:p>
@@ -1751,7 +1753,7 @@
             <a:fld id="{1D8BD707-D9CF-40AE-B4C6-C98DA3205C09}" type="datetimeFigureOut">
               <a:rPr lang="en-US" smtClean="0"/>
               <a:pPr/>
-              <a:t>2/29/2024</a:t>
+              <a:t>3/8/2024</a:t>
             </a:fld>
             <a:endParaRPr lang="en-US"/>
           </a:p>
@@ -1866,7 +1868,7 @@
             <a:fld id="{1D8BD707-D9CF-40AE-B4C6-C98DA3205C09}" type="datetimeFigureOut">
               <a:rPr lang="en-US" smtClean="0"/>
               <a:pPr/>
-              <a:t>2/29/2024</a:t>
+              <a:t>3/8/2024</a:t>
             </a:fld>
             <a:endParaRPr lang="en-US"/>
           </a:p>
@@ -1958,7 +1960,7 @@
             <a:fld id="{1D8BD707-D9CF-40AE-B4C6-C98DA3205C09}" type="datetimeFigureOut">
               <a:rPr lang="en-US" smtClean="0"/>
               <a:pPr/>
-              <a:t>2/29/2024</a:t>
+              <a:t>3/8/2024</a:t>
             </a:fld>
             <a:endParaRPr lang="en-US"/>
           </a:p>
@@ -2232,7 +2234,7 @@
             <a:fld id="{1D8BD707-D9CF-40AE-B4C6-C98DA3205C09}" type="datetimeFigureOut">
               <a:rPr lang="en-US" smtClean="0"/>
               <a:pPr/>
-              <a:t>2/29/2024</a:t>
+              <a:t>3/8/2024</a:t>
             </a:fld>
             <a:endParaRPr lang="en-US"/>
           </a:p>
@@ -2482,7 +2484,7 @@
             <a:fld id="{1D8BD707-D9CF-40AE-B4C6-C98DA3205C09}" type="datetimeFigureOut">
               <a:rPr lang="en-US" smtClean="0"/>
               <a:pPr/>
-              <a:t>2/29/2024</a:t>
+              <a:t>3/8/2024</a:t>
             </a:fld>
             <a:endParaRPr lang="en-US"/>
           </a:p>
@@ -2692,7 +2694,7 @@
             <a:fld id="{1D8BD707-D9CF-40AE-B4C6-C98DA3205C09}" type="datetimeFigureOut">
               <a:rPr lang="en-US" smtClean="0"/>
               <a:pPr/>
-              <a:t>2/29/2024</a:t>
+              <a:t>3/8/2024</a:t>
             </a:fld>
             <a:endParaRPr lang="en-US"/>
           </a:p>
@@ -11400,8 +11402,8 @@
         </p:nvGrpSpPr>
         <p:grpSpPr>
           <a:xfrm>
-            <a:off x="685800" y="609600"/>
-            <a:ext cx="1219200" cy="1143000"/>
+            <a:off x="6324600" y="1981200"/>
+            <a:ext cx="2331453" cy="2286000"/>
             <a:chOff x="2514600" y="2286000"/>
             <a:chExt cx="3124200" cy="2286000"/>
           </a:xfrm>
@@ -11697,8 +11699,8 @@
         </p:nvGrpSpPr>
         <p:grpSpPr>
           <a:xfrm>
-            <a:off x="2362200" y="914400"/>
-            <a:ext cx="1066800" cy="306388"/>
+            <a:off x="3708400" y="2438400"/>
+            <a:ext cx="2040021" cy="612776"/>
             <a:chOff x="4114800" y="2133600"/>
             <a:chExt cx="1066800" cy="306388"/>
           </a:xfrm>
@@ -11782,8 +11784,8 @@
         </p:nvGrpSpPr>
         <p:grpSpPr>
           <a:xfrm>
-            <a:off x="3810000" y="685800"/>
-            <a:ext cx="1219200" cy="1143000"/>
+            <a:off x="685800" y="2057400"/>
+            <a:ext cx="2331453" cy="2286000"/>
             <a:chOff x="2514600" y="2286000"/>
             <a:chExt cx="3124200" cy="2286000"/>
           </a:xfrm>
@@ -12071,108 +12073,766 @@
           </p:txBody>
         </p:sp>
       </p:grpSp>
+      <p:sp>
+        <p:nvSpPr>
+          <p:cNvPr id="57" name="TextBox 56"/>
+          <p:cNvSpPr txBox="1"/>
+          <p:nvPr/>
+        </p:nvSpPr>
+        <p:spPr>
+          <a:xfrm>
+            <a:off x="7467600" y="1371600"/>
+            <a:ext cx="609600" cy="369332"/>
+          </a:xfrm>
+          <a:prstGeom prst="rect">
+            <a:avLst/>
+          </a:prstGeom>
+          <a:noFill/>
+        </p:spPr>
+        <p:txBody>
+          <a:bodyPr wrap="square" rtlCol="0">
+            <a:spAutoFit/>
+          </a:bodyPr>
+          <a:lstStyle/>
+          <a:p>
+            <a:r>
+              <a:rPr lang="en-US" dirty="0" smtClean="0"/>
+              <a:t>98</a:t>
+            </a:r>
+            <a:endParaRPr lang="en-US" dirty="0"/>
+          </a:p>
+        </p:txBody>
+      </p:sp>
+      <p:sp>
+        <p:nvSpPr>
+          <p:cNvPr id="58" name="TextBox 57"/>
+          <p:cNvSpPr txBox="1"/>
+          <p:nvPr/>
+        </p:nvSpPr>
+        <p:spPr>
+          <a:xfrm>
+            <a:off x="1524000" y="1295400"/>
+            <a:ext cx="609600" cy="369332"/>
+          </a:xfrm>
+          <a:prstGeom prst="rect">
+            <a:avLst/>
+          </a:prstGeom>
+          <a:noFill/>
+        </p:spPr>
+        <p:txBody>
+          <a:bodyPr wrap="square" rtlCol="0">
+            <a:spAutoFit/>
+          </a:bodyPr>
+          <a:lstStyle/>
+          <a:p>
+            <a:r>
+              <a:rPr lang="en-US" dirty="0" smtClean="0"/>
+              <a:t>98</a:t>
+            </a:r>
+            <a:endParaRPr lang="en-US" dirty="0"/>
+          </a:p>
+        </p:txBody>
+      </p:sp>
+      <p:sp>
+        <p:nvSpPr>
+          <p:cNvPr id="60" name="TextBox 59"/>
+          <p:cNvSpPr txBox="1"/>
+          <p:nvPr/>
+        </p:nvSpPr>
+        <p:spPr>
+          <a:xfrm>
+            <a:off x="838200" y="4419600"/>
+            <a:ext cx="1905000" cy="646331"/>
+          </a:xfrm>
+          <a:prstGeom prst="rect">
+            <a:avLst/>
+          </a:prstGeom>
+          <a:noFill/>
+        </p:spPr>
+        <p:txBody>
+          <a:bodyPr wrap="square" rtlCol="0">
+            <a:spAutoFit/>
+          </a:bodyPr>
+          <a:lstStyle/>
+          <a:p>
+            <a:r>
+              <a:rPr lang="en-US" dirty="0" smtClean="0"/>
+              <a:t>New box</a:t>
+            </a:r>
+          </a:p>
+          <a:p>
+            <a:endParaRPr lang="en-US" dirty="0"/>
+          </a:p>
+        </p:txBody>
+      </p:sp>
+      <p:sp>
+        <p:nvSpPr>
+          <p:cNvPr id="61" name="TextBox 60"/>
+          <p:cNvSpPr txBox="1"/>
+          <p:nvPr/>
+        </p:nvSpPr>
+        <p:spPr>
+          <a:xfrm>
+            <a:off x="838200" y="4953000"/>
+            <a:ext cx="7696200" cy="1569660"/>
+          </a:xfrm>
+          <a:prstGeom prst="rect">
+            <a:avLst/>
+          </a:prstGeom>
+          <a:noFill/>
+        </p:spPr>
+        <p:txBody>
+          <a:bodyPr wrap="square" rtlCol="0">
+            <a:spAutoFit/>
+          </a:bodyPr>
+          <a:lstStyle/>
+          <a:p>
+            <a:r>
+              <a:rPr lang="en-US" sz="2400" dirty="0" smtClean="0"/>
+              <a:t>When I say gentlemen = boys In the code, it means </a:t>
+            </a:r>
+            <a:r>
+              <a:rPr lang="en-US" sz="2400" b="1" dirty="0" smtClean="0"/>
+              <a:t>“Python, create a new variable gentlemen and store the current value of boys in that variable. “ . </a:t>
+            </a:r>
+            <a:r>
+              <a:rPr lang="en-US" sz="2400" dirty="0" smtClean="0"/>
+              <a:t>And</a:t>
+            </a:r>
+            <a:r>
+              <a:rPr lang="en-US" sz="2400" b="1" dirty="0" smtClean="0"/>
+              <a:t> </a:t>
+            </a:r>
+            <a:r>
+              <a:rPr lang="en-US" sz="2400" dirty="0" smtClean="0"/>
+              <a:t>In future, if value of gentlemen is changed, it will not affect the box boys</a:t>
+            </a:r>
+            <a:endParaRPr lang="en-US" sz="2400" dirty="0"/>
+          </a:p>
+        </p:txBody>
+      </p:sp>
+    </p:spTree>
+  </p:cSld>
+  <p:clrMapOvr>
+    <a:masterClrMapping/>
+  </p:clrMapOvr>
+</p:sld>
+</file>
+
+<file path=ppt/slides/slide4.xml><?xml version="1.0" encoding="utf-8"?>
+<p:sld xmlns:a="http://schemas.openxmlformats.org/drawingml/2006/main" xmlns:r="http://schemas.openxmlformats.org/officeDocument/2006/relationships" xmlns:p="http://schemas.openxmlformats.org/presentationml/2006/main">
+  <p:cSld>
+    <p:spTree>
+      <p:nvGrpSpPr>
+        <p:cNvPr id="1" name=""/>
+        <p:cNvGrpSpPr/>
+        <p:nvPr/>
+      </p:nvGrpSpPr>
+      <p:grpSpPr>
+        <a:xfrm>
+          <a:off x="0" y="0"/>
+          <a:ext cx="0" cy="0"/>
+          <a:chOff x="0" y="0"/>
+          <a:chExt cx="0" cy="0"/>
+        </a:xfrm>
+      </p:grpSpPr>
+      <p:sp>
+        <p:nvSpPr>
+          <p:cNvPr id="2" name="TextBox 1"/>
+          <p:cNvSpPr txBox="1"/>
+          <p:nvPr/>
+        </p:nvSpPr>
+        <p:spPr>
+          <a:xfrm>
+            <a:off x="1219200" y="381000"/>
+            <a:ext cx="6248400" cy="3108543"/>
+          </a:xfrm>
+          <a:prstGeom prst="rect">
+            <a:avLst/>
+          </a:prstGeom>
+          <a:noFill/>
+        </p:spPr>
+        <p:txBody>
+          <a:bodyPr wrap="square" rtlCol="0">
+            <a:spAutoFit/>
+          </a:bodyPr>
+          <a:lstStyle/>
+          <a:p>
+            <a:r>
+              <a:rPr lang="en-US" sz="2800" dirty="0" smtClean="0"/>
+              <a:t>It is like you copy an answer from a friend and later you think to change something in the answer you copied… It wont change the answer of your friend. And if you don’t change, your and your friend’s answer will remain same.</a:t>
+            </a:r>
+          </a:p>
+          <a:p>
+            <a:r>
+              <a:rPr lang="en-US" sz="2800" dirty="0" smtClean="0"/>
+              <a:t>(unless your friend changes </a:t>
+            </a:r>
+            <a:r>
+              <a:rPr lang="en-US" sz="2800" b="1" dirty="0" smtClean="0"/>
+              <a:t>his</a:t>
+            </a:r>
+            <a:r>
+              <a:rPr lang="en-US" sz="2800" dirty="0" smtClean="0"/>
+              <a:t> answer)</a:t>
+            </a:r>
+            <a:endParaRPr lang="en-US" sz="2800" dirty="0"/>
+          </a:p>
+        </p:txBody>
+      </p:sp>
       <p:grpSp>
         <p:nvGrpSpPr>
-          <p:cNvPr id="22" name="Group 21"/>
+          <p:cNvPr id="14" name="Group 13"/>
           <p:cNvGrpSpPr/>
           <p:nvPr/>
         </p:nvGrpSpPr>
         <p:grpSpPr>
           <a:xfrm>
-            <a:off x="5410200" y="914400"/>
-            <a:ext cx="1066800" cy="306388"/>
-            <a:chOff x="4114800" y="2133600"/>
-            <a:chExt cx="1066800" cy="306388"/>
+            <a:off x="1447800" y="4267200"/>
+            <a:ext cx="6172200" cy="1981200"/>
+            <a:chOff x="1066800" y="3962400"/>
+            <a:chExt cx="6567854" cy="2286000"/>
           </a:xfrm>
         </p:grpSpPr>
-        <p:cxnSp>
-          <p:nvCxnSpPr>
-            <p:cNvPr id="23" name="Straight Connector 22"/>
-            <p:cNvCxnSpPr/>
+        <p:grpSp>
+          <p:nvGrpSpPr>
+            <p:cNvPr id="3" name="Group 2"/>
+            <p:cNvGrpSpPr/>
             <p:nvPr/>
-          </p:nvCxnSpPr>
-          <p:spPr>
+          </p:nvGrpSpPr>
+          <p:grpSpPr>
             <a:xfrm>
-              <a:off x="4114800" y="2133600"/>
-              <a:ext cx="1066800" cy="1588"/>
+              <a:off x="1066800" y="3962400"/>
+              <a:ext cx="2331453" cy="2286000"/>
+              <a:chOff x="2514600" y="2286000"/>
+              <a:chExt cx="3124200" cy="2286000"/>
             </a:xfrm>
-            <a:prstGeom prst="line">
-              <a:avLst/>
-            </a:prstGeom>
-            <a:ln w="38100">
+          </p:grpSpPr>
+          <p:sp>
+            <p:nvSpPr>
+              <p:cNvPr id="4" name="Rectangle 3"/>
+              <p:cNvSpPr/>
+              <p:nvPr/>
+            </p:nvSpPr>
+            <p:spPr>
+              <a:xfrm>
+                <a:off x="2590800" y="2286000"/>
+                <a:ext cx="3048000" cy="2286000"/>
+              </a:xfrm>
+              <a:prstGeom prst="rect">
+                <a:avLst/>
+              </a:prstGeom>
+              <a:solidFill>
+                <a:srgbClr val="B86600"/>
+              </a:solidFill>
+              <a:ln>
+                <a:solidFill>
+                  <a:schemeClr val="tx1"/>
+                </a:solidFill>
+              </a:ln>
+            </p:spPr>
+            <p:style>
+              <a:lnRef idx="2">
+                <a:schemeClr val="accent1">
+                  <a:shade val="50000"/>
+                </a:schemeClr>
+              </a:lnRef>
+              <a:fillRef idx="1">
+                <a:schemeClr val="accent1"/>
+              </a:fillRef>
+              <a:effectRef idx="0">
+                <a:schemeClr val="accent1"/>
+              </a:effectRef>
+              <a:fontRef idx="minor">
+                <a:schemeClr val="lt1"/>
+              </a:fontRef>
+            </p:style>
+            <p:txBody>
+              <a:bodyPr rtlCol="0" anchor="ctr"/>
+              <a:lstStyle/>
+              <a:p>
+                <a:pPr algn="ctr"/>
+                <a:endParaRPr lang="en-US"/>
+              </a:p>
+            </p:txBody>
+          </p:sp>
+          <p:sp>
+            <p:nvSpPr>
+              <p:cNvPr id="5" name="Oval 4"/>
+              <p:cNvSpPr/>
+              <p:nvPr/>
+            </p:nvSpPr>
+            <p:spPr>
+              <a:xfrm>
+                <a:off x="2819400" y="2286000"/>
+                <a:ext cx="2819400" cy="609600"/>
+              </a:xfrm>
+              <a:prstGeom prst="ellipse">
+                <a:avLst/>
+              </a:prstGeom>
               <a:solidFill>
                 <a:schemeClr val="tx1"/>
               </a:solidFill>
-            </a:ln>
-          </p:spPr>
-          <p:style>
-            <a:lnRef idx="1">
-              <a:schemeClr val="accent1"/>
-            </a:lnRef>
-            <a:fillRef idx="0">
-              <a:schemeClr val="accent1"/>
-            </a:fillRef>
-            <a:effectRef idx="0">
-              <a:schemeClr val="accent1"/>
-            </a:effectRef>
-            <a:fontRef idx="minor">
-              <a:schemeClr val="tx1"/>
-            </a:fontRef>
-          </p:style>
-        </p:cxnSp>
-        <p:cxnSp>
-          <p:nvCxnSpPr>
-            <p:cNvPr id="24" name="Straight Connector 23"/>
-            <p:cNvCxnSpPr/>
+              <a:ln>
+                <a:solidFill>
+                  <a:schemeClr val="tx1"/>
+                </a:solidFill>
+              </a:ln>
+            </p:spPr>
+            <p:style>
+              <a:lnRef idx="2">
+                <a:schemeClr val="accent1">
+                  <a:shade val="50000"/>
+                </a:schemeClr>
+              </a:lnRef>
+              <a:fillRef idx="1">
+                <a:schemeClr val="accent1"/>
+              </a:fillRef>
+              <a:effectRef idx="0">
+                <a:schemeClr val="accent1"/>
+              </a:effectRef>
+              <a:fontRef idx="minor">
+                <a:schemeClr val="lt1"/>
+              </a:fontRef>
+            </p:style>
+            <p:txBody>
+              <a:bodyPr rtlCol="0" anchor="ctr"/>
+              <a:lstStyle/>
+              <a:p>
+                <a:pPr algn="ctr"/>
+                <a:endParaRPr lang="en-US"/>
+              </a:p>
+            </p:txBody>
+          </p:sp>
+          <p:sp>
+            <p:nvSpPr>
+              <p:cNvPr id="6" name="Rectangle 5"/>
+              <p:cNvSpPr/>
+              <p:nvPr/>
+            </p:nvSpPr>
+            <p:spPr>
+              <a:xfrm>
+                <a:off x="2819400" y="2438400"/>
+                <a:ext cx="2819400" cy="2133600"/>
+              </a:xfrm>
+              <a:prstGeom prst="rect">
+                <a:avLst/>
+              </a:prstGeom>
+              <a:solidFill>
+                <a:srgbClr val="CC6600"/>
+              </a:solidFill>
+              <a:ln>
+                <a:solidFill>
+                  <a:schemeClr val="tx1"/>
+                </a:solidFill>
+              </a:ln>
+            </p:spPr>
+            <p:style>
+              <a:lnRef idx="2">
+                <a:schemeClr val="accent1">
+                  <a:shade val="50000"/>
+                </a:schemeClr>
+              </a:lnRef>
+              <a:fillRef idx="1">
+                <a:schemeClr val="accent1"/>
+              </a:fillRef>
+              <a:effectRef idx="0">
+                <a:schemeClr val="accent1"/>
+              </a:effectRef>
+              <a:fontRef idx="minor">
+                <a:schemeClr val="lt1"/>
+              </a:fontRef>
+            </p:style>
+            <p:txBody>
+              <a:bodyPr rtlCol="0" anchor="ctr"/>
+              <a:lstStyle/>
+              <a:p>
+                <a:pPr algn="ctr"/>
+                <a:r>
+                  <a:rPr lang="en-US" sz="1600" dirty="0" smtClean="0"/>
+                  <a:t>gentlemen</a:t>
+                </a:r>
+              </a:p>
+            </p:txBody>
+          </p:sp>
+          <p:cxnSp>
+            <p:nvCxnSpPr>
+              <p:cNvPr id="7" name="Straight Connector 6"/>
+              <p:cNvCxnSpPr/>
+              <p:nvPr/>
+            </p:nvCxnSpPr>
+            <p:spPr>
+              <a:xfrm>
+                <a:off x="2590800" y="2286000"/>
+                <a:ext cx="228600" cy="152400"/>
+              </a:xfrm>
+              <a:prstGeom prst="line">
+                <a:avLst/>
+              </a:prstGeom>
+              <a:ln w="28575">
+                <a:solidFill>
+                  <a:schemeClr val="tx1"/>
+                </a:solidFill>
+              </a:ln>
+            </p:spPr>
+            <p:style>
+              <a:lnRef idx="1">
+                <a:schemeClr val="accent1"/>
+              </a:lnRef>
+              <a:fillRef idx="0">
+                <a:schemeClr val="accent1"/>
+              </a:fillRef>
+              <a:effectRef idx="0">
+                <a:schemeClr val="accent1"/>
+              </a:effectRef>
+              <a:fontRef idx="minor">
+                <a:schemeClr val="tx1"/>
+              </a:fontRef>
+            </p:style>
+          </p:cxnSp>
+          <p:sp>
+            <p:nvSpPr>
+              <p:cNvPr id="8" name="Isosceles Triangle 7"/>
+              <p:cNvSpPr/>
+              <p:nvPr/>
+            </p:nvSpPr>
+            <p:spPr>
+              <a:xfrm rot="10800000">
+                <a:off x="2514600" y="2362199"/>
+                <a:ext cx="381000" cy="304800"/>
+              </a:xfrm>
+              <a:prstGeom prst="triangle">
+                <a:avLst/>
+              </a:prstGeom>
+              <a:solidFill>
+                <a:srgbClr val="B86600"/>
+              </a:solidFill>
+              <a:ln>
+                <a:solidFill>
+                  <a:schemeClr val="tx1"/>
+                </a:solidFill>
+              </a:ln>
+              <a:scene3d>
+                <a:camera prst="isometricLeftDown"/>
+                <a:lightRig rig="threePt" dir="t"/>
+              </a:scene3d>
+            </p:spPr>
+            <p:style>
+              <a:lnRef idx="2">
+                <a:schemeClr val="accent1">
+                  <a:shade val="50000"/>
+                </a:schemeClr>
+              </a:lnRef>
+              <a:fillRef idx="1">
+                <a:schemeClr val="accent1"/>
+              </a:fillRef>
+              <a:effectRef idx="0">
+                <a:schemeClr val="accent1"/>
+              </a:effectRef>
+              <a:fontRef idx="minor">
+                <a:schemeClr val="lt1"/>
+              </a:fontRef>
+            </p:style>
+            <p:txBody>
+              <a:bodyPr rtlCol="0" anchor="ctr"/>
+              <a:lstStyle/>
+              <a:p>
+                <a:pPr algn="ctr"/>
+                <a:endParaRPr lang="en-US"/>
+              </a:p>
+            </p:txBody>
+          </p:sp>
+          <p:sp>
+            <p:nvSpPr>
+              <p:cNvPr id="9" name="Isosceles Triangle 8"/>
+              <p:cNvSpPr/>
+              <p:nvPr/>
+            </p:nvSpPr>
+            <p:spPr>
+              <a:xfrm rot="10800000">
+                <a:off x="2819400" y="2438400"/>
+                <a:ext cx="2819400" cy="609600"/>
+              </a:xfrm>
+              <a:prstGeom prst="triangle">
+                <a:avLst/>
+              </a:prstGeom>
+              <a:solidFill>
+                <a:srgbClr val="B86600"/>
+              </a:solidFill>
+              <a:ln>
+                <a:solidFill>
+                  <a:schemeClr val="tx1"/>
+                </a:solidFill>
+              </a:ln>
+            </p:spPr>
+            <p:style>
+              <a:lnRef idx="2">
+                <a:schemeClr val="accent1">
+                  <a:shade val="50000"/>
+                </a:schemeClr>
+              </a:lnRef>
+              <a:fillRef idx="1">
+                <a:schemeClr val="accent1"/>
+              </a:fillRef>
+              <a:effectRef idx="0">
+                <a:schemeClr val="accent1"/>
+              </a:effectRef>
+              <a:fontRef idx="minor">
+                <a:schemeClr val="lt1"/>
+              </a:fontRef>
+            </p:style>
+            <p:txBody>
+              <a:bodyPr rtlCol="0" anchor="ctr"/>
+              <a:lstStyle/>
+              <a:p>
+                <a:pPr algn="ctr"/>
+                <a:endParaRPr lang="en-US"/>
+              </a:p>
+            </p:txBody>
+          </p:sp>
+        </p:grpSp>
+        <p:grpSp>
+          <p:nvGrpSpPr>
+            <p:cNvPr id="10" name="Group 9"/>
+            <p:cNvGrpSpPr/>
             <p:nvPr/>
-          </p:nvCxnSpPr>
+          </p:nvGrpSpPr>
+          <p:grpSpPr>
+            <a:xfrm>
+              <a:off x="3733800" y="4876800"/>
+              <a:ext cx="2040021" cy="612776"/>
+              <a:chOff x="4114800" y="2133600"/>
+              <a:chExt cx="1066800" cy="306388"/>
+            </a:xfrm>
+          </p:grpSpPr>
+          <p:cxnSp>
+            <p:nvCxnSpPr>
+              <p:cNvPr id="11" name="Straight Connector 10"/>
+              <p:cNvCxnSpPr/>
+              <p:nvPr/>
+            </p:nvCxnSpPr>
+            <p:spPr>
+              <a:xfrm>
+                <a:off x="4114800" y="2133600"/>
+                <a:ext cx="1066800" cy="1588"/>
+              </a:xfrm>
+              <a:prstGeom prst="line">
+                <a:avLst/>
+              </a:prstGeom>
+              <a:ln w="38100">
+                <a:solidFill>
+                  <a:schemeClr val="tx1"/>
+                </a:solidFill>
+              </a:ln>
+            </p:spPr>
+            <p:style>
+              <a:lnRef idx="1">
+                <a:schemeClr val="accent1"/>
+              </a:lnRef>
+              <a:fillRef idx="0">
+                <a:schemeClr val="accent1"/>
+              </a:fillRef>
+              <a:effectRef idx="0">
+                <a:schemeClr val="accent1"/>
+              </a:effectRef>
+              <a:fontRef idx="minor">
+                <a:schemeClr val="tx1"/>
+              </a:fontRef>
+            </p:style>
+          </p:cxnSp>
+          <p:cxnSp>
+            <p:nvCxnSpPr>
+              <p:cNvPr id="12" name="Straight Connector 11"/>
+              <p:cNvCxnSpPr/>
+              <p:nvPr/>
+            </p:nvCxnSpPr>
+            <p:spPr>
+              <a:xfrm>
+                <a:off x="4114800" y="2438400"/>
+                <a:ext cx="1066800" cy="1588"/>
+              </a:xfrm>
+              <a:prstGeom prst="line">
+                <a:avLst/>
+              </a:prstGeom>
+              <a:ln w="38100">
+                <a:solidFill>
+                  <a:schemeClr val="tx1"/>
+                </a:solidFill>
+              </a:ln>
+            </p:spPr>
+            <p:style>
+              <a:lnRef idx="1">
+                <a:schemeClr val="accent1"/>
+              </a:lnRef>
+              <a:fillRef idx="0">
+                <a:schemeClr val="accent1"/>
+              </a:fillRef>
+              <a:effectRef idx="0">
+                <a:schemeClr val="accent1"/>
+              </a:effectRef>
+              <a:fontRef idx="minor">
+                <a:schemeClr val="tx1"/>
+              </a:fontRef>
+            </p:style>
+          </p:cxnSp>
+        </p:grpSp>
+        <p:sp>
+          <p:nvSpPr>
+            <p:cNvPr id="13" name="TextBox 12"/>
+            <p:cNvSpPr txBox="1"/>
+            <p:nvPr/>
+          </p:nvSpPr>
           <p:spPr>
             <a:xfrm>
-              <a:off x="4114800" y="2438400"/>
-              <a:ext cx="1066800" cy="1588"/>
+              <a:off x="6629401" y="4724400"/>
+              <a:ext cx="1005253" cy="887817"/>
             </a:xfrm>
-            <a:prstGeom prst="line">
+            <a:prstGeom prst="rect">
               <a:avLst/>
             </a:prstGeom>
-            <a:ln w="38100">
-              <a:solidFill>
-                <a:schemeClr val="tx1"/>
-              </a:solidFill>
-            </a:ln>
+            <a:noFill/>
           </p:spPr>
-          <p:style>
-            <a:lnRef idx="1">
-              <a:schemeClr val="accent1"/>
-            </a:lnRef>
-            <a:fillRef idx="0">
-              <a:schemeClr val="accent1"/>
-            </a:fillRef>
-            <a:effectRef idx="0">
-              <a:schemeClr val="accent1"/>
-            </a:effectRef>
-            <a:fontRef idx="minor">
-              <a:schemeClr val="tx1"/>
-            </a:fontRef>
-          </p:style>
-        </p:cxnSp>
+          <p:txBody>
+            <a:bodyPr wrap="square" rtlCol="0">
+              <a:spAutoFit/>
+            </a:bodyPr>
+            <a:lstStyle/>
+            <a:p>
+              <a:r>
+                <a:rPr lang="en-US" sz="4400" b="1" dirty="0" smtClean="0"/>
+                <a:t>15</a:t>
+              </a:r>
+              <a:endParaRPr lang="en-US" sz="4400" b="1" dirty="0"/>
+            </a:p>
+          </p:txBody>
+        </p:sp>
       </p:grpSp>
+      <p:sp>
+        <p:nvSpPr>
+          <p:cNvPr id="15" name="TextBox 14"/>
+          <p:cNvSpPr txBox="1"/>
+          <p:nvPr/>
+        </p:nvSpPr>
+        <p:spPr>
+          <a:xfrm>
+            <a:off x="1219200" y="3733800"/>
+            <a:ext cx="3810000" cy="369332"/>
+          </a:xfrm>
+          <a:prstGeom prst="rect">
+            <a:avLst/>
+          </a:prstGeom>
+          <a:noFill/>
+        </p:spPr>
+        <p:txBody>
+          <a:bodyPr wrap="square" rtlCol="0">
+            <a:spAutoFit/>
+          </a:bodyPr>
+          <a:lstStyle/>
+          <a:p>
+            <a:r>
+              <a:rPr lang="en-US" smtClean="0"/>
+              <a:t>NOW, </a:t>
+            </a:r>
+            <a:endParaRPr lang="en-US" dirty="0"/>
+          </a:p>
+        </p:txBody>
+      </p:sp>
+      <p:sp>
+        <p:nvSpPr>
+          <p:cNvPr id="16" name="TextBox 15"/>
+          <p:cNvSpPr txBox="1"/>
+          <p:nvPr/>
+        </p:nvSpPr>
+        <p:spPr>
+          <a:xfrm>
+            <a:off x="5638800" y="6019800"/>
+            <a:ext cx="2743200" cy="646331"/>
+          </a:xfrm>
+          <a:prstGeom prst="rect">
+            <a:avLst/>
+          </a:prstGeom>
+          <a:noFill/>
+        </p:spPr>
+        <p:txBody>
+          <a:bodyPr wrap="square" rtlCol="0">
+            <a:spAutoFit/>
+          </a:bodyPr>
+          <a:lstStyle/>
+          <a:p>
+            <a:r>
+              <a:rPr lang="en-US" dirty="0" smtClean="0"/>
+              <a:t>Suppose I changed my answer</a:t>
+            </a:r>
+            <a:endParaRPr lang="en-US" dirty="0"/>
+          </a:p>
+        </p:txBody>
+      </p:sp>
+    </p:spTree>
+  </p:cSld>
+  <p:clrMapOvr>
+    <a:masterClrMapping/>
+  </p:clrMapOvr>
+</p:sld>
+</file>
+
+<file path=ppt/slides/slide5.xml><?xml version="1.0" encoding="utf-8"?>
+<p:sld xmlns:a="http://schemas.openxmlformats.org/drawingml/2006/main" xmlns:r="http://schemas.openxmlformats.org/officeDocument/2006/relationships" xmlns:p="http://schemas.openxmlformats.org/presentationml/2006/main">
+  <p:cSld>
+    <p:spTree>
+      <p:nvGrpSpPr>
+        <p:cNvPr id="1" name=""/>
+        <p:cNvGrpSpPr/>
+        <p:nvPr/>
+      </p:nvGrpSpPr>
+      <p:grpSpPr>
+        <a:xfrm>
+          <a:off x="0" y="0"/>
+          <a:ext cx="0" cy="0"/>
+          <a:chOff x="0" y="0"/>
+          <a:chExt cx="0" cy="0"/>
+        </a:xfrm>
+      </p:grpSpPr>
+      <p:pic>
+        <p:nvPicPr>
+          <p:cNvPr id="2" name="Picture 1" descr="varExp_Eng4.PNG"/>
+          <p:cNvPicPr>
+            <a:picLocks noChangeAspect="1"/>
+          </p:cNvPicPr>
+          <p:nvPr/>
+        </p:nvPicPr>
+        <p:blipFill>
+          <a:blip r:embed="rId2"/>
+          <a:stretch>
+            <a:fillRect/>
+          </a:stretch>
+        </p:blipFill>
+        <p:spPr>
+          <a:xfrm>
+            <a:off x="571" y="428"/>
+            <a:ext cx="9142858" cy="6857143"/>
+          </a:xfrm>
+          <a:prstGeom prst="rect">
+            <a:avLst/>
+          </a:prstGeom>
+        </p:spPr>
+      </p:pic>
       <p:grpSp>
         <p:nvGrpSpPr>
-          <p:cNvPr id="25" name="Group 24"/>
+          <p:cNvPr id="3" name="Group 2"/>
           <p:cNvGrpSpPr/>
           <p:nvPr/>
         </p:nvGrpSpPr>
         <p:grpSpPr>
           <a:xfrm>
-            <a:off x="6858000" y="533400"/>
-            <a:ext cx="1295400" cy="1295400"/>
+            <a:off x="6781800" y="4876800"/>
+            <a:ext cx="1798053" cy="1828800"/>
             <a:chOff x="2514600" y="2286000"/>
             <a:chExt cx="3124200" cy="2286000"/>
           </a:xfrm>
         </p:grpSpPr>
         <p:sp>
           <p:nvSpPr>
-            <p:cNvPr id="26" name="Rectangle 25"/>
+            <p:cNvPr id="4" name="Rectangle 3"/>
             <p:cNvSpPr/>
             <p:nvPr/>
           </p:nvSpPr>
@@ -12220,7 +12880,7 @@
         </p:sp>
         <p:sp>
           <p:nvSpPr>
-            <p:cNvPr id="27" name="Oval 26"/>
+            <p:cNvPr id="5" name="Oval 4"/>
             <p:cNvSpPr/>
             <p:nvPr/>
           </p:nvSpPr>
@@ -12268,7 +12928,7 @@
         </p:sp>
         <p:sp>
           <p:nvSpPr>
-            <p:cNvPr id="28" name="Rectangle 27"/>
+            <p:cNvPr id="6" name="Rectangle 5"/>
             <p:cNvSpPr/>
             <p:nvPr/>
           </p:nvSpPr>
@@ -12312,20 +12972,6 @@
               <a:pPr algn="ctr"/>
               <a:r>
                 <a:rPr lang="en-US" sz="1600" dirty="0" smtClean="0"/>
-                <a:t>Boys</a:t>
-              </a:r>
-            </a:p>
-            <a:p>
-              <a:pPr algn="ctr"/>
-              <a:r>
-                <a:rPr lang="en-US" sz="1600" dirty="0" smtClean="0"/>
-                <a:t>Or</a:t>
-              </a:r>
-            </a:p>
-            <a:p>
-              <a:pPr algn="ctr"/>
-              <a:r>
-                <a:rPr lang="en-US" sz="1600" dirty="0" smtClean="0"/>
                 <a:t>gentlemen</a:t>
               </a:r>
             </a:p>
@@ -12333,7 +12979,7 @@
         </p:sp>
         <p:cxnSp>
           <p:nvCxnSpPr>
-            <p:cNvPr id="29" name="Straight Connector 28"/>
+            <p:cNvPr id="7" name="Straight Connector 6"/>
             <p:cNvCxnSpPr/>
             <p:nvPr/>
           </p:nvCxnSpPr>
@@ -12368,7 +13014,7 @@
         </p:cxnSp>
         <p:sp>
           <p:nvSpPr>
-            <p:cNvPr id="30" name="Isosceles Triangle 29"/>
+            <p:cNvPr id="8" name="Isosceles Triangle 7"/>
             <p:cNvSpPr/>
             <p:nvPr/>
           </p:nvSpPr>
@@ -12420,7 +13066,7 @@
         </p:sp>
         <p:sp>
           <p:nvSpPr>
-            <p:cNvPr id="31" name="Isosceles Triangle 30"/>
+            <p:cNvPr id="9" name="Isosceles Triangle 8"/>
             <p:cNvSpPr/>
             <p:nvPr/>
           </p:nvSpPr>
@@ -12469,14 +13115,14 @@
       </p:grpSp>
       <p:sp>
         <p:nvSpPr>
-          <p:cNvPr id="32" name="TextBox 31"/>
+          <p:cNvPr id="10" name="TextBox 9"/>
           <p:cNvSpPr txBox="1"/>
           <p:nvPr/>
         </p:nvSpPr>
         <p:spPr>
           <a:xfrm>
-            <a:off x="533400" y="4419600"/>
-            <a:ext cx="7924800" cy="1569660"/>
+            <a:off x="3276600" y="5638800"/>
+            <a:ext cx="2971800" cy="830997"/>
           </a:xfrm>
           <a:prstGeom prst="rect">
             <a:avLst/>
@@ -12491,863 +13137,9 @@
           <a:p>
             <a:r>
               <a:rPr lang="en-US" sz="2400" dirty="0" smtClean="0"/>
-              <a:t>When I say gentlemen = boys in the code, the box boys gets a new name which is gentlemen. And if I ask by using either of the names, I will get the same box. If I change gentlemen it will mean that boys is changed</a:t>
+              <a:t>girls + gentlemen = 110 </a:t>
             </a:r>
             <a:endParaRPr lang="en-US" sz="2400" dirty="0"/>
-          </a:p>
-        </p:txBody>
-      </p:sp>
-      <p:grpSp>
-        <p:nvGrpSpPr>
-          <p:cNvPr id="34" name="Group 33"/>
-          <p:cNvGrpSpPr/>
-          <p:nvPr/>
-        </p:nvGrpSpPr>
-        <p:grpSpPr>
-          <a:xfrm>
-            <a:off x="457200" y="2667000"/>
-            <a:ext cx="1219200" cy="1143000"/>
-            <a:chOff x="2514600" y="2286000"/>
-            <a:chExt cx="3124200" cy="2286000"/>
-          </a:xfrm>
-        </p:grpSpPr>
-        <p:sp>
-          <p:nvSpPr>
-            <p:cNvPr id="35" name="Rectangle 34"/>
-            <p:cNvSpPr/>
-            <p:nvPr/>
-          </p:nvSpPr>
-          <p:spPr>
-            <a:xfrm>
-              <a:off x="2590800" y="2286000"/>
-              <a:ext cx="3048000" cy="2286000"/>
-            </a:xfrm>
-            <a:prstGeom prst="rect">
-              <a:avLst/>
-            </a:prstGeom>
-            <a:solidFill>
-              <a:srgbClr val="B86600"/>
-            </a:solidFill>
-            <a:ln>
-              <a:solidFill>
-                <a:schemeClr val="tx1"/>
-              </a:solidFill>
-            </a:ln>
-          </p:spPr>
-          <p:style>
-            <a:lnRef idx="2">
-              <a:schemeClr val="accent1">
-                <a:shade val="50000"/>
-              </a:schemeClr>
-            </a:lnRef>
-            <a:fillRef idx="1">
-              <a:schemeClr val="accent1"/>
-            </a:fillRef>
-            <a:effectRef idx="0">
-              <a:schemeClr val="accent1"/>
-            </a:effectRef>
-            <a:fontRef idx="minor">
-              <a:schemeClr val="lt1"/>
-            </a:fontRef>
-          </p:style>
-          <p:txBody>
-            <a:bodyPr rtlCol="0" anchor="ctr"/>
-            <a:lstStyle/>
-            <a:p>
-              <a:pPr algn="ctr"/>
-              <a:endParaRPr lang="en-US"/>
-            </a:p>
-          </p:txBody>
-        </p:sp>
-        <p:sp>
-          <p:nvSpPr>
-            <p:cNvPr id="36" name="Oval 35"/>
-            <p:cNvSpPr/>
-            <p:nvPr/>
-          </p:nvSpPr>
-          <p:spPr>
-            <a:xfrm>
-              <a:off x="2819400" y="2286000"/>
-              <a:ext cx="2819400" cy="609600"/>
-            </a:xfrm>
-            <a:prstGeom prst="ellipse">
-              <a:avLst/>
-            </a:prstGeom>
-            <a:solidFill>
-              <a:schemeClr val="tx1"/>
-            </a:solidFill>
-            <a:ln>
-              <a:solidFill>
-                <a:schemeClr val="tx1"/>
-              </a:solidFill>
-            </a:ln>
-          </p:spPr>
-          <p:style>
-            <a:lnRef idx="2">
-              <a:schemeClr val="accent1">
-                <a:shade val="50000"/>
-              </a:schemeClr>
-            </a:lnRef>
-            <a:fillRef idx="1">
-              <a:schemeClr val="accent1"/>
-            </a:fillRef>
-            <a:effectRef idx="0">
-              <a:schemeClr val="accent1"/>
-            </a:effectRef>
-            <a:fontRef idx="minor">
-              <a:schemeClr val="lt1"/>
-            </a:fontRef>
-          </p:style>
-          <p:txBody>
-            <a:bodyPr rtlCol="0" anchor="ctr"/>
-            <a:lstStyle/>
-            <a:p>
-              <a:pPr algn="ctr"/>
-              <a:endParaRPr lang="en-US"/>
-            </a:p>
-          </p:txBody>
-        </p:sp>
-        <p:sp>
-          <p:nvSpPr>
-            <p:cNvPr id="37" name="Rectangle 36"/>
-            <p:cNvSpPr/>
-            <p:nvPr/>
-          </p:nvSpPr>
-          <p:spPr>
-            <a:xfrm>
-              <a:off x="2819400" y="2438400"/>
-              <a:ext cx="2819400" cy="2133600"/>
-            </a:xfrm>
-            <a:prstGeom prst="rect">
-              <a:avLst/>
-            </a:prstGeom>
-            <a:solidFill>
-              <a:srgbClr val="CC6600"/>
-            </a:solidFill>
-            <a:ln>
-              <a:solidFill>
-                <a:schemeClr val="tx1"/>
-              </a:solidFill>
-            </a:ln>
-          </p:spPr>
-          <p:style>
-            <a:lnRef idx="2">
-              <a:schemeClr val="accent1">
-                <a:shade val="50000"/>
-              </a:schemeClr>
-            </a:lnRef>
-            <a:fillRef idx="1">
-              <a:schemeClr val="accent1"/>
-            </a:fillRef>
-            <a:effectRef idx="0">
-              <a:schemeClr val="accent1"/>
-            </a:effectRef>
-            <a:fontRef idx="minor">
-              <a:schemeClr val="lt1"/>
-            </a:fontRef>
-          </p:style>
-          <p:txBody>
-            <a:bodyPr rtlCol="0" anchor="ctr"/>
-            <a:lstStyle/>
-            <a:p>
-              <a:pPr algn="ctr"/>
-              <a:r>
-                <a:rPr lang="en-US" sz="1600" dirty="0" smtClean="0"/>
-                <a:t>gentlemen</a:t>
-              </a:r>
-            </a:p>
-          </p:txBody>
-        </p:sp>
-        <p:cxnSp>
-          <p:nvCxnSpPr>
-            <p:cNvPr id="38" name="Straight Connector 37"/>
-            <p:cNvCxnSpPr/>
-            <p:nvPr/>
-          </p:nvCxnSpPr>
-          <p:spPr>
-            <a:xfrm>
-              <a:off x="2590800" y="2286000"/>
-              <a:ext cx="228600" cy="152400"/>
-            </a:xfrm>
-            <a:prstGeom prst="line">
-              <a:avLst/>
-            </a:prstGeom>
-            <a:ln w="28575">
-              <a:solidFill>
-                <a:schemeClr val="tx1"/>
-              </a:solidFill>
-            </a:ln>
-          </p:spPr>
-          <p:style>
-            <a:lnRef idx="1">
-              <a:schemeClr val="accent1"/>
-            </a:lnRef>
-            <a:fillRef idx="0">
-              <a:schemeClr val="accent1"/>
-            </a:fillRef>
-            <a:effectRef idx="0">
-              <a:schemeClr val="accent1"/>
-            </a:effectRef>
-            <a:fontRef idx="minor">
-              <a:schemeClr val="tx1"/>
-            </a:fontRef>
-          </p:style>
-        </p:cxnSp>
-        <p:sp>
-          <p:nvSpPr>
-            <p:cNvPr id="39" name="Isosceles Triangle 38"/>
-            <p:cNvSpPr/>
-            <p:nvPr/>
-          </p:nvSpPr>
-          <p:spPr>
-            <a:xfrm rot="10800000">
-              <a:off x="2514600" y="2362199"/>
-              <a:ext cx="381000" cy="304800"/>
-            </a:xfrm>
-            <a:prstGeom prst="triangle">
-              <a:avLst/>
-            </a:prstGeom>
-            <a:solidFill>
-              <a:srgbClr val="B86600"/>
-            </a:solidFill>
-            <a:ln>
-              <a:solidFill>
-                <a:schemeClr val="tx1"/>
-              </a:solidFill>
-            </a:ln>
-            <a:scene3d>
-              <a:camera prst="isometricLeftDown"/>
-              <a:lightRig rig="threePt" dir="t"/>
-            </a:scene3d>
-          </p:spPr>
-          <p:style>
-            <a:lnRef idx="2">
-              <a:schemeClr val="accent1">
-                <a:shade val="50000"/>
-              </a:schemeClr>
-            </a:lnRef>
-            <a:fillRef idx="1">
-              <a:schemeClr val="accent1"/>
-            </a:fillRef>
-            <a:effectRef idx="0">
-              <a:schemeClr val="accent1"/>
-            </a:effectRef>
-            <a:fontRef idx="minor">
-              <a:schemeClr val="lt1"/>
-            </a:fontRef>
-          </p:style>
-          <p:txBody>
-            <a:bodyPr rtlCol="0" anchor="ctr"/>
-            <a:lstStyle/>
-            <a:p>
-              <a:pPr algn="ctr"/>
-              <a:endParaRPr lang="en-US"/>
-            </a:p>
-          </p:txBody>
-        </p:sp>
-        <p:sp>
-          <p:nvSpPr>
-            <p:cNvPr id="40" name="Isosceles Triangle 39"/>
-            <p:cNvSpPr/>
-            <p:nvPr/>
-          </p:nvSpPr>
-          <p:spPr>
-            <a:xfrm rot="10800000">
-              <a:off x="2819400" y="2438400"/>
-              <a:ext cx="2819400" cy="609600"/>
-            </a:xfrm>
-            <a:prstGeom prst="triangle">
-              <a:avLst/>
-            </a:prstGeom>
-            <a:solidFill>
-              <a:srgbClr val="B86600"/>
-            </a:solidFill>
-            <a:ln>
-              <a:solidFill>
-                <a:schemeClr val="tx1"/>
-              </a:solidFill>
-            </a:ln>
-          </p:spPr>
-          <p:style>
-            <a:lnRef idx="2">
-              <a:schemeClr val="accent1">
-                <a:shade val="50000"/>
-              </a:schemeClr>
-            </a:lnRef>
-            <a:fillRef idx="1">
-              <a:schemeClr val="accent1"/>
-            </a:fillRef>
-            <a:effectRef idx="0">
-              <a:schemeClr val="accent1"/>
-            </a:effectRef>
-            <a:fontRef idx="minor">
-              <a:schemeClr val="lt1"/>
-            </a:fontRef>
-          </p:style>
-          <p:txBody>
-            <a:bodyPr rtlCol="0" anchor="ctr"/>
-            <a:lstStyle/>
-            <a:p>
-              <a:pPr algn="ctr"/>
-              <a:endParaRPr lang="en-US"/>
-            </a:p>
-          </p:txBody>
-        </p:sp>
-      </p:grpSp>
-      <p:grpSp>
-        <p:nvGrpSpPr>
-          <p:cNvPr id="41" name="Group 40"/>
-          <p:cNvGrpSpPr/>
-          <p:nvPr/>
-        </p:nvGrpSpPr>
-        <p:grpSpPr>
-          <a:xfrm>
-            <a:off x="1905000" y="3124200"/>
-            <a:ext cx="1066800" cy="306388"/>
-            <a:chOff x="4114800" y="2133600"/>
-            <a:chExt cx="1066800" cy="306388"/>
-          </a:xfrm>
-        </p:grpSpPr>
-        <p:cxnSp>
-          <p:nvCxnSpPr>
-            <p:cNvPr id="42" name="Straight Connector 41"/>
-            <p:cNvCxnSpPr/>
-            <p:nvPr/>
-          </p:nvCxnSpPr>
-          <p:spPr>
-            <a:xfrm>
-              <a:off x="4114800" y="2133600"/>
-              <a:ext cx="1066800" cy="1588"/>
-            </a:xfrm>
-            <a:prstGeom prst="line">
-              <a:avLst/>
-            </a:prstGeom>
-            <a:ln w="38100">
-              <a:solidFill>
-                <a:schemeClr val="tx1"/>
-              </a:solidFill>
-            </a:ln>
-          </p:spPr>
-          <p:style>
-            <a:lnRef idx="1">
-              <a:schemeClr val="accent1"/>
-            </a:lnRef>
-            <a:fillRef idx="0">
-              <a:schemeClr val="accent1"/>
-            </a:fillRef>
-            <a:effectRef idx="0">
-              <a:schemeClr val="accent1"/>
-            </a:effectRef>
-            <a:fontRef idx="minor">
-              <a:schemeClr val="tx1"/>
-            </a:fontRef>
-          </p:style>
-        </p:cxnSp>
-        <p:cxnSp>
-          <p:nvCxnSpPr>
-            <p:cNvPr id="43" name="Straight Connector 42"/>
-            <p:cNvCxnSpPr/>
-            <p:nvPr/>
-          </p:nvCxnSpPr>
-          <p:spPr>
-            <a:xfrm>
-              <a:off x="4114800" y="2438400"/>
-              <a:ext cx="1066800" cy="1588"/>
-            </a:xfrm>
-            <a:prstGeom prst="line">
-              <a:avLst/>
-            </a:prstGeom>
-            <a:ln w="38100">
-              <a:solidFill>
-                <a:schemeClr val="tx1"/>
-              </a:solidFill>
-            </a:ln>
-          </p:spPr>
-          <p:style>
-            <a:lnRef idx="1">
-              <a:schemeClr val="accent1"/>
-            </a:lnRef>
-            <a:fillRef idx="0">
-              <a:schemeClr val="accent1"/>
-            </a:fillRef>
-            <a:effectRef idx="0">
-              <a:schemeClr val="accent1"/>
-            </a:effectRef>
-            <a:fontRef idx="minor">
-              <a:schemeClr val="tx1"/>
-            </a:fontRef>
-          </p:style>
-        </p:cxnSp>
-      </p:grpSp>
-      <p:sp>
-        <p:nvSpPr>
-          <p:cNvPr id="44" name="TextBox 43"/>
-          <p:cNvSpPr txBox="1"/>
-          <p:nvPr/>
-        </p:nvSpPr>
-        <p:spPr>
-          <a:xfrm>
-            <a:off x="3124200" y="2819400"/>
-            <a:ext cx="2209800" cy="1015663"/>
-          </a:xfrm>
-          <a:prstGeom prst="rect">
-            <a:avLst/>
-          </a:prstGeom>
-          <a:noFill/>
-        </p:spPr>
-        <p:txBody>
-          <a:bodyPr wrap="square" rtlCol="0">
-            <a:spAutoFit/>
-          </a:bodyPr>
-          <a:lstStyle/>
-          <a:p>
-            <a:r>
-              <a:rPr lang="en-US" sz="6000" b="1" dirty="0" smtClean="0"/>
-              <a:t>15</a:t>
-            </a:r>
-            <a:endParaRPr lang="en-US" sz="6000" b="1" dirty="0"/>
-          </a:p>
-        </p:txBody>
-      </p:sp>
-      <p:sp>
-        <p:nvSpPr>
-          <p:cNvPr id="45" name="TextBox 44"/>
-          <p:cNvSpPr txBox="1"/>
-          <p:nvPr/>
-        </p:nvSpPr>
-        <p:spPr>
-          <a:xfrm>
-            <a:off x="4114800" y="3352800"/>
-            <a:ext cx="762000" cy="369332"/>
-          </a:xfrm>
-          <a:prstGeom prst="rect">
-            <a:avLst/>
-          </a:prstGeom>
-          <a:noFill/>
-        </p:spPr>
-        <p:txBody>
-          <a:bodyPr wrap="square" rtlCol="0">
-            <a:spAutoFit/>
-          </a:bodyPr>
-          <a:lstStyle/>
-          <a:p>
-            <a:r>
-              <a:rPr lang="en-US" dirty="0" smtClean="0"/>
-              <a:t>Then!</a:t>
-            </a:r>
-            <a:endParaRPr lang="en-US" dirty="0"/>
-          </a:p>
-        </p:txBody>
-      </p:sp>
-      <p:grpSp>
-        <p:nvGrpSpPr>
-          <p:cNvPr id="46" name="Group 45"/>
-          <p:cNvGrpSpPr/>
-          <p:nvPr/>
-        </p:nvGrpSpPr>
-        <p:grpSpPr>
-          <a:xfrm>
-            <a:off x="4953000" y="2590800"/>
-            <a:ext cx="1219200" cy="1143000"/>
-            <a:chOff x="2514600" y="2286000"/>
-            <a:chExt cx="3124200" cy="2286000"/>
-          </a:xfrm>
-        </p:grpSpPr>
-        <p:sp>
-          <p:nvSpPr>
-            <p:cNvPr id="47" name="Rectangle 46"/>
-            <p:cNvSpPr/>
-            <p:nvPr/>
-          </p:nvSpPr>
-          <p:spPr>
-            <a:xfrm>
-              <a:off x="2590800" y="2286000"/>
-              <a:ext cx="3048000" cy="2286000"/>
-            </a:xfrm>
-            <a:prstGeom prst="rect">
-              <a:avLst/>
-            </a:prstGeom>
-            <a:solidFill>
-              <a:srgbClr val="B86600"/>
-            </a:solidFill>
-            <a:ln>
-              <a:solidFill>
-                <a:schemeClr val="tx1"/>
-              </a:solidFill>
-            </a:ln>
-          </p:spPr>
-          <p:style>
-            <a:lnRef idx="2">
-              <a:schemeClr val="accent1">
-                <a:shade val="50000"/>
-              </a:schemeClr>
-            </a:lnRef>
-            <a:fillRef idx="1">
-              <a:schemeClr val="accent1"/>
-            </a:fillRef>
-            <a:effectRef idx="0">
-              <a:schemeClr val="accent1"/>
-            </a:effectRef>
-            <a:fontRef idx="minor">
-              <a:schemeClr val="lt1"/>
-            </a:fontRef>
-          </p:style>
-          <p:txBody>
-            <a:bodyPr rtlCol="0" anchor="ctr"/>
-            <a:lstStyle/>
-            <a:p>
-              <a:pPr algn="ctr"/>
-              <a:endParaRPr lang="en-US"/>
-            </a:p>
-          </p:txBody>
-        </p:sp>
-        <p:sp>
-          <p:nvSpPr>
-            <p:cNvPr id="48" name="Oval 47"/>
-            <p:cNvSpPr/>
-            <p:nvPr/>
-          </p:nvSpPr>
-          <p:spPr>
-            <a:xfrm>
-              <a:off x="2819400" y="2286000"/>
-              <a:ext cx="2819400" cy="609600"/>
-            </a:xfrm>
-            <a:prstGeom prst="ellipse">
-              <a:avLst/>
-            </a:prstGeom>
-            <a:solidFill>
-              <a:schemeClr val="tx1"/>
-            </a:solidFill>
-            <a:ln>
-              <a:solidFill>
-                <a:schemeClr val="tx1"/>
-              </a:solidFill>
-            </a:ln>
-          </p:spPr>
-          <p:style>
-            <a:lnRef idx="2">
-              <a:schemeClr val="accent1">
-                <a:shade val="50000"/>
-              </a:schemeClr>
-            </a:lnRef>
-            <a:fillRef idx="1">
-              <a:schemeClr val="accent1"/>
-            </a:fillRef>
-            <a:effectRef idx="0">
-              <a:schemeClr val="accent1"/>
-            </a:effectRef>
-            <a:fontRef idx="minor">
-              <a:schemeClr val="lt1"/>
-            </a:fontRef>
-          </p:style>
-          <p:txBody>
-            <a:bodyPr rtlCol="0" anchor="ctr"/>
-            <a:lstStyle/>
-            <a:p>
-              <a:pPr algn="ctr"/>
-              <a:endParaRPr lang="en-US"/>
-            </a:p>
-          </p:txBody>
-        </p:sp>
-        <p:sp>
-          <p:nvSpPr>
-            <p:cNvPr id="49" name="Rectangle 48"/>
-            <p:cNvSpPr/>
-            <p:nvPr/>
-          </p:nvSpPr>
-          <p:spPr>
-            <a:xfrm>
-              <a:off x="2819400" y="2438400"/>
-              <a:ext cx="2819400" cy="2133600"/>
-            </a:xfrm>
-            <a:prstGeom prst="rect">
-              <a:avLst/>
-            </a:prstGeom>
-            <a:solidFill>
-              <a:srgbClr val="CC6600"/>
-            </a:solidFill>
-            <a:ln>
-              <a:solidFill>
-                <a:schemeClr val="tx1"/>
-              </a:solidFill>
-            </a:ln>
-          </p:spPr>
-          <p:style>
-            <a:lnRef idx="2">
-              <a:schemeClr val="accent1">
-                <a:shade val="50000"/>
-              </a:schemeClr>
-            </a:lnRef>
-            <a:fillRef idx="1">
-              <a:schemeClr val="accent1"/>
-            </a:fillRef>
-            <a:effectRef idx="0">
-              <a:schemeClr val="accent1"/>
-            </a:effectRef>
-            <a:fontRef idx="minor">
-              <a:schemeClr val="lt1"/>
-            </a:fontRef>
-          </p:style>
-          <p:txBody>
-            <a:bodyPr rtlCol="0" anchor="ctr"/>
-            <a:lstStyle/>
-            <a:p>
-              <a:pPr algn="ctr"/>
-              <a:r>
-                <a:rPr lang="en-US" dirty="0" smtClean="0"/>
-                <a:t>boys</a:t>
-              </a:r>
-            </a:p>
-          </p:txBody>
-        </p:sp>
-        <p:cxnSp>
-          <p:nvCxnSpPr>
-            <p:cNvPr id="50" name="Straight Connector 49"/>
-            <p:cNvCxnSpPr/>
-            <p:nvPr/>
-          </p:nvCxnSpPr>
-          <p:spPr>
-            <a:xfrm>
-              <a:off x="2590800" y="2286000"/>
-              <a:ext cx="228600" cy="152400"/>
-            </a:xfrm>
-            <a:prstGeom prst="line">
-              <a:avLst/>
-            </a:prstGeom>
-            <a:ln w="28575">
-              <a:solidFill>
-                <a:schemeClr val="tx1"/>
-              </a:solidFill>
-            </a:ln>
-          </p:spPr>
-          <p:style>
-            <a:lnRef idx="1">
-              <a:schemeClr val="accent1"/>
-            </a:lnRef>
-            <a:fillRef idx="0">
-              <a:schemeClr val="accent1"/>
-            </a:fillRef>
-            <a:effectRef idx="0">
-              <a:schemeClr val="accent1"/>
-            </a:effectRef>
-            <a:fontRef idx="minor">
-              <a:schemeClr val="tx1"/>
-            </a:fontRef>
-          </p:style>
-        </p:cxnSp>
-        <p:sp>
-          <p:nvSpPr>
-            <p:cNvPr id="51" name="Isosceles Triangle 50"/>
-            <p:cNvSpPr/>
-            <p:nvPr/>
-          </p:nvSpPr>
-          <p:spPr>
-            <a:xfrm rot="10800000">
-              <a:off x="2514600" y="2362199"/>
-              <a:ext cx="381000" cy="304800"/>
-            </a:xfrm>
-            <a:prstGeom prst="triangle">
-              <a:avLst/>
-            </a:prstGeom>
-            <a:solidFill>
-              <a:srgbClr val="B86600"/>
-            </a:solidFill>
-            <a:ln>
-              <a:solidFill>
-                <a:schemeClr val="tx1"/>
-              </a:solidFill>
-            </a:ln>
-            <a:scene3d>
-              <a:camera prst="isometricLeftDown"/>
-              <a:lightRig rig="threePt" dir="t"/>
-            </a:scene3d>
-          </p:spPr>
-          <p:style>
-            <a:lnRef idx="2">
-              <a:schemeClr val="accent1">
-                <a:shade val="50000"/>
-              </a:schemeClr>
-            </a:lnRef>
-            <a:fillRef idx="1">
-              <a:schemeClr val="accent1"/>
-            </a:fillRef>
-            <a:effectRef idx="0">
-              <a:schemeClr val="accent1"/>
-            </a:effectRef>
-            <a:fontRef idx="minor">
-              <a:schemeClr val="lt1"/>
-            </a:fontRef>
-          </p:style>
-          <p:txBody>
-            <a:bodyPr rtlCol="0" anchor="ctr"/>
-            <a:lstStyle/>
-            <a:p>
-              <a:pPr algn="ctr"/>
-              <a:endParaRPr lang="en-US"/>
-            </a:p>
-          </p:txBody>
-        </p:sp>
-        <p:sp>
-          <p:nvSpPr>
-            <p:cNvPr id="52" name="Isosceles Triangle 51"/>
-            <p:cNvSpPr/>
-            <p:nvPr/>
-          </p:nvSpPr>
-          <p:spPr>
-            <a:xfrm rot="10800000">
-              <a:off x="2819400" y="2438400"/>
-              <a:ext cx="2819400" cy="609600"/>
-            </a:xfrm>
-            <a:prstGeom prst="triangle">
-              <a:avLst/>
-            </a:prstGeom>
-            <a:solidFill>
-              <a:srgbClr val="B86600"/>
-            </a:solidFill>
-            <a:ln>
-              <a:solidFill>
-                <a:schemeClr val="tx1"/>
-              </a:solidFill>
-            </a:ln>
-          </p:spPr>
-          <p:style>
-            <a:lnRef idx="2">
-              <a:schemeClr val="accent1">
-                <a:shade val="50000"/>
-              </a:schemeClr>
-            </a:lnRef>
-            <a:fillRef idx="1">
-              <a:schemeClr val="accent1"/>
-            </a:fillRef>
-            <a:effectRef idx="0">
-              <a:schemeClr val="accent1"/>
-            </a:effectRef>
-            <a:fontRef idx="minor">
-              <a:schemeClr val="lt1"/>
-            </a:fontRef>
-          </p:style>
-          <p:txBody>
-            <a:bodyPr rtlCol="0" anchor="ctr"/>
-            <a:lstStyle/>
-            <a:p>
-              <a:pPr algn="ctr"/>
-              <a:endParaRPr lang="en-US"/>
-            </a:p>
-          </p:txBody>
-        </p:sp>
-      </p:grpSp>
-      <p:grpSp>
-        <p:nvGrpSpPr>
-          <p:cNvPr id="53" name="Group 52"/>
-          <p:cNvGrpSpPr/>
-          <p:nvPr/>
-        </p:nvGrpSpPr>
-        <p:grpSpPr>
-          <a:xfrm>
-            <a:off x="6477000" y="3048000"/>
-            <a:ext cx="1066800" cy="306388"/>
-            <a:chOff x="4114800" y="2133600"/>
-            <a:chExt cx="1066800" cy="306388"/>
-          </a:xfrm>
-        </p:grpSpPr>
-        <p:cxnSp>
-          <p:nvCxnSpPr>
-            <p:cNvPr id="54" name="Straight Connector 53"/>
-            <p:cNvCxnSpPr/>
-            <p:nvPr/>
-          </p:nvCxnSpPr>
-          <p:spPr>
-            <a:xfrm>
-              <a:off x="4114800" y="2133600"/>
-              <a:ext cx="1066800" cy="1588"/>
-            </a:xfrm>
-            <a:prstGeom prst="line">
-              <a:avLst/>
-            </a:prstGeom>
-            <a:ln w="38100">
-              <a:solidFill>
-                <a:schemeClr val="tx1"/>
-              </a:solidFill>
-            </a:ln>
-          </p:spPr>
-          <p:style>
-            <a:lnRef idx="1">
-              <a:schemeClr val="accent1"/>
-            </a:lnRef>
-            <a:fillRef idx="0">
-              <a:schemeClr val="accent1"/>
-            </a:fillRef>
-            <a:effectRef idx="0">
-              <a:schemeClr val="accent1"/>
-            </a:effectRef>
-            <a:fontRef idx="minor">
-              <a:schemeClr val="tx1"/>
-            </a:fontRef>
-          </p:style>
-        </p:cxnSp>
-        <p:cxnSp>
-          <p:nvCxnSpPr>
-            <p:cNvPr id="55" name="Straight Connector 54"/>
-            <p:cNvCxnSpPr/>
-            <p:nvPr/>
-          </p:nvCxnSpPr>
-          <p:spPr>
-            <a:xfrm>
-              <a:off x="4114800" y="2438400"/>
-              <a:ext cx="1066800" cy="1588"/>
-            </a:xfrm>
-            <a:prstGeom prst="line">
-              <a:avLst/>
-            </a:prstGeom>
-            <a:ln w="38100">
-              <a:solidFill>
-                <a:schemeClr val="tx1"/>
-              </a:solidFill>
-            </a:ln>
-          </p:spPr>
-          <p:style>
-            <a:lnRef idx="1">
-              <a:schemeClr val="accent1"/>
-            </a:lnRef>
-            <a:fillRef idx="0">
-              <a:schemeClr val="accent1"/>
-            </a:fillRef>
-            <a:effectRef idx="0">
-              <a:schemeClr val="accent1"/>
-            </a:effectRef>
-            <a:fontRef idx="minor">
-              <a:schemeClr val="tx1"/>
-            </a:fontRef>
-          </p:style>
-        </p:cxnSp>
-      </p:grpSp>
-      <p:sp>
-        <p:nvSpPr>
-          <p:cNvPr id="56" name="TextBox 55"/>
-          <p:cNvSpPr txBox="1"/>
-          <p:nvPr/>
-        </p:nvSpPr>
-        <p:spPr>
-          <a:xfrm>
-            <a:off x="7620000" y="2743200"/>
-            <a:ext cx="2209800" cy="1015663"/>
-          </a:xfrm>
-          <a:prstGeom prst="rect">
-            <a:avLst/>
-          </a:prstGeom>
-          <a:noFill/>
-        </p:spPr>
-        <p:txBody>
-          <a:bodyPr wrap="square" rtlCol="0">
-            <a:spAutoFit/>
-          </a:bodyPr>
-          <a:lstStyle/>
-          <a:p>
-            <a:r>
-              <a:rPr lang="en-US" sz="6000" b="1" dirty="0" smtClean="0"/>
-              <a:t>15</a:t>
-            </a:r>
-            <a:endParaRPr lang="en-US" sz="6000" b="1" dirty="0"/>
           </a:p>
         </p:txBody>
       </p:sp>
@@ -13359,7 +13151,7 @@
 </p:sld>
 </file>
 
-<file path=ppt/slides/slide4.xml><?xml version="1.0" encoding="utf-8"?>
+<file path=ppt/slides/slide6.xml><?xml version="1.0" encoding="utf-8"?>
 <p:sld xmlns:a="http://schemas.openxmlformats.org/drawingml/2006/main" xmlns:r="http://schemas.openxmlformats.org/officeDocument/2006/relationships" xmlns:p="http://schemas.openxmlformats.org/presentationml/2006/main">
   <p:cSld>
     <p:spTree>
@@ -13384,7 +13176,7 @@
         </p:nvGrpSpPr>
         <p:grpSpPr>
           <a:xfrm>
-            <a:off x="6934200" y="5105400"/>
+            <a:off x="6096000" y="4800600"/>
             <a:ext cx="1295400" cy="1295400"/>
             <a:chOff x="2514600" y="2286000"/>
             <a:chExt cx="3124200" cy="2286000"/>
@@ -13532,22 +13324,9 @@
               <a:pPr algn="ctr"/>
               <a:r>
                 <a:rPr lang="en-US" sz="1600" dirty="0" smtClean="0"/>
-                <a:t>Boys</a:t>
+                <a:t>boys</a:t>
               </a:r>
-            </a:p>
-            <a:p>
-              <a:pPr algn="ctr"/>
-              <a:r>
-                <a:rPr lang="en-US" sz="1600" dirty="0" smtClean="0"/>
-                <a:t>Or</a:t>
-              </a:r>
-            </a:p>
-            <a:p>
-              <a:pPr algn="ctr"/>
-              <a:r>
-                <a:rPr lang="en-US" sz="1600" dirty="0" smtClean="0"/>
-                <a:t>gentlemen</a:t>
-              </a:r>
+              <a:endParaRPr lang="en-US" sz="1600" dirty="0" smtClean="0"/>
             </a:p>
           </p:txBody>
         </p:sp>
@@ -16994,434 +16773,2816 @@
       </p:sp>
       <p:grpSp>
         <p:nvGrpSpPr>
-          <p:cNvPr id="168" name="Group 167"/>
+          <p:cNvPr id="344" name="Group 343"/>
           <p:cNvGrpSpPr/>
           <p:nvPr/>
         </p:nvGrpSpPr>
         <p:grpSpPr>
           <a:xfrm>
-            <a:off x="7383878" y="1143000"/>
-            <a:ext cx="1248839" cy="1524000"/>
-            <a:chOff x="7383878" y="1143000"/>
-            <a:chExt cx="1248839" cy="1524000"/>
+            <a:off x="6019800" y="457200"/>
+            <a:ext cx="2514600" cy="1851019"/>
+            <a:chOff x="6629400" y="990600"/>
+            <a:chExt cx="2514600" cy="1851019"/>
           </a:xfrm>
         </p:grpSpPr>
-        <p:pic>
-          <p:nvPicPr>
-            <p:cNvPr id="163" name="Picture 162" descr="boy.png"/>
-            <p:cNvPicPr>
-              <a:picLocks noChangeAspect="1"/>
-            </p:cNvPicPr>
+        <p:grpSp>
+          <p:nvGrpSpPr>
+            <p:cNvPr id="345" name="Group 166"/>
+            <p:cNvGrpSpPr/>
             <p:nvPr/>
-          </p:nvPicPr>
-          <p:blipFill>
-            <a:blip r:embed="rId6" cstate="print"/>
-            <a:stretch>
-              <a:fillRect/>
-            </a:stretch>
-          </p:blipFill>
-          <p:spPr>
+          </p:nvGrpSpPr>
+          <p:grpSpPr>
             <a:xfrm>
-              <a:off x="7383878" y="1219200"/>
-              <a:ext cx="631717" cy="1295400"/>
+              <a:off x="6781800" y="990600"/>
+              <a:ext cx="1291193" cy="1393819"/>
+              <a:chOff x="6781800" y="990600"/>
+              <a:chExt cx="1291193" cy="1393819"/>
             </a:xfrm>
-            <a:prstGeom prst="rect">
-              <a:avLst/>
-            </a:prstGeom>
-          </p:spPr>
-        </p:pic>
-        <p:pic>
-          <p:nvPicPr>
-            <p:cNvPr id="165" name="Picture 164" descr="boy.png"/>
-            <p:cNvPicPr>
-              <a:picLocks noChangeAspect="1"/>
-            </p:cNvPicPr>
+          </p:grpSpPr>
+          <p:pic>
+            <p:nvPicPr>
+              <p:cNvPr id="361" name="Picture 360" descr="boy.png"/>
+              <p:cNvPicPr>
+                <a:picLocks noChangeAspect="1"/>
+              </p:cNvPicPr>
+              <p:nvPr/>
+            </p:nvPicPr>
+            <p:blipFill>
+              <a:blip r:embed="rId6" cstate="print"/>
+              <a:stretch>
+                <a:fillRect/>
+              </a:stretch>
+            </p:blipFill>
+            <p:spPr>
+              <a:xfrm>
+                <a:off x="7010400" y="990600"/>
+                <a:ext cx="605393" cy="1241419"/>
+              </a:xfrm>
+              <a:prstGeom prst="rect">
+                <a:avLst/>
+              </a:prstGeom>
+            </p:spPr>
+          </p:pic>
+          <p:pic>
+            <p:nvPicPr>
+              <p:cNvPr id="362" name="Picture 361" descr="boy.png"/>
+              <p:cNvPicPr>
+                <a:picLocks noChangeAspect="1"/>
+              </p:cNvPicPr>
+              <p:nvPr/>
+            </p:nvPicPr>
+            <p:blipFill>
+              <a:blip r:embed="rId6" cstate="print"/>
+              <a:stretch>
+                <a:fillRect/>
+              </a:stretch>
+            </p:blipFill>
+            <p:spPr>
+              <a:xfrm>
+                <a:off x="7162800" y="1143000"/>
+                <a:ext cx="605393" cy="1241419"/>
+              </a:xfrm>
+              <a:prstGeom prst="rect">
+                <a:avLst/>
+              </a:prstGeom>
+            </p:spPr>
+          </p:pic>
+          <p:pic>
+            <p:nvPicPr>
+              <p:cNvPr id="363" name="Picture 362" descr="boy.png"/>
+              <p:cNvPicPr>
+                <a:picLocks noChangeAspect="1"/>
+              </p:cNvPicPr>
+              <p:nvPr/>
+            </p:nvPicPr>
+            <p:blipFill>
+              <a:blip r:embed="rId6" cstate="print"/>
+              <a:stretch>
+                <a:fillRect/>
+              </a:stretch>
+            </p:blipFill>
+            <p:spPr>
+              <a:xfrm>
+                <a:off x="7467600" y="990600"/>
+                <a:ext cx="605393" cy="1241419"/>
+              </a:xfrm>
+              <a:prstGeom prst="rect">
+                <a:avLst/>
+              </a:prstGeom>
+            </p:spPr>
+          </p:pic>
+          <p:pic>
+            <p:nvPicPr>
+              <p:cNvPr id="364" name="Picture 363" descr="boy.png"/>
+              <p:cNvPicPr>
+                <a:picLocks noChangeAspect="1"/>
+              </p:cNvPicPr>
+              <p:nvPr/>
+            </p:nvPicPr>
+            <p:blipFill>
+              <a:blip r:embed="rId6" cstate="print"/>
+              <a:stretch>
+                <a:fillRect/>
+              </a:stretch>
+            </p:blipFill>
+            <p:spPr>
+              <a:xfrm>
+                <a:off x="6781800" y="990600"/>
+                <a:ext cx="605393" cy="1241419"/>
+              </a:xfrm>
+              <a:prstGeom prst="rect">
+                <a:avLst/>
+              </a:prstGeom>
+            </p:spPr>
+          </p:pic>
+        </p:grpSp>
+        <p:grpSp>
+          <p:nvGrpSpPr>
+            <p:cNvPr id="346" name="Group 167"/>
+            <p:cNvGrpSpPr/>
             <p:nvPr/>
-          </p:nvPicPr>
-          <p:blipFill>
-            <a:blip r:embed="rId6" cstate="print"/>
-            <a:stretch>
-              <a:fillRect/>
-            </a:stretch>
-          </p:blipFill>
-          <p:spPr>
+          </p:nvGrpSpPr>
+          <p:grpSpPr>
             <a:xfrm>
-              <a:off x="7536278" y="1371600"/>
-              <a:ext cx="631717" cy="1295400"/>
+              <a:off x="6934200" y="1143000"/>
+              <a:ext cx="1291193" cy="1393819"/>
+              <a:chOff x="6781800" y="990600"/>
+              <a:chExt cx="1291193" cy="1393819"/>
             </a:xfrm>
-            <a:prstGeom prst="rect">
-              <a:avLst/>
-            </a:prstGeom>
-          </p:spPr>
-        </p:pic>
-        <p:pic>
-          <p:nvPicPr>
-            <p:cNvPr id="166" name="Picture 165" descr="boy.png"/>
-            <p:cNvPicPr>
-              <a:picLocks noChangeAspect="1"/>
-            </p:cNvPicPr>
+          </p:grpSpPr>
+          <p:pic>
+            <p:nvPicPr>
+              <p:cNvPr id="357" name="Picture 356" descr="boy.png"/>
+              <p:cNvPicPr>
+                <a:picLocks noChangeAspect="1"/>
+              </p:cNvPicPr>
+              <p:nvPr/>
+            </p:nvPicPr>
+            <p:blipFill>
+              <a:blip r:embed="rId6" cstate="print"/>
+              <a:stretch>
+                <a:fillRect/>
+              </a:stretch>
+            </p:blipFill>
+            <p:spPr>
+              <a:xfrm>
+                <a:off x="7010400" y="990600"/>
+                <a:ext cx="605393" cy="1241419"/>
+              </a:xfrm>
+              <a:prstGeom prst="rect">
+                <a:avLst/>
+              </a:prstGeom>
+            </p:spPr>
+          </p:pic>
+          <p:pic>
+            <p:nvPicPr>
+              <p:cNvPr id="358" name="Picture 357" descr="boy.png"/>
+              <p:cNvPicPr>
+                <a:picLocks noChangeAspect="1"/>
+              </p:cNvPicPr>
+              <p:nvPr/>
+            </p:nvPicPr>
+            <p:blipFill>
+              <a:blip r:embed="rId6" cstate="print"/>
+              <a:stretch>
+                <a:fillRect/>
+              </a:stretch>
+            </p:blipFill>
+            <p:spPr>
+              <a:xfrm>
+                <a:off x="7162800" y="1143000"/>
+                <a:ext cx="605393" cy="1241419"/>
+              </a:xfrm>
+              <a:prstGeom prst="rect">
+                <a:avLst/>
+              </a:prstGeom>
+            </p:spPr>
+          </p:pic>
+          <p:pic>
+            <p:nvPicPr>
+              <p:cNvPr id="359" name="Picture 358" descr="boy.png"/>
+              <p:cNvPicPr>
+                <a:picLocks noChangeAspect="1"/>
+              </p:cNvPicPr>
+              <p:nvPr/>
+            </p:nvPicPr>
+            <p:blipFill>
+              <a:blip r:embed="rId6" cstate="print"/>
+              <a:stretch>
+                <a:fillRect/>
+              </a:stretch>
+            </p:blipFill>
+            <p:spPr>
+              <a:xfrm>
+                <a:off x="7467600" y="990600"/>
+                <a:ext cx="605393" cy="1241419"/>
+              </a:xfrm>
+              <a:prstGeom prst="rect">
+                <a:avLst/>
+              </a:prstGeom>
+            </p:spPr>
+          </p:pic>
+          <p:pic>
+            <p:nvPicPr>
+              <p:cNvPr id="360" name="Picture 359" descr="boy.png"/>
+              <p:cNvPicPr>
+                <a:picLocks noChangeAspect="1"/>
+              </p:cNvPicPr>
+              <p:nvPr/>
+            </p:nvPicPr>
+            <p:blipFill>
+              <a:blip r:embed="rId6" cstate="print"/>
+              <a:stretch>
+                <a:fillRect/>
+              </a:stretch>
+            </p:blipFill>
+            <p:spPr>
+              <a:xfrm>
+                <a:off x="6781800" y="990600"/>
+                <a:ext cx="605393" cy="1241419"/>
+              </a:xfrm>
+              <a:prstGeom prst="rect">
+                <a:avLst/>
+              </a:prstGeom>
+            </p:spPr>
+          </p:pic>
+        </p:grpSp>
+        <p:grpSp>
+          <p:nvGrpSpPr>
+            <p:cNvPr id="347" name="Group 172"/>
+            <p:cNvGrpSpPr/>
             <p:nvPr/>
-          </p:nvPicPr>
-          <p:blipFill>
-            <a:blip r:embed="rId6" cstate="print"/>
-            <a:stretch>
-              <a:fillRect/>
-            </a:stretch>
-          </p:blipFill>
-          <p:spPr>
+          </p:nvGrpSpPr>
+          <p:grpSpPr>
             <a:xfrm>
-              <a:off x="7772400" y="1143000"/>
-              <a:ext cx="631717" cy="1295400"/>
+              <a:off x="6629400" y="1447800"/>
+              <a:ext cx="1291193" cy="1393819"/>
+              <a:chOff x="6781800" y="990600"/>
+              <a:chExt cx="1291193" cy="1393819"/>
             </a:xfrm>
-            <a:prstGeom prst="rect">
-              <a:avLst/>
-            </a:prstGeom>
-          </p:spPr>
-        </p:pic>
-        <p:pic>
-          <p:nvPicPr>
-            <p:cNvPr id="167" name="Picture 166" descr="boy.png"/>
-            <p:cNvPicPr>
-              <a:picLocks noChangeAspect="1"/>
-            </p:cNvPicPr>
+          </p:grpSpPr>
+          <p:pic>
+            <p:nvPicPr>
+              <p:cNvPr id="353" name="Picture 352" descr="boy.png"/>
+              <p:cNvPicPr>
+                <a:picLocks noChangeAspect="1"/>
+              </p:cNvPicPr>
+              <p:nvPr/>
+            </p:nvPicPr>
+            <p:blipFill>
+              <a:blip r:embed="rId6" cstate="print"/>
+              <a:stretch>
+                <a:fillRect/>
+              </a:stretch>
+            </p:blipFill>
+            <p:spPr>
+              <a:xfrm>
+                <a:off x="7010400" y="990600"/>
+                <a:ext cx="605393" cy="1241419"/>
+              </a:xfrm>
+              <a:prstGeom prst="rect">
+                <a:avLst/>
+              </a:prstGeom>
+            </p:spPr>
+          </p:pic>
+          <p:pic>
+            <p:nvPicPr>
+              <p:cNvPr id="354" name="Picture 353" descr="boy.png"/>
+              <p:cNvPicPr>
+                <a:picLocks noChangeAspect="1"/>
+              </p:cNvPicPr>
+              <p:nvPr/>
+            </p:nvPicPr>
+            <p:blipFill>
+              <a:blip r:embed="rId6" cstate="print"/>
+              <a:stretch>
+                <a:fillRect/>
+              </a:stretch>
+            </p:blipFill>
+            <p:spPr>
+              <a:xfrm>
+                <a:off x="7162800" y="1143000"/>
+                <a:ext cx="605393" cy="1241419"/>
+              </a:xfrm>
+              <a:prstGeom prst="rect">
+                <a:avLst/>
+              </a:prstGeom>
+            </p:spPr>
+          </p:pic>
+          <p:pic>
+            <p:nvPicPr>
+              <p:cNvPr id="355" name="Picture 354" descr="boy.png"/>
+              <p:cNvPicPr>
+                <a:picLocks noChangeAspect="1"/>
+              </p:cNvPicPr>
+              <p:nvPr/>
+            </p:nvPicPr>
+            <p:blipFill>
+              <a:blip r:embed="rId6" cstate="print"/>
+              <a:stretch>
+                <a:fillRect/>
+              </a:stretch>
+            </p:blipFill>
+            <p:spPr>
+              <a:xfrm>
+                <a:off x="7467600" y="990600"/>
+                <a:ext cx="605393" cy="1241419"/>
+              </a:xfrm>
+              <a:prstGeom prst="rect">
+                <a:avLst/>
+              </a:prstGeom>
+            </p:spPr>
+          </p:pic>
+          <p:pic>
+            <p:nvPicPr>
+              <p:cNvPr id="356" name="Picture 355" descr="boy.png"/>
+              <p:cNvPicPr>
+                <a:picLocks noChangeAspect="1"/>
+              </p:cNvPicPr>
+              <p:nvPr/>
+            </p:nvPicPr>
+            <p:blipFill>
+              <a:blip r:embed="rId6" cstate="print"/>
+              <a:stretch>
+                <a:fillRect/>
+              </a:stretch>
+            </p:blipFill>
+            <p:spPr>
+              <a:xfrm>
+                <a:off x="6781800" y="990600"/>
+                <a:ext cx="605393" cy="1241419"/>
+              </a:xfrm>
+              <a:prstGeom prst="rect">
+                <a:avLst/>
+              </a:prstGeom>
+            </p:spPr>
+          </p:pic>
+        </p:grpSp>
+        <p:grpSp>
+          <p:nvGrpSpPr>
+            <p:cNvPr id="348" name="Group 177"/>
+            <p:cNvGrpSpPr/>
             <p:nvPr/>
-          </p:nvPicPr>
-          <p:blipFill>
-            <a:blip r:embed="rId6" cstate="print"/>
-            <a:stretch>
-              <a:fillRect/>
-            </a:stretch>
-          </p:blipFill>
-          <p:spPr>
+          </p:nvGrpSpPr>
+          <p:grpSpPr>
             <a:xfrm>
-              <a:off x="8001000" y="1219200"/>
-              <a:ext cx="631717" cy="1295400"/>
+              <a:off x="7852807" y="990600"/>
+              <a:ext cx="1291193" cy="1393819"/>
+              <a:chOff x="6781800" y="990600"/>
+              <a:chExt cx="1291193" cy="1393819"/>
             </a:xfrm>
-            <a:prstGeom prst="rect">
-              <a:avLst/>
-            </a:prstGeom>
-          </p:spPr>
-        </p:pic>
+          </p:grpSpPr>
+          <p:pic>
+            <p:nvPicPr>
+              <p:cNvPr id="349" name="Picture 348" descr="boy.png"/>
+              <p:cNvPicPr>
+                <a:picLocks noChangeAspect="1"/>
+              </p:cNvPicPr>
+              <p:nvPr/>
+            </p:nvPicPr>
+            <p:blipFill>
+              <a:blip r:embed="rId6" cstate="print"/>
+              <a:stretch>
+                <a:fillRect/>
+              </a:stretch>
+            </p:blipFill>
+            <p:spPr>
+              <a:xfrm>
+                <a:off x="7010400" y="990600"/>
+                <a:ext cx="605393" cy="1241419"/>
+              </a:xfrm>
+              <a:prstGeom prst="rect">
+                <a:avLst/>
+              </a:prstGeom>
+            </p:spPr>
+          </p:pic>
+          <p:pic>
+            <p:nvPicPr>
+              <p:cNvPr id="350" name="Picture 349" descr="boy.png"/>
+              <p:cNvPicPr>
+                <a:picLocks noChangeAspect="1"/>
+              </p:cNvPicPr>
+              <p:nvPr/>
+            </p:nvPicPr>
+            <p:blipFill>
+              <a:blip r:embed="rId6" cstate="print"/>
+              <a:stretch>
+                <a:fillRect/>
+              </a:stretch>
+            </p:blipFill>
+            <p:spPr>
+              <a:xfrm>
+                <a:off x="7162800" y="1143000"/>
+                <a:ext cx="605393" cy="1241419"/>
+              </a:xfrm>
+              <a:prstGeom prst="rect">
+                <a:avLst/>
+              </a:prstGeom>
+            </p:spPr>
+          </p:pic>
+          <p:pic>
+            <p:nvPicPr>
+              <p:cNvPr id="351" name="Picture 350" descr="boy.png"/>
+              <p:cNvPicPr>
+                <a:picLocks noChangeAspect="1"/>
+              </p:cNvPicPr>
+              <p:nvPr/>
+            </p:nvPicPr>
+            <p:blipFill>
+              <a:blip r:embed="rId6" cstate="print"/>
+              <a:stretch>
+                <a:fillRect/>
+              </a:stretch>
+            </p:blipFill>
+            <p:spPr>
+              <a:xfrm>
+                <a:off x="7467600" y="990600"/>
+                <a:ext cx="605393" cy="1241419"/>
+              </a:xfrm>
+              <a:prstGeom prst="rect">
+                <a:avLst/>
+              </a:prstGeom>
+            </p:spPr>
+          </p:pic>
+          <p:pic>
+            <p:nvPicPr>
+              <p:cNvPr id="352" name="Picture 351" descr="boy.png"/>
+              <p:cNvPicPr>
+                <a:picLocks noChangeAspect="1"/>
+              </p:cNvPicPr>
+              <p:nvPr/>
+            </p:nvPicPr>
+            <p:blipFill>
+              <a:blip r:embed="rId6" cstate="print"/>
+              <a:stretch>
+                <a:fillRect/>
+              </a:stretch>
+            </p:blipFill>
+            <p:spPr>
+              <a:xfrm>
+                <a:off x="6781800" y="990600"/>
+                <a:ext cx="605393" cy="1241419"/>
+              </a:xfrm>
+              <a:prstGeom prst="rect">
+                <a:avLst/>
+              </a:prstGeom>
+            </p:spPr>
+          </p:pic>
+        </p:grpSp>
       </p:grpSp>
       <p:grpSp>
         <p:nvGrpSpPr>
-          <p:cNvPr id="169" name="Group 168"/>
+          <p:cNvPr id="365" name="Group 364"/>
           <p:cNvGrpSpPr/>
           <p:nvPr/>
         </p:nvGrpSpPr>
         <p:grpSpPr>
           <a:xfrm>
-            <a:off x="7895161" y="1676400"/>
-            <a:ext cx="1020239" cy="1524000"/>
-            <a:chOff x="7383878" y="1143000"/>
-            <a:chExt cx="1020239" cy="1524000"/>
+            <a:off x="6629400" y="990600"/>
+            <a:ext cx="2514600" cy="1851019"/>
+            <a:chOff x="6629400" y="990600"/>
+            <a:chExt cx="2514600" cy="1851019"/>
           </a:xfrm>
         </p:grpSpPr>
-        <p:pic>
-          <p:nvPicPr>
-            <p:cNvPr id="170" name="Picture 169" descr="boy.png"/>
-            <p:cNvPicPr>
-              <a:picLocks noChangeAspect="1"/>
-            </p:cNvPicPr>
+        <p:grpSp>
+          <p:nvGrpSpPr>
+            <p:cNvPr id="366" name="Group 166"/>
+            <p:cNvGrpSpPr/>
             <p:nvPr/>
-          </p:nvPicPr>
-          <p:blipFill>
-            <a:blip r:embed="rId6" cstate="print"/>
-            <a:stretch>
-              <a:fillRect/>
-            </a:stretch>
-          </p:blipFill>
-          <p:spPr>
+          </p:nvGrpSpPr>
+          <p:grpSpPr>
             <a:xfrm>
-              <a:off x="7383878" y="1219200"/>
-              <a:ext cx="631717" cy="1295400"/>
+              <a:off x="6781800" y="990600"/>
+              <a:ext cx="1291193" cy="1393819"/>
+              <a:chOff x="6781800" y="990600"/>
+              <a:chExt cx="1291193" cy="1393819"/>
             </a:xfrm>
-            <a:prstGeom prst="rect">
-              <a:avLst/>
-            </a:prstGeom>
-          </p:spPr>
-        </p:pic>
-        <p:pic>
-          <p:nvPicPr>
-            <p:cNvPr id="171" name="Picture 170" descr="boy.png"/>
-            <p:cNvPicPr>
-              <a:picLocks noChangeAspect="1"/>
-            </p:cNvPicPr>
+          </p:grpSpPr>
+          <p:pic>
+            <p:nvPicPr>
+              <p:cNvPr id="382" name="Picture 381" descr="boy.png"/>
+              <p:cNvPicPr>
+                <a:picLocks noChangeAspect="1"/>
+              </p:cNvPicPr>
+              <p:nvPr/>
+            </p:nvPicPr>
+            <p:blipFill>
+              <a:blip r:embed="rId6" cstate="print"/>
+              <a:stretch>
+                <a:fillRect/>
+              </a:stretch>
+            </p:blipFill>
+            <p:spPr>
+              <a:xfrm>
+                <a:off x="7010400" y="990600"/>
+                <a:ext cx="605393" cy="1241419"/>
+              </a:xfrm>
+              <a:prstGeom prst="rect">
+                <a:avLst/>
+              </a:prstGeom>
+            </p:spPr>
+          </p:pic>
+          <p:pic>
+            <p:nvPicPr>
+              <p:cNvPr id="383" name="Picture 382" descr="boy.png"/>
+              <p:cNvPicPr>
+                <a:picLocks noChangeAspect="1"/>
+              </p:cNvPicPr>
+              <p:nvPr/>
+            </p:nvPicPr>
+            <p:blipFill>
+              <a:blip r:embed="rId6" cstate="print"/>
+              <a:stretch>
+                <a:fillRect/>
+              </a:stretch>
+            </p:blipFill>
+            <p:spPr>
+              <a:xfrm>
+                <a:off x="7162800" y="1143000"/>
+                <a:ext cx="605393" cy="1241419"/>
+              </a:xfrm>
+              <a:prstGeom prst="rect">
+                <a:avLst/>
+              </a:prstGeom>
+            </p:spPr>
+          </p:pic>
+          <p:pic>
+            <p:nvPicPr>
+              <p:cNvPr id="384" name="Picture 383" descr="boy.png"/>
+              <p:cNvPicPr>
+                <a:picLocks noChangeAspect="1"/>
+              </p:cNvPicPr>
+              <p:nvPr/>
+            </p:nvPicPr>
+            <p:blipFill>
+              <a:blip r:embed="rId6" cstate="print"/>
+              <a:stretch>
+                <a:fillRect/>
+              </a:stretch>
+            </p:blipFill>
+            <p:spPr>
+              <a:xfrm>
+                <a:off x="7467600" y="990600"/>
+                <a:ext cx="605393" cy="1241419"/>
+              </a:xfrm>
+              <a:prstGeom prst="rect">
+                <a:avLst/>
+              </a:prstGeom>
+            </p:spPr>
+          </p:pic>
+          <p:pic>
+            <p:nvPicPr>
+              <p:cNvPr id="385" name="Picture 384" descr="boy.png"/>
+              <p:cNvPicPr>
+                <a:picLocks noChangeAspect="1"/>
+              </p:cNvPicPr>
+              <p:nvPr/>
+            </p:nvPicPr>
+            <p:blipFill>
+              <a:blip r:embed="rId6" cstate="print"/>
+              <a:stretch>
+                <a:fillRect/>
+              </a:stretch>
+            </p:blipFill>
+            <p:spPr>
+              <a:xfrm>
+                <a:off x="6781800" y="990600"/>
+                <a:ext cx="605393" cy="1241419"/>
+              </a:xfrm>
+              <a:prstGeom prst="rect">
+                <a:avLst/>
+              </a:prstGeom>
+            </p:spPr>
+          </p:pic>
+        </p:grpSp>
+        <p:grpSp>
+          <p:nvGrpSpPr>
+            <p:cNvPr id="367" name="Group 167"/>
+            <p:cNvGrpSpPr/>
             <p:nvPr/>
-          </p:nvPicPr>
-          <p:blipFill>
-            <a:blip r:embed="rId6" cstate="print"/>
-            <a:stretch>
-              <a:fillRect/>
-            </a:stretch>
-          </p:blipFill>
-          <p:spPr>
+          </p:nvGrpSpPr>
+          <p:grpSpPr>
             <a:xfrm>
-              <a:off x="7536278" y="1371600"/>
-              <a:ext cx="631717" cy="1295400"/>
+              <a:off x="6934200" y="1143000"/>
+              <a:ext cx="1291193" cy="1393819"/>
+              <a:chOff x="6781800" y="990600"/>
+              <a:chExt cx="1291193" cy="1393819"/>
             </a:xfrm>
-            <a:prstGeom prst="rect">
-              <a:avLst/>
-            </a:prstGeom>
-          </p:spPr>
-        </p:pic>
-        <p:pic>
-          <p:nvPicPr>
-            <p:cNvPr id="172" name="Picture 171" descr="boy.png"/>
-            <p:cNvPicPr>
-              <a:picLocks noChangeAspect="1"/>
-            </p:cNvPicPr>
+          </p:grpSpPr>
+          <p:pic>
+            <p:nvPicPr>
+              <p:cNvPr id="378" name="Picture 377" descr="boy.png"/>
+              <p:cNvPicPr>
+                <a:picLocks noChangeAspect="1"/>
+              </p:cNvPicPr>
+              <p:nvPr/>
+            </p:nvPicPr>
+            <p:blipFill>
+              <a:blip r:embed="rId6" cstate="print"/>
+              <a:stretch>
+                <a:fillRect/>
+              </a:stretch>
+            </p:blipFill>
+            <p:spPr>
+              <a:xfrm>
+                <a:off x="7010400" y="990600"/>
+                <a:ext cx="605393" cy="1241419"/>
+              </a:xfrm>
+              <a:prstGeom prst="rect">
+                <a:avLst/>
+              </a:prstGeom>
+            </p:spPr>
+          </p:pic>
+          <p:pic>
+            <p:nvPicPr>
+              <p:cNvPr id="379" name="Picture 378" descr="boy.png"/>
+              <p:cNvPicPr>
+                <a:picLocks noChangeAspect="1"/>
+              </p:cNvPicPr>
+              <p:nvPr/>
+            </p:nvPicPr>
+            <p:blipFill>
+              <a:blip r:embed="rId6" cstate="print"/>
+              <a:stretch>
+                <a:fillRect/>
+              </a:stretch>
+            </p:blipFill>
+            <p:spPr>
+              <a:xfrm>
+                <a:off x="7162800" y="1143000"/>
+                <a:ext cx="605393" cy="1241419"/>
+              </a:xfrm>
+              <a:prstGeom prst="rect">
+                <a:avLst/>
+              </a:prstGeom>
+            </p:spPr>
+          </p:pic>
+          <p:pic>
+            <p:nvPicPr>
+              <p:cNvPr id="380" name="Picture 379" descr="boy.png"/>
+              <p:cNvPicPr>
+                <a:picLocks noChangeAspect="1"/>
+              </p:cNvPicPr>
+              <p:nvPr/>
+            </p:nvPicPr>
+            <p:blipFill>
+              <a:blip r:embed="rId6" cstate="print"/>
+              <a:stretch>
+                <a:fillRect/>
+              </a:stretch>
+            </p:blipFill>
+            <p:spPr>
+              <a:xfrm>
+                <a:off x="7467600" y="990600"/>
+                <a:ext cx="605393" cy="1241419"/>
+              </a:xfrm>
+              <a:prstGeom prst="rect">
+                <a:avLst/>
+              </a:prstGeom>
+            </p:spPr>
+          </p:pic>
+          <p:pic>
+            <p:nvPicPr>
+              <p:cNvPr id="381" name="Picture 380" descr="boy.png"/>
+              <p:cNvPicPr>
+                <a:picLocks noChangeAspect="1"/>
+              </p:cNvPicPr>
+              <p:nvPr/>
+            </p:nvPicPr>
+            <p:blipFill>
+              <a:blip r:embed="rId6" cstate="print"/>
+              <a:stretch>
+                <a:fillRect/>
+              </a:stretch>
+            </p:blipFill>
+            <p:spPr>
+              <a:xfrm>
+                <a:off x="6781800" y="990600"/>
+                <a:ext cx="605393" cy="1241419"/>
+              </a:xfrm>
+              <a:prstGeom prst="rect">
+                <a:avLst/>
+              </a:prstGeom>
+            </p:spPr>
+          </p:pic>
+        </p:grpSp>
+        <p:grpSp>
+          <p:nvGrpSpPr>
+            <p:cNvPr id="368" name="Group 172"/>
+            <p:cNvGrpSpPr/>
             <p:nvPr/>
-          </p:nvPicPr>
-          <p:blipFill>
-            <a:blip r:embed="rId6" cstate="print"/>
-            <a:stretch>
-              <a:fillRect/>
-            </a:stretch>
-          </p:blipFill>
-          <p:spPr>
+          </p:nvGrpSpPr>
+          <p:grpSpPr>
             <a:xfrm>
-              <a:off x="7772400" y="1143000"/>
-              <a:ext cx="631717" cy="1295400"/>
+              <a:off x="6629400" y="1447800"/>
+              <a:ext cx="1291193" cy="1393819"/>
+              <a:chOff x="6781800" y="990600"/>
+              <a:chExt cx="1291193" cy="1393819"/>
             </a:xfrm>
-            <a:prstGeom prst="rect">
-              <a:avLst/>
-            </a:prstGeom>
-          </p:spPr>
-        </p:pic>
+          </p:grpSpPr>
+          <p:pic>
+            <p:nvPicPr>
+              <p:cNvPr id="374" name="Picture 373" descr="boy.png"/>
+              <p:cNvPicPr>
+                <a:picLocks noChangeAspect="1"/>
+              </p:cNvPicPr>
+              <p:nvPr/>
+            </p:nvPicPr>
+            <p:blipFill>
+              <a:blip r:embed="rId6" cstate="print"/>
+              <a:stretch>
+                <a:fillRect/>
+              </a:stretch>
+            </p:blipFill>
+            <p:spPr>
+              <a:xfrm>
+                <a:off x="7010400" y="990600"/>
+                <a:ext cx="605393" cy="1241419"/>
+              </a:xfrm>
+              <a:prstGeom prst="rect">
+                <a:avLst/>
+              </a:prstGeom>
+            </p:spPr>
+          </p:pic>
+          <p:pic>
+            <p:nvPicPr>
+              <p:cNvPr id="375" name="Picture 374" descr="boy.png"/>
+              <p:cNvPicPr>
+                <a:picLocks noChangeAspect="1"/>
+              </p:cNvPicPr>
+              <p:nvPr/>
+            </p:nvPicPr>
+            <p:blipFill>
+              <a:blip r:embed="rId6" cstate="print"/>
+              <a:stretch>
+                <a:fillRect/>
+              </a:stretch>
+            </p:blipFill>
+            <p:spPr>
+              <a:xfrm>
+                <a:off x="7162800" y="1143000"/>
+                <a:ext cx="605393" cy="1241419"/>
+              </a:xfrm>
+              <a:prstGeom prst="rect">
+                <a:avLst/>
+              </a:prstGeom>
+            </p:spPr>
+          </p:pic>
+          <p:pic>
+            <p:nvPicPr>
+              <p:cNvPr id="376" name="Picture 375" descr="boy.png"/>
+              <p:cNvPicPr>
+                <a:picLocks noChangeAspect="1"/>
+              </p:cNvPicPr>
+              <p:nvPr/>
+            </p:nvPicPr>
+            <p:blipFill>
+              <a:blip r:embed="rId6" cstate="print"/>
+              <a:stretch>
+                <a:fillRect/>
+              </a:stretch>
+            </p:blipFill>
+            <p:spPr>
+              <a:xfrm>
+                <a:off x="7467600" y="990600"/>
+                <a:ext cx="605393" cy="1241419"/>
+              </a:xfrm>
+              <a:prstGeom prst="rect">
+                <a:avLst/>
+              </a:prstGeom>
+            </p:spPr>
+          </p:pic>
+          <p:pic>
+            <p:nvPicPr>
+              <p:cNvPr id="377" name="Picture 376" descr="boy.png"/>
+              <p:cNvPicPr>
+                <a:picLocks noChangeAspect="1"/>
+              </p:cNvPicPr>
+              <p:nvPr/>
+            </p:nvPicPr>
+            <p:blipFill>
+              <a:blip r:embed="rId6" cstate="print"/>
+              <a:stretch>
+                <a:fillRect/>
+              </a:stretch>
+            </p:blipFill>
+            <p:spPr>
+              <a:xfrm>
+                <a:off x="6781800" y="990600"/>
+                <a:ext cx="605393" cy="1241419"/>
+              </a:xfrm>
+              <a:prstGeom prst="rect">
+                <a:avLst/>
+              </a:prstGeom>
+            </p:spPr>
+          </p:pic>
+        </p:grpSp>
+        <p:grpSp>
+          <p:nvGrpSpPr>
+            <p:cNvPr id="369" name="Group 177"/>
+            <p:cNvGrpSpPr/>
+            <p:nvPr/>
+          </p:nvGrpSpPr>
+          <p:grpSpPr>
+            <a:xfrm>
+              <a:off x="7852807" y="990600"/>
+              <a:ext cx="1291193" cy="1393819"/>
+              <a:chOff x="6781800" y="990600"/>
+              <a:chExt cx="1291193" cy="1393819"/>
+            </a:xfrm>
+          </p:grpSpPr>
+          <p:pic>
+            <p:nvPicPr>
+              <p:cNvPr id="370" name="Picture 369" descr="boy.png"/>
+              <p:cNvPicPr>
+                <a:picLocks noChangeAspect="1"/>
+              </p:cNvPicPr>
+              <p:nvPr/>
+            </p:nvPicPr>
+            <p:blipFill>
+              <a:blip r:embed="rId6" cstate="print"/>
+              <a:stretch>
+                <a:fillRect/>
+              </a:stretch>
+            </p:blipFill>
+            <p:spPr>
+              <a:xfrm>
+                <a:off x="7010400" y="990600"/>
+                <a:ext cx="605393" cy="1241419"/>
+              </a:xfrm>
+              <a:prstGeom prst="rect">
+                <a:avLst/>
+              </a:prstGeom>
+            </p:spPr>
+          </p:pic>
+          <p:pic>
+            <p:nvPicPr>
+              <p:cNvPr id="371" name="Picture 370" descr="boy.png"/>
+              <p:cNvPicPr>
+                <a:picLocks noChangeAspect="1"/>
+              </p:cNvPicPr>
+              <p:nvPr/>
+            </p:nvPicPr>
+            <p:blipFill>
+              <a:blip r:embed="rId6" cstate="print"/>
+              <a:stretch>
+                <a:fillRect/>
+              </a:stretch>
+            </p:blipFill>
+            <p:spPr>
+              <a:xfrm>
+                <a:off x="7162800" y="1143000"/>
+                <a:ext cx="605393" cy="1241419"/>
+              </a:xfrm>
+              <a:prstGeom prst="rect">
+                <a:avLst/>
+              </a:prstGeom>
+            </p:spPr>
+          </p:pic>
+          <p:pic>
+            <p:nvPicPr>
+              <p:cNvPr id="372" name="Picture 371" descr="boy.png"/>
+              <p:cNvPicPr>
+                <a:picLocks noChangeAspect="1"/>
+              </p:cNvPicPr>
+              <p:nvPr/>
+            </p:nvPicPr>
+            <p:blipFill>
+              <a:blip r:embed="rId6" cstate="print"/>
+              <a:stretch>
+                <a:fillRect/>
+              </a:stretch>
+            </p:blipFill>
+            <p:spPr>
+              <a:xfrm>
+                <a:off x="7467600" y="990600"/>
+                <a:ext cx="605393" cy="1241419"/>
+              </a:xfrm>
+              <a:prstGeom prst="rect">
+                <a:avLst/>
+              </a:prstGeom>
+            </p:spPr>
+          </p:pic>
+          <p:pic>
+            <p:nvPicPr>
+              <p:cNvPr id="373" name="Picture 372" descr="boy.png"/>
+              <p:cNvPicPr>
+                <a:picLocks noChangeAspect="1"/>
+              </p:cNvPicPr>
+              <p:nvPr/>
+            </p:nvPicPr>
+            <p:blipFill>
+              <a:blip r:embed="rId6" cstate="print"/>
+              <a:stretch>
+                <a:fillRect/>
+              </a:stretch>
+            </p:blipFill>
+            <p:spPr>
+              <a:xfrm>
+                <a:off x="6781800" y="990600"/>
+                <a:ext cx="605393" cy="1241419"/>
+              </a:xfrm>
+              <a:prstGeom prst="rect">
+                <a:avLst/>
+              </a:prstGeom>
+            </p:spPr>
+          </p:pic>
+        </p:grpSp>
       </p:grpSp>
       <p:grpSp>
         <p:nvGrpSpPr>
-          <p:cNvPr id="179" name="Group 178"/>
+          <p:cNvPr id="386" name="Group 385"/>
           <p:cNvGrpSpPr/>
           <p:nvPr/>
         </p:nvGrpSpPr>
         <p:grpSpPr>
           <a:xfrm>
-            <a:off x="6553200" y="1524000"/>
-            <a:ext cx="1248839" cy="1524000"/>
-            <a:chOff x="7383878" y="1143000"/>
-            <a:chExt cx="1248839" cy="1524000"/>
+            <a:off x="6629400" y="1219200"/>
+            <a:ext cx="2514600" cy="1851019"/>
+            <a:chOff x="6629400" y="990600"/>
+            <a:chExt cx="2514600" cy="1851019"/>
           </a:xfrm>
         </p:grpSpPr>
-        <p:pic>
-          <p:nvPicPr>
-            <p:cNvPr id="180" name="Picture 179" descr="boy.png"/>
-            <p:cNvPicPr>
-              <a:picLocks noChangeAspect="1"/>
-            </p:cNvPicPr>
+        <p:grpSp>
+          <p:nvGrpSpPr>
+            <p:cNvPr id="387" name="Group 166"/>
+            <p:cNvGrpSpPr/>
             <p:nvPr/>
-          </p:nvPicPr>
-          <p:blipFill>
-            <a:blip r:embed="rId6" cstate="print"/>
-            <a:stretch>
-              <a:fillRect/>
-            </a:stretch>
-          </p:blipFill>
-          <p:spPr>
+          </p:nvGrpSpPr>
+          <p:grpSpPr>
             <a:xfrm>
-              <a:off x="7383878" y="1219200"/>
-              <a:ext cx="631717" cy="1295400"/>
+              <a:off x="6781800" y="990600"/>
+              <a:ext cx="1291193" cy="1393819"/>
+              <a:chOff x="6781800" y="990600"/>
+              <a:chExt cx="1291193" cy="1393819"/>
             </a:xfrm>
-            <a:prstGeom prst="rect">
-              <a:avLst/>
-            </a:prstGeom>
-          </p:spPr>
-        </p:pic>
-        <p:pic>
-          <p:nvPicPr>
-            <p:cNvPr id="181" name="Picture 180" descr="boy.png"/>
-            <p:cNvPicPr>
-              <a:picLocks noChangeAspect="1"/>
-            </p:cNvPicPr>
+          </p:grpSpPr>
+          <p:pic>
+            <p:nvPicPr>
+              <p:cNvPr id="403" name="Picture 402" descr="boy.png"/>
+              <p:cNvPicPr>
+                <a:picLocks noChangeAspect="1"/>
+              </p:cNvPicPr>
+              <p:nvPr/>
+            </p:nvPicPr>
+            <p:blipFill>
+              <a:blip r:embed="rId6" cstate="print"/>
+              <a:stretch>
+                <a:fillRect/>
+              </a:stretch>
+            </p:blipFill>
+            <p:spPr>
+              <a:xfrm>
+                <a:off x="7010400" y="990600"/>
+                <a:ext cx="605393" cy="1241419"/>
+              </a:xfrm>
+              <a:prstGeom prst="rect">
+                <a:avLst/>
+              </a:prstGeom>
+            </p:spPr>
+          </p:pic>
+          <p:pic>
+            <p:nvPicPr>
+              <p:cNvPr id="404" name="Picture 403" descr="boy.png"/>
+              <p:cNvPicPr>
+                <a:picLocks noChangeAspect="1"/>
+              </p:cNvPicPr>
+              <p:nvPr/>
+            </p:nvPicPr>
+            <p:blipFill>
+              <a:blip r:embed="rId6" cstate="print"/>
+              <a:stretch>
+                <a:fillRect/>
+              </a:stretch>
+            </p:blipFill>
+            <p:spPr>
+              <a:xfrm>
+                <a:off x="7162800" y="1143000"/>
+                <a:ext cx="605393" cy="1241419"/>
+              </a:xfrm>
+              <a:prstGeom prst="rect">
+                <a:avLst/>
+              </a:prstGeom>
+            </p:spPr>
+          </p:pic>
+          <p:pic>
+            <p:nvPicPr>
+              <p:cNvPr id="405" name="Picture 404" descr="boy.png"/>
+              <p:cNvPicPr>
+                <a:picLocks noChangeAspect="1"/>
+              </p:cNvPicPr>
+              <p:nvPr/>
+            </p:nvPicPr>
+            <p:blipFill>
+              <a:blip r:embed="rId6" cstate="print"/>
+              <a:stretch>
+                <a:fillRect/>
+              </a:stretch>
+            </p:blipFill>
+            <p:spPr>
+              <a:xfrm>
+                <a:off x="7467600" y="990600"/>
+                <a:ext cx="605393" cy="1241419"/>
+              </a:xfrm>
+              <a:prstGeom prst="rect">
+                <a:avLst/>
+              </a:prstGeom>
+            </p:spPr>
+          </p:pic>
+          <p:pic>
+            <p:nvPicPr>
+              <p:cNvPr id="406" name="Picture 405" descr="boy.png"/>
+              <p:cNvPicPr>
+                <a:picLocks noChangeAspect="1"/>
+              </p:cNvPicPr>
+              <p:nvPr/>
+            </p:nvPicPr>
+            <p:blipFill>
+              <a:blip r:embed="rId6" cstate="print"/>
+              <a:stretch>
+                <a:fillRect/>
+              </a:stretch>
+            </p:blipFill>
+            <p:spPr>
+              <a:xfrm>
+                <a:off x="6781800" y="990600"/>
+                <a:ext cx="605393" cy="1241419"/>
+              </a:xfrm>
+              <a:prstGeom prst="rect">
+                <a:avLst/>
+              </a:prstGeom>
+            </p:spPr>
+          </p:pic>
+        </p:grpSp>
+        <p:grpSp>
+          <p:nvGrpSpPr>
+            <p:cNvPr id="388" name="Group 167"/>
+            <p:cNvGrpSpPr/>
             <p:nvPr/>
-          </p:nvPicPr>
-          <p:blipFill>
-            <a:blip r:embed="rId6" cstate="print"/>
-            <a:stretch>
-              <a:fillRect/>
-            </a:stretch>
-          </p:blipFill>
-          <p:spPr>
+          </p:nvGrpSpPr>
+          <p:grpSpPr>
             <a:xfrm>
-              <a:off x="7536278" y="1371600"/>
-              <a:ext cx="631717" cy="1295400"/>
+              <a:off x="6934200" y="1143000"/>
+              <a:ext cx="1291193" cy="1393819"/>
+              <a:chOff x="6781800" y="990600"/>
+              <a:chExt cx="1291193" cy="1393819"/>
             </a:xfrm>
-            <a:prstGeom prst="rect">
-              <a:avLst/>
-            </a:prstGeom>
-          </p:spPr>
-        </p:pic>
-        <p:pic>
-          <p:nvPicPr>
-            <p:cNvPr id="182" name="Picture 181" descr="boy.png"/>
-            <p:cNvPicPr>
-              <a:picLocks noChangeAspect="1"/>
-            </p:cNvPicPr>
+          </p:grpSpPr>
+          <p:pic>
+            <p:nvPicPr>
+              <p:cNvPr id="399" name="Picture 398" descr="boy.png"/>
+              <p:cNvPicPr>
+                <a:picLocks noChangeAspect="1"/>
+              </p:cNvPicPr>
+              <p:nvPr/>
+            </p:nvPicPr>
+            <p:blipFill>
+              <a:blip r:embed="rId6" cstate="print"/>
+              <a:stretch>
+                <a:fillRect/>
+              </a:stretch>
+            </p:blipFill>
+            <p:spPr>
+              <a:xfrm>
+                <a:off x="7010400" y="990600"/>
+                <a:ext cx="605393" cy="1241419"/>
+              </a:xfrm>
+              <a:prstGeom prst="rect">
+                <a:avLst/>
+              </a:prstGeom>
+            </p:spPr>
+          </p:pic>
+          <p:pic>
+            <p:nvPicPr>
+              <p:cNvPr id="400" name="Picture 399" descr="boy.png"/>
+              <p:cNvPicPr>
+                <a:picLocks noChangeAspect="1"/>
+              </p:cNvPicPr>
+              <p:nvPr/>
+            </p:nvPicPr>
+            <p:blipFill>
+              <a:blip r:embed="rId6" cstate="print"/>
+              <a:stretch>
+                <a:fillRect/>
+              </a:stretch>
+            </p:blipFill>
+            <p:spPr>
+              <a:xfrm>
+                <a:off x="7162800" y="1143000"/>
+                <a:ext cx="605393" cy="1241419"/>
+              </a:xfrm>
+              <a:prstGeom prst="rect">
+                <a:avLst/>
+              </a:prstGeom>
+            </p:spPr>
+          </p:pic>
+          <p:pic>
+            <p:nvPicPr>
+              <p:cNvPr id="401" name="Picture 400" descr="boy.png"/>
+              <p:cNvPicPr>
+                <a:picLocks noChangeAspect="1"/>
+              </p:cNvPicPr>
+              <p:nvPr/>
+            </p:nvPicPr>
+            <p:blipFill>
+              <a:blip r:embed="rId6" cstate="print"/>
+              <a:stretch>
+                <a:fillRect/>
+              </a:stretch>
+            </p:blipFill>
+            <p:spPr>
+              <a:xfrm>
+                <a:off x="7467600" y="990600"/>
+                <a:ext cx="605393" cy="1241419"/>
+              </a:xfrm>
+              <a:prstGeom prst="rect">
+                <a:avLst/>
+              </a:prstGeom>
+            </p:spPr>
+          </p:pic>
+          <p:pic>
+            <p:nvPicPr>
+              <p:cNvPr id="402" name="Picture 401" descr="boy.png"/>
+              <p:cNvPicPr>
+                <a:picLocks noChangeAspect="1"/>
+              </p:cNvPicPr>
+              <p:nvPr/>
+            </p:nvPicPr>
+            <p:blipFill>
+              <a:blip r:embed="rId6" cstate="print"/>
+              <a:stretch>
+                <a:fillRect/>
+              </a:stretch>
+            </p:blipFill>
+            <p:spPr>
+              <a:xfrm>
+                <a:off x="6781800" y="990600"/>
+                <a:ext cx="605393" cy="1241419"/>
+              </a:xfrm>
+              <a:prstGeom prst="rect">
+                <a:avLst/>
+              </a:prstGeom>
+            </p:spPr>
+          </p:pic>
+        </p:grpSp>
+        <p:grpSp>
+          <p:nvGrpSpPr>
+            <p:cNvPr id="389" name="Group 172"/>
+            <p:cNvGrpSpPr/>
             <p:nvPr/>
-          </p:nvPicPr>
-          <p:blipFill>
-            <a:blip r:embed="rId6" cstate="print"/>
-            <a:stretch>
-              <a:fillRect/>
-            </a:stretch>
-          </p:blipFill>
-          <p:spPr>
+          </p:nvGrpSpPr>
+          <p:grpSpPr>
             <a:xfrm>
-              <a:off x="7772400" y="1143000"/>
-              <a:ext cx="631717" cy="1295400"/>
+              <a:off x="6629400" y="1447800"/>
+              <a:ext cx="1291193" cy="1393819"/>
+              <a:chOff x="6781800" y="990600"/>
+              <a:chExt cx="1291193" cy="1393819"/>
             </a:xfrm>
-            <a:prstGeom prst="rect">
-              <a:avLst/>
-            </a:prstGeom>
-          </p:spPr>
-        </p:pic>
-        <p:pic>
-          <p:nvPicPr>
-            <p:cNvPr id="183" name="Picture 182" descr="boy.png"/>
-            <p:cNvPicPr>
-              <a:picLocks noChangeAspect="1"/>
-            </p:cNvPicPr>
+          </p:grpSpPr>
+          <p:pic>
+            <p:nvPicPr>
+              <p:cNvPr id="395" name="Picture 394" descr="boy.png"/>
+              <p:cNvPicPr>
+                <a:picLocks noChangeAspect="1"/>
+              </p:cNvPicPr>
+              <p:nvPr/>
+            </p:nvPicPr>
+            <p:blipFill>
+              <a:blip r:embed="rId6" cstate="print"/>
+              <a:stretch>
+                <a:fillRect/>
+              </a:stretch>
+            </p:blipFill>
+            <p:spPr>
+              <a:xfrm>
+                <a:off x="7010400" y="990600"/>
+                <a:ext cx="605393" cy="1241419"/>
+              </a:xfrm>
+              <a:prstGeom prst="rect">
+                <a:avLst/>
+              </a:prstGeom>
+            </p:spPr>
+          </p:pic>
+          <p:pic>
+            <p:nvPicPr>
+              <p:cNvPr id="396" name="Picture 395" descr="boy.png"/>
+              <p:cNvPicPr>
+                <a:picLocks noChangeAspect="1"/>
+              </p:cNvPicPr>
+              <p:nvPr/>
+            </p:nvPicPr>
+            <p:blipFill>
+              <a:blip r:embed="rId6" cstate="print"/>
+              <a:stretch>
+                <a:fillRect/>
+              </a:stretch>
+            </p:blipFill>
+            <p:spPr>
+              <a:xfrm>
+                <a:off x="7162800" y="1143000"/>
+                <a:ext cx="605393" cy="1241419"/>
+              </a:xfrm>
+              <a:prstGeom prst="rect">
+                <a:avLst/>
+              </a:prstGeom>
+            </p:spPr>
+          </p:pic>
+          <p:pic>
+            <p:nvPicPr>
+              <p:cNvPr id="397" name="Picture 396" descr="boy.png"/>
+              <p:cNvPicPr>
+                <a:picLocks noChangeAspect="1"/>
+              </p:cNvPicPr>
+              <p:nvPr/>
+            </p:nvPicPr>
+            <p:blipFill>
+              <a:blip r:embed="rId6" cstate="print"/>
+              <a:stretch>
+                <a:fillRect/>
+              </a:stretch>
+            </p:blipFill>
+            <p:spPr>
+              <a:xfrm>
+                <a:off x="7467600" y="990600"/>
+                <a:ext cx="605393" cy="1241419"/>
+              </a:xfrm>
+              <a:prstGeom prst="rect">
+                <a:avLst/>
+              </a:prstGeom>
+            </p:spPr>
+          </p:pic>
+          <p:pic>
+            <p:nvPicPr>
+              <p:cNvPr id="398" name="Picture 397" descr="boy.png"/>
+              <p:cNvPicPr>
+                <a:picLocks noChangeAspect="1"/>
+              </p:cNvPicPr>
+              <p:nvPr/>
+            </p:nvPicPr>
+            <p:blipFill>
+              <a:blip r:embed="rId6" cstate="print"/>
+              <a:stretch>
+                <a:fillRect/>
+              </a:stretch>
+            </p:blipFill>
+            <p:spPr>
+              <a:xfrm>
+                <a:off x="6781800" y="990600"/>
+                <a:ext cx="605393" cy="1241419"/>
+              </a:xfrm>
+              <a:prstGeom prst="rect">
+                <a:avLst/>
+              </a:prstGeom>
+            </p:spPr>
+          </p:pic>
+        </p:grpSp>
+        <p:grpSp>
+          <p:nvGrpSpPr>
+            <p:cNvPr id="390" name="Group 177"/>
+            <p:cNvGrpSpPr/>
             <p:nvPr/>
-          </p:nvPicPr>
-          <p:blipFill>
-            <a:blip r:embed="rId6" cstate="print"/>
-            <a:stretch>
-              <a:fillRect/>
-            </a:stretch>
-          </p:blipFill>
-          <p:spPr>
+          </p:nvGrpSpPr>
+          <p:grpSpPr>
             <a:xfrm>
-              <a:off x="8001000" y="1219200"/>
-              <a:ext cx="631717" cy="1295400"/>
+              <a:off x="7852807" y="990600"/>
+              <a:ext cx="1291193" cy="1393819"/>
+              <a:chOff x="6781800" y="990600"/>
+              <a:chExt cx="1291193" cy="1393819"/>
             </a:xfrm>
-            <a:prstGeom prst="rect">
-              <a:avLst/>
-            </a:prstGeom>
-          </p:spPr>
-        </p:pic>
+          </p:grpSpPr>
+          <p:pic>
+            <p:nvPicPr>
+              <p:cNvPr id="391" name="Picture 390" descr="boy.png"/>
+              <p:cNvPicPr>
+                <a:picLocks noChangeAspect="1"/>
+              </p:cNvPicPr>
+              <p:nvPr/>
+            </p:nvPicPr>
+            <p:blipFill>
+              <a:blip r:embed="rId6" cstate="print"/>
+              <a:stretch>
+                <a:fillRect/>
+              </a:stretch>
+            </p:blipFill>
+            <p:spPr>
+              <a:xfrm>
+                <a:off x="7010400" y="990600"/>
+                <a:ext cx="605393" cy="1241419"/>
+              </a:xfrm>
+              <a:prstGeom prst="rect">
+                <a:avLst/>
+              </a:prstGeom>
+            </p:spPr>
+          </p:pic>
+          <p:pic>
+            <p:nvPicPr>
+              <p:cNvPr id="392" name="Picture 391" descr="boy.png"/>
+              <p:cNvPicPr>
+                <a:picLocks noChangeAspect="1"/>
+              </p:cNvPicPr>
+              <p:nvPr/>
+            </p:nvPicPr>
+            <p:blipFill>
+              <a:blip r:embed="rId6" cstate="print"/>
+              <a:stretch>
+                <a:fillRect/>
+              </a:stretch>
+            </p:blipFill>
+            <p:spPr>
+              <a:xfrm>
+                <a:off x="7162800" y="1143000"/>
+                <a:ext cx="605393" cy="1241419"/>
+              </a:xfrm>
+              <a:prstGeom prst="rect">
+                <a:avLst/>
+              </a:prstGeom>
+            </p:spPr>
+          </p:pic>
+          <p:pic>
+            <p:nvPicPr>
+              <p:cNvPr id="393" name="Picture 392" descr="boy.png"/>
+              <p:cNvPicPr>
+                <a:picLocks noChangeAspect="1"/>
+              </p:cNvPicPr>
+              <p:nvPr/>
+            </p:nvPicPr>
+            <p:blipFill>
+              <a:blip r:embed="rId6" cstate="print"/>
+              <a:stretch>
+                <a:fillRect/>
+              </a:stretch>
+            </p:blipFill>
+            <p:spPr>
+              <a:xfrm>
+                <a:off x="7467600" y="990600"/>
+                <a:ext cx="605393" cy="1241419"/>
+              </a:xfrm>
+              <a:prstGeom prst="rect">
+                <a:avLst/>
+              </a:prstGeom>
+            </p:spPr>
+          </p:pic>
+          <p:pic>
+            <p:nvPicPr>
+              <p:cNvPr id="394" name="Picture 393" descr="boy.png"/>
+              <p:cNvPicPr>
+                <a:picLocks noChangeAspect="1"/>
+              </p:cNvPicPr>
+              <p:nvPr/>
+            </p:nvPicPr>
+            <p:blipFill>
+              <a:blip r:embed="rId6" cstate="print"/>
+              <a:stretch>
+                <a:fillRect/>
+              </a:stretch>
+            </p:blipFill>
+            <p:spPr>
+              <a:xfrm>
+                <a:off x="6781800" y="990600"/>
+                <a:ext cx="605393" cy="1241419"/>
+              </a:xfrm>
+              <a:prstGeom prst="rect">
+                <a:avLst/>
+              </a:prstGeom>
+            </p:spPr>
+          </p:pic>
+        </p:grpSp>
       </p:grpSp>
       <p:grpSp>
         <p:nvGrpSpPr>
-          <p:cNvPr id="174" name="Group 173"/>
+          <p:cNvPr id="407" name="Group 406"/>
           <p:cNvGrpSpPr/>
           <p:nvPr/>
         </p:nvGrpSpPr>
         <p:grpSpPr>
           <a:xfrm>
-            <a:off x="6934200" y="2362200"/>
-            <a:ext cx="1248839" cy="1524000"/>
-            <a:chOff x="7383878" y="1143000"/>
-            <a:chExt cx="1248839" cy="1524000"/>
+            <a:off x="6781800" y="2133600"/>
+            <a:ext cx="2514600" cy="1851019"/>
+            <a:chOff x="6629400" y="990600"/>
+            <a:chExt cx="2514600" cy="1851019"/>
           </a:xfrm>
         </p:grpSpPr>
-        <p:pic>
-          <p:nvPicPr>
-            <p:cNvPr id="175" name="Picture 174" descr="boy.png"/>
-            <p:cNvPicPr>
-              <a:picLocks noChangeAspect="1"/>
-            </p:cNvPicPr>
+        <p:grpSp>
+          <p:nvGrpSpPr>
+            <p:cNvPr id="408" name="Group 166"/>
+            <p:cNvGrpSpPr/>
             <p:nvPr/>
-          </p:nvPicPr>
-          <p:blipFill>
-            <a:blip r:embed="rId6" cstate="print"/>
-            <a:stretch>
-              <a:fillRect/>
-            </a:stretch>
-          </p:blipFill>
-          <p:spPr>
+          </p:nvGrpSpPr>
+          <p:grpSpPr>
             <a:xfrm>
-              <a:off x="7383878" y="1219200"/>
-              <a:ext cx="631717" cy="1295400"/>
+              <a:off x="6781800" y="990600"/>
+              <a:ext cx="1291193" cy="1393819"/>
+              <a:chOff x="6781800" y="990600"/>
+              <a:chExt cx="1291193" cy="1393819"/>
             </a:xfrm>
-            <a:prstGeom prst="rect">
-              <a:avLst/>
-            </a:prstGeom>
-          </p:spPr>
-        </p:pic>
-        <p:pic>
-          <p:nvPicPr>
-            <p:cNvPr id="176" name="Picture 175" descr="boy.png"/>
-            <p:cNvPicPr>
-              <a:picLocks noChangeAspect="1"/>
-            </p:cNvPicPr>
+          </p:grpSpPr>
+          <p:pic>
+            <p:nvPicPr>
+              <p:cNvPr id="424" name="Picture 423" descr="boy.png"/>
+              <p:cNvPicPr>
+                <a:picLocks noChangeAspect="1"/>
+              </p:cNvPicPr>
+              <p:nvPr/>
+            </p:nvPicPr>
+            <p:blipFill>
+              <a:blip r:embed="rId6" cstate="print"/>
+              <a:stretch>
+                <a:fillRect/>
+              </a:stretch>
+            </p:blipFill>
+            <p:spPr>
+              <a:xfrm>
+                <a:off x="7010400" y="990600"/>
+                <a:ext cx="605393" cy="1241419"/>
+              </a:xfrm>
+              <a:prstGeom prst="rect">
+                <a:avLst/>
+              </a:prstGeom>
+            </p:spPr>
+          </p:pic>
+          <p:pic>
+            <p:nvPicPr>
+              <p:cNvPr id="425" name="Picture 424" descr="boy.png"/>
+              <p:cNvPicPr>
+                <a:picLocks noChangeAspect="1"/>
+              </p:cNvPicPr>
+              <p:nvPr/>
+            </p:nvPicPr>
+            <p:blipFill>
+              <a:blip r:embed="rId6" cstate="print"/>
+              <a:stretch>
+                <a:fillRect/>
+              </a:stretch>
+            </p:blipFill>
+            <p:spPr>
+              <a:xfrm>
+                <a:off x="7162800" y="1143000"/>
+                <a:ext cx="605393" cy="1241419"/>
+              </a:xfrm>
+              <a:prstGeom prst="rect">
+                <a:avLst/>
+              </a:prstGeom>
+            </p:spPr>
+          </p:pic>
+          <p:pic>
+            <p:nvPicPr>
+              <p:cNvPr id="426" name="Picture 425" descr="boy.png"/>
+              <p:cNvPicPr>
+                <a:picLocks noChangeAspect="1"/>
+              </p:cNvPicPr>
+              <p:nvPr/>
+            </p:nvPicPr>
+            <p:blipFill>
+              <a:blip r:embed="rId6" cstate="print"/>
+              <a:stretch>
+                <a:fillRect/>
+              </a:stretch>
+            </p:blipFill>
+            <p:spPr>
+              <a:xfrm>
+                <a:off x="7467600" y="990600"/>
+                <a:ext cx="605393" cy="1241419"/>
+              </a:xfrm>
+              <a:prstGeom prst="rect">
+                <a:avLst/>
+              </a:prstGeom>
+            </p:spPr>
+          </p:pic>
+          <p:pic>
+            <p:nvPicPr>
+              <p:cNvPr id="427" name="Picture 426" descr="boy.png"/>
+              <p:cNvPicPr>
+                <a:picLocks noChangeAspect="1"/>
+              </p:cNvPicPr>
+              <p:nvPr/>
+            </p:nvPicPr>
+            <p:blipFill>
+              <a:blip r:embed="rId6" cstate="print"/>
+              <a:stretch>
+                <a:fillRect/>
+              </a:stretch>
+            </p:blipFill>
+            <p:spPr>
+              <a:xfrm>
+                <a:off x="6781800" y="990600"/>
+                <a:ext cx="605393" cy="1241419"/>
+              </a:xfrm>
+              <a:prstGeom prst="rect">
+                <a:avLst/>
+              </a:prstGeom>
+            </p:spPr>
+          </p:pic>
+        </p:grpSp>
+        <p:grpSp>
+          <p:nvGrpSpPr>
+            <p:cNvPr id="409" name="Group 167"/>
+            <p:cNvGrpSpPr/>
             <p:nvPr/>
-          </p:nvPicPr>
-          <p:blipFill>
-            <a:blip r:embed="rId6" cstate="print"/>
-            <a:stretch>
-              <a:fillRect/>
-            </a:stretch>
-          </p:blipFill>
-          <p:spPr>
+          </p:nvGrpSpPr>
+          <p:grpSpPr>
             <a:xfrm>
-              <a:off x="7536278" y="1371600"/>
-              <a:ext cx="631717" cy="1295400"/>
+              <a:off x="6934200" y="1143000"/>
+              <a:ext cx="1291193" cy="1393819"/>
+              <a:chOff x="6781800" y="990600"/>
+              <a:chExt cx="1291193" cy="1393819"/>
             </a:xfrm>
-            <a:prstGeom prst="rect">
-              <a:avLst/>
-            </a:prstGeom>
-          </p:spPr>
-        </p:pic>
-        <p:pic>
-          <p:nvPicPr>
-            <p:cNvPr id="177" name="Picture 176" descr="boy.png"/>
-            <p:cNvPicPr>
-              <a:picLocks noChangeAspect="1"/>
-            </p:cNvPicPr>
+          </p:grpSpPr>
+          <p:pic>
+            <p:nvPicPr>
+              <p:cNvPr id="420" name="Picture 419" descr="boy.png"/>
+              <p:cNvPicPr>
+                <a:picLocks noChangeAspect="1"/>
+              </p:cNvPicPr>
+              <p:nvPr/>
+            </p:nvPicPr>
+            <p:blipFill>
+              <a:blip r:embed="rId6" cstate="print"/>
+              <a:stretch>
+                <a:fillRect/>
+              </a:stretch>
+            </p:blipFill>
+            <p:spPr>
+              <a:xfrm>
+                <a:off x="7010400" y="990600"/>
+                <a:ext cx="605393" cy="1241419"/>
+              </a:xfrm>
+              <a:prstGeom prst="rect">
+                <a:avLst/>
+              </a:prstGeom>
+            </p:spPr>
+          </p:pic>
+          <p:pic>
+            <p:nvPicPr>
+              <p:cNvPr id="421" name="Picture 420" descr="boy.png"/>
+              <p:cNvPicPr>
+                <a:picLocks noChangeAspect="1"/>
+              </p:cNvPicPr>
+              <p:nvPr/>
+            </p:nvPicPr>
+            <p:blipFill>
+              <a:blip r:embed="rId6" cstate="print"/>
+              <a:stretch>
+                <a:fillRect/>
+              </a:stretch>
+            </p:blipFill>
+            <p:spPr>
+              <a:xfrm>
+                <a:off x="7162800" y="1143000"/>
+                <a:ext cx="605393" cy="1241419"/>
+              </a:xfrm>
+              <a:prstGeom prst="rect">
+                <a:avLst/>
+              </a:prstGeom>
+            </p:spPr>
+          </p:pic>
+          <p:pic>
+            <p:nvPicPr>
+              <p:cNvPr id="422" name="Picture 421" descr="boy.png"/>
+              <p:cNvPicPr>
+                <a:picLocks noChangeAspect="1"/>
+              </p:cNvPicPr>
+              <p:nvPr/>
+            </p:nvPicPr>
+            <p:blipFill>
+              <a:blip r:embed="rId6" cstate="print"/>
+              <a:stretch>
+                <a:fillRect/>
+              </a:stretch>
+            </p:blipFill>
+            <p:spPr>
+              <a:xfrm>
+                <a:off x="7467600" y="990600"/>
+                <a:ext cx="605393" cy="1241419"/>
+              </a:xfrm>
+              <a:prstGeom prst="rect">
+                <a:avLst/>
+              </a:prstGeom>
+            </p:spPr>
+          </p:pic>
+          <p:pic>
+            <p:nvPicPr>
+              <p:cNvPr id="423" name="Picture 422" descr="boy.png"/>
+              <p:cNvPicPr>
+                <a:picLocks noChangeAspect="1"/>
+              </p:cNvPicPr>
+              <p:nvPr/>
+            </p:nvPicPr>
+            <p:blipFill>
+              <a:blip r:embed="rId6" cstate="print"/>
+              <a:stretch>
+                <a:fillRect/>
+              </a:stretch>
+            </p:blipFill>
+            <p:spPr>
+              <a:xfrm>
+                <a:off x="6781800" y="990600"/>
+                <a:ext cx="605393" cy="1241419"/>
+              </a:xfrm>
+              <a:prstGeom prst="rect">
+                <a:avLst/>
+              </a:prstGeom>
+            </p:spPr>
+          </p:pic>
+        </p:grpSp>
+        <p:grpSp>
+          <p:nvGrpSpPr>
+            <p:cNvPr id="410" name="Group 172"/>
+            <p:cNvGrpSpPr/>
             <p:nvPr/>
-          </p:nvPicPr>
-          <p:blipFill>
-            <a:blip r:embed="rId6" cstate="print"/>
-            <a:stretch>
-              <a:fillRect/>
-            </a:stretch>
-          </p:blipFill>
-          <p:spPr>
+          </p:nvGrpSpPr>
+          <p:grpSpPr>
             <a:xfrm>
-              <a:off x="7772400" y="1143000"/>
-              <a:ext cx="631717" cy="1295400"/>
+              <a:off x="6629400" y="1447800"/>
+              <a:ext cx="1291193" cy="1393819"/>
+              <a:chOff x="6781800" y="990600"/>
+              <a:chExt cx="1291193" cy="1393819"/>
             </a:xfrm>
-            <a:prstGeom prst="rect">
-              <a:avLst/>
-            </a:prstGeom>
-          </p:spPr>
-        </p:pic>
-        <p:pic>
-          <p:nvPicPr>
-            <p:cNvPr id="178" name="Picture 177" descr="boy.png"/>
-            <p:cNvPicPr>
-              <a:picLocks noChangeAspect="1"/>
-            </p:cNvPicPr>
+          </p:grpSpPr>
+          <p:pic>
+            <p:nvPicPr>
+              <p:cNvPr id="416" name="Picture 415" descr="boy.png"/>
+              <p:cNvPicPr>
+                <a:picLocks noChangeAspect="1"/>
+              </p:cNvPicPr>
+              <p:nvPr/>
+            </p:nvPicPr>
+            <p:blipFill>
+              <a:blip r:embed="rId6" cstate="print"/>
+              <a:stretch>
+                <a:fillRect/>
+              </a:stretch>
+            </p:blipFill>
+            <p:spPr>
+              <a:xfrm>
+                <a:off x="7010400" y="990600"/>
+                <a:ext cx="605393" cy="1241419"/>
+              </a:xfrm>
+              <a:prstGeom prst="rect">
+                <a:avLst/>
+              </a:prstGeom>
+            </p:spPr>
+          </p:pic>
+          <p:pic>
+            <p:nvPicPr>
+              <p:cNvPr id="417" name="Picture 416" descr="boy.png"/>
+              <p:cNvPicPr>
+                <a:picLocks noChangeAspect="1"/>
+              </p:cNvPicPr>
+              <p:nvPr/>
+            </p:nvPicPr>
+            <p:blipFill>
+              <a:blip r:embed="rId6" cstate="print"/>
+              <a:stretch>
+                <a:fillRect/>
+              </a:stretch>
+            </p:blipFill>
+            <p:spPr>
+              <a:xfrm>
+                <a:off x="7162800" y="1143000"/>
+                <a:ext cx="605393" cy="1241419"/>
+              </a:xfrm>
+              <a:prstGeom prst="rect">
+                <a:avLst/>
+              </a:prstGeom>
+            </p:spPr>
+          </p:pic>
+          <p:pic>
+            <p:nvPicPr>
+              <p:cNvPr id="418" name="Picture 417" descr="boy.png"/>
+              <p:cNvPicPr>
+                <a:picLocks noChangeAspect="1"/>
+              </p:cNvPicPr>
+              <p:nvPr/>
+            </p:nvPicPr>
+            <p:blipFill>
+              <a:blip r:embed="rId6" cstate="print"/>
+              <a:stretch>
+                <a:fillRect/>
+              </a:stretch>
+            </p:blipFill>
+            <p:spPr>
+              <a:xfrm>
+                <a:off x="7467600" y="990600"/>
+                <a:ext cx="605393" cy="1241419"/>
+              </a:xfrm>
+              <a:prstGeom prst="rect">
+                <a:avLst/>
+              </a:prstGeom>
+            </p:spPr>
+          </p:pic>
+          <p:pic>
+            <p:nvPicPr>
+              <p:cNvPr id="419" name="Picture 418" descr="boy.png"/>
+              <p:cNvPicPr>
+                <a:picLocks noChangeAspect="1"/>
+              </p:cNvPicPr>
+              <p:nvPr/>
+            </p:nvPicPr>
+            <p:blipFill>
+              <a:blip r:embed="rId6" cstate="print"/>
+              <a:stretch>
+                <a:fillRect/>
+              </a:stretch>
+            </p:blipFill>
+            <p:spPr>
+              <a:xfrm>
+                <a:off x="6781800" y="990600"/>
+                <a:ext cx="605393" cy="1241419"/>
+              </a:xfrm>
+              <a:prstGeom prst="rect">
+                <a:avLst/>
+              </a:prstGeom>
+            </p:spPr>
+          </p:pic>
+        </p:grpSp>
+        <p:grpSp>
+          <p:nvGrpSpPr>
+            <p:cNvPr id="411" name="Group 177"/>
+            <p:cNvGrpSpPr/>
             <p:nvPr/>
-          </p:nvPicPr>
-          <p:blipFill>
-            <a:blip r:embed="rId6" cstate="print"/>
-            <a:stretch>
-              <a:fillRect/>
-            </a:stretch>
-          </p:blipFill>
-          <p:spPr>
+          </p:nvGrpSpPr>
+          <p:grpSpPr>
             <a:xfrm>
-              <a:off x="8001000" y="1219200"/>
-              <a:ext cx="631717" cy="1295400"/>
+              <a:off x="7852807" y="990600"/>
+              <a:ext cx="1291193" cy="1393819"/>
+              <a:chOff x="6781800" y="990600"/>
+              <a:chExt cx="1291193" cy="1393819"/>
             </a:xfrm>
-            <a:prstGeom prst="rect">
-              <a:avLst/>
-            </a:prstGeom>
-          </p:spPr>
-        </p:pic>
+          </p:grpSpPr>
+          <p:pic>
+            <p:nvPicPr>
+              <p:cNvPr id="412" name="Picture 411" descr="boy.png"/>
+              <p:cNvPicPr>
+                <a:picLocks noChangeAspect="1"/>
+              </p:cNvPicPr>
+              <p:nvPr/>
+            </p:nvPicPr>
+            <p:blipFill>
+              <a:blip r:embed="rId6" cstate="print"/>
+              <a:stretch>
+                <a:fillRect/>
+              </a:stretch>
+            </p:blipFill>
+            <p:spPr>
+              <a:xfrm>
+                <a:off x="7010400" y="990600"/>
+                <a:ext cx="605393" cy="1241419"/>
+              </a:xfrm>
+              <a:prstGeom prst="rect">
+                <a:avLst/>
+              </a:prstGeom>
+            </p:spPr>
+          </p:pic>
+          <p:pic>
+            <p:nvPicPr>
+              <p:cNvPr id="413" name="Picture 412" descr="boy.png"/>
+              <p:cNvPicPr>
+                <a:picLocks noChangeAspect="1"/>
+              </p:cNvPicPr>
+              <p:nvPr/>
+            </p:nvPicPr>
+            <p:blipFill>
+              <a:blip r:embed="rId6" cstate="print"/>
+              <a:stretch>
+                <a:fillRect/>
+              </a:stretch>
+            </p:blipFill>
+            <p:spPr>
+              <a:xfrm>
+                <a:off x="7162800" y="1143000"/>
+                <a:ext cx="605393" cy="1241419"/>
+              </a:xfrm>
+              <a:prstGeom prst="rect">
+                <a:avLst/>
+              </a:prstGeom>
+            </p:spPr>
+          </p:pic>
+          <p:pic>
+            <p:nvPicPr>
+              <p:cNvPr id="414" name="Picture 413" descr="boy.png"/>
+              <p:cNvPicPr>
+                <a:picLocks noChangeAspect="1"/>
+              </p:cNvPicPr>
+              <p:nvPr/>
+            </p:nvPicPr>
+            <p:blipFill>
+              <a:blip r:embed="rId6" cstate="print"/>
+              <a:stretch>
+                <a:fillRect/>
+              </a:stretch>
+            </p:blipFill>
+            <p:spPr>
+              <a:xfrm>
+                <a:off x="7467600" y="990600"/>
+                <a:ext cx="605393" cy="1241419"/>
+              </a:xfrm>
+              <a:prstGeom prst="rect">
+                <a:avLst/>
+              </a:prstGeom>
+            </p:spPr>
+          </p:pic>
+          <p:pic>
+            <p:nvPicPr>
+              <p:cNvPr id="415" name="Picture 414" descr="boy.png"/>
+              <p:cNvPicPr>
+                <a:picLocks noChangeAspect="1"/>
+              </p:cNvPicPr>
+              <p:nvPr/>
+            </p:nvPicPr>
+            <p:blipFill>
+              <a:blip r:embed="rId6" cstate="print"/>
+              <a:stretch>
+                <a:fillRect/>
+              </a:stretch>
+            </p:blipFill>
+            <p:spPr>
+              <a:xfrm>
+                <a:off x="6781800" y="990600"/>
+                <a:ext cx="605393" cy="1241419"/>
+              </a:xfrm>
+              <a:prstGeom prst="rect">
+                <a:avLst/>
+              </a:prstGeom>
+            </p:spPr>
+          </p:pic>
+        </p:grpSp>
       </p:grpSp>
+      <p:grpSp>
+        <p:nvGrpSpPr>
+          <p:cNvPr id="428" name="Group 427"/>
+          <p:cNvGrpSpPr/>
+          <p:nvPr/>
+        </p:nvGrpSpPr>
+        <p:grpSpPr>
+          <a:xfrm>
+            <a:off x="4419600" y="1752600"/>
+            <a:ext cx="2514600" cy="1851019"/>
+            <a:chOff x="6629400" y="990600"/>
+            <a:chExt cx="2514600" cy="1851019"/>
+          </a:xfrm>
+        </p:grpSpPr>
+        <p:grpSp>
+          <p:nvGrpSpPr>
+            <p:cNvPr id="429" name="Group 166"/>
+            <p:cNvGrpSpPr/>
+            <p:nvPr/>
+          </p:nvGrpSpPr>
+          <p:grpSpPr>
+            <a:xfrm>
+              <a:off x="6781800" y="990600"/>
+              <a:ext cx="1291193" cy="1393819"/>
+              <a:chOff x="6781800" y="990600"/>
+              <a:chExt cx="1291193" cy="1393819"/>
+            </a:xfrm>
+          </p:grpSpPr>
+          <p:pic>
+            <p:nvPicPr>
+              <p:cNvPr id="445" name="Picture 444" descr="boy.png"/>
+              <p:cNvPicPr>
+                <a:picLocks noChangeAspect="1"/>
+              </p:cNvPicPr>
+              <p:nvPr/>
+            </p:nvPicPr>
+            <p:blipFill>
+              <a:blip r:embed="rId6" cstate="print"/>
+              <a:stretch>
+                <a:fillRect/>
+              </a:stretch>
+            </p:blipFill>
+            <p:spPr>
+              <a:xfrm>
+                <a:off x="7010400" y="990600"/>
+                <a:ext cx="605393" cy="1241419"/>
+              </a:xfrm>
+              <a:prstGeom prst="rect">
+                <a:avLst/>
+              </a:prstGeom>
+            </p:spPr>
+          </p:pic>
+          <p:pic>
+            <p:nvPicPr>
+              <p:cNvPr id="446" name="Picture 445" descr="boy.png"/>
+              <p:cNvPicPr>
+                <a:picLocks noChangeAspect="1"/>
+              </p:cNvPicPr>
+              <p:nvPr/>
+            </p:nvPicPr>
+            <p:blipFill>
+              <a:blip r:embed="rId6" cstate="print"/>
+              <a:stretch>
+                <a:fillRect/>
+              </a:stretch>
+            </p:blipFill>
+            <p:spPr>
+              <a:xfrm>
+                <a:off x="7162800" y="1143000"/>
+                <a:ext cx="605393" cy="1241419"/>
+              </a:xfrm>
+              <a:prstGeom prst="rect">
+                <a:avLst/>
+              </a:prstGeom>
+            </p:spPr>
+          </p:pic>
+          <p:pic>
+            <p:nvPicPr>
+              <p:cNvPr id="447" name="Picture 446" descr="boy.png"/>
+              <p:cNvPicPr>
+                <a:picLocks noChangeAspect="1"/>
+              </p:cNvPicPr>
+              <p:nvPr/>
+            </p:nvPicPr>
+            <p:blipFill>
+              <a:blip r:embed="rId6" cstate="print"/>
+              <a:stretch>
+                <a:fillRect/>
+              </a:stretch>
+            </p:blipFill>
+            <p:spPr>
+              <a:xfrm>
+                <a:off x="7467600" y="990600"/>
+                <a:ext cx="605393" cy="1241419"/>
+              </a:xfrm>
+              <a:prstGeom prst="rect">
+                <a:avLst/>
+              </a:prstGeom>
+            </p:spPr>
+          </p:pic>
+          <p:pic>
+            <p:nvPicPr>
+              <p:cNvPr id="448" name="Picture 447" descr="boy.png"/>
+              <p:cNvPicPr>
+                <a:picLocks noChangeAspect="1"/>
+              </p:cNvPicPr>
+              <p:nvPr/>
+            </p:nvPicPr>
+            <p:blipFill>
+              <a:blip r:embed="rId6" cstate="print"/>
+              <a:stretch>
+                <a:fillRect/>
+              </a:stretch>
+            </p:blipFill>
+            <p:spPr>
+              <a:xfrm>
+                <a:off x="6781800" y="990600"/>
+                <a:ext cx="605393" cy="1241419"/>
+              </a:xfrm>
+              <a:prstGeom prst="rect">
+                <a:avLst/>
+              </a:prstGeom>
+            </p:spPr>
+          </p:pic>
+        </p:grpSp>
+        <p:grpSp>
+          <p:nvGrpSpPr>
+            <p:cNvPr id="430" name="Group 167"/>
+            <p:cNvGrpSpPr/>
+            <p:nvPr/>
+          </p:nvGrpSpPr>
+          <p:grpSpPr>
+            <a:xfrm>
+              <a:off x="6934200" y="1143000"/>
+              <a:ext cx="1291193" cy="1393819"/>
+              <a:chOff x="6781800" y="990600"/>
+              <a:chExt cx="1291193" cy="1393819"/>
+            </a:xfrm>
+          </p:grpSpPr>
+          <p:pic>
+            <p:nvPicPr>
+              <p:cNvPr id="441" name="Picture 440" descr="boy.png"/>
+              <p:cNvPicPr>
+                <a:picLocks noChangeAspect="1"/>
+              </p:cNvPicPr>
+              <p:nvPr/>
+            </p:nvPicPr>
+            <p:blipFill>
+              <a:blip r:embed="rId6" cstate="print"/>
+              <a:stretch>
+                <a:fillRect/>
+              </a:stretch>
+            </p:blipFill>
+            <p:spPr>
+              <a:xfrm>
+                <a:off x="7010400" y="990600"/>
+                <a:ext cx="605393" cy="1241419"/>
+              </a:xfrm>
+              <a:prstGeom prst="rect">
+                <a:avLst/>
+              </a:prstGeom>
+            </p:spPr>
+          </p:pic>
+          <p:pic>
+            <p:nvPicPr>
+              <p:cNvPr id="442" name="Picture 441" descr="boy.png"/>
+              <p:cNvPicPr>
+                <a:picLocks noChangeAspect="1"/>
+              </p:cNvPicPr>
+              <p:nvPr/>
+            </p:nvPicPr>
+            <p:blipFill>
+              <a:blip r:embed="rId6" cstate="print"/>
+              <a:stretch>
+                <a:fillRect/>
+              </a:stretch>
+            </p:blipFill>
+            <p:spPr>
+              <a:xfrm>
+                <a:off x="7162800" y="1143000"/>
+                <a:ext cx="605393" cy="1241419"/>
+              </a:xfrm>
+              <a:prstGeom prst="rect">
+                <a:avLst/>
+              </a:prstGeom>
+            </p:spPr>
+          </p:pic>
+          <p:pic>
+            <p:nvPicPr>
+              <p:cNvPr id="443" name="Picture 442" descr="boy.png"/>
+              <p:cNvPicPr>
+                <a:picLocks noChangeAspect="1"/>
+              </p:cNvPicPr>
+              <p:nvPr/>
+            </p:nvPicPr>
+            <p:blipFill>
+              <a:blip r:embed="rId6" cstate="print"/>
+              <a:stretch>
+                <a:fillRect/>
+              </a:stretch>
+            </p:blipFill>
+            <p:spPr>
+              <a:xfrm>
+                <a:off x="7467600" y="990600"/>
+                <a:ext cx="605393" cy="1241419"/>
+              </a:xfrm>
+              <a:prstGeom prst="rect">
+                <a:avLst/>
+              </a:prstGeom>
+            </p:spPr>
+          </p:pic>
+          <p:pic>
+            <p:nvPicPr>
+              <p:cNvPr id="444" name="Picture 443" descr="boy.png"/>
+              <p:cNvPicPr>
+                <a:picLocks noChangeAspect="1"/>
+              </p:cNvPicPr>
+              <p:nvPr/>
+            </p:nvPicPr>
+            <p:blipFill>
+              <a:blip r:embed="rId6" cstate="print"/>
+              <a:stretch>
+                <a:fillRect/>
+              </a:stretch>
+            </p:blipFill>
+            <p:spPr>
+              <a:xfrm>
+                <a:off x="6781800" y="990600"/>
+                <a:ext cx="605393" cy="1241419"/>
+              </a:xfrm>
+              <a:prstGeom prst="rect">
+                <a:avLst/>
+              </a:prstGeom>
+            </p:spPr>
+          </p:pic>
+        </p:grpSp>
+        <p:grpSp>
+          <p:nvGrpSpPr>
+            <p:cNvPr id="431" name="Group 172"/>
+            <p:cNvGrpSpPr/>
+            <p:nvPr/>
+          </p:nvGrpSpPr>
+          <p:grpSpPr>
+            <a:xfrm>
+              <a:off x="6629400" y="1447800"/>
+              <a:ext cx="1291193" cy="1393819"/>
+              <a:chOff x="6781800" y="990600"/>
+              <a:chExt cx="1291193" cy="1393819"/>
+            </a:xfrm>
+          </p:grpSpPr>
+          <p:pic>
+            <p:nvPicPr>
+              <p:cNvPr id="437" name="Picture 436" descr="boy.png"/>
+              <p:cNvPicPr>
+                <a:picLocks noChangeAspect="1"/>
+              </p:cNvPicPr>
+              <p:nvPr/>
+            </p:nvPicPr>
+            <p:blipFill>
+              <a:blip r:embed="rId6" cstate="print"/>
+              <a:stretch>
+                <a:fillRect/>
+              </a:stretch>
+            </p:blipFill>
+            <p:spPr>
+              <a:xfrm>
+                <a:off x="7010400" y="990600"/>
+                <a:ext cx="605393" cy="1241419"/>
+              </a:xfrm>
+              <a:prstGeom prst="rect">
+                <a:avLst/>
+              </a:prstGeom>
+            </p:spPr>
+          </p:pic>
+          <p:pic>
+            <p:nvPicPr>
+              <p:cNvPr id="438" name="Picture 437" descr="boy.png"/>
+              <p:cNvPicPr>
+                <a:picLocks noChangeAspect="1"/>
+              </p:cNvPicPr>
+              <p:nvPr/>
+            </p:nvPicPr>
+            <p:blipFill>
+              <a:blip r:embed="rId6" cstate="print"/>
+              <a:stretch>
+                <a:fillRect/>
+              </a:stretch>
+            </p:blipFill>
+            <p:spPr>
+              <a:xfrm>
+                <a:off x="7162800" y="1143000"/>
+                <a:ext cx="605393" cy="1241419"/>
+              </a:xfrm>
+              <a:prstGeom prst="rect">
+                <a:avLst/>
+              </a:prstGeom>
+            </p:spPr>
+          </p:pic>
+          <p:pic>
+            <p:nvPicPr>
+              <p:cNvPr id="439" name="Picture 438" descr="boy.png"/>
+              <p:cNvPicPr>
+                <a:picLocks noChangeAspect="1"/>
+              </p:cNvPicPr>
+              <p:nvPr/>
+            </p:nvPicPr>
+            <p:blipFill>
+              <a:blip r:embed="rId6" cstate="print"/>
+              <a:stretch>
+                <a:fillRect/>
+              </a:stretch>
+            </p:blipFill>
+            <p:spPr>
+              <a:xfrm>
+                <a:off x="7467600" y="990600"/>
+                <a:ext cx="605393" cy="1241419"/>
+              </a:xfrm>
+              <a:prstGeom prst="rect">
+                <a:avLst/>
+              </a:prstGeom>
+            </p:spPr>
+          </p:pic>
+          <p:pic>
+            <p:nvPicPr>
+              <p:cNvPr id="440" name="Picture 439" descr="boy.png"/>
+              <p:cNvPicPr>
+                <a:picLocks noChangeAspect="1"/>
+              </p:cNvPicPr>
+              <p:nvPr/>
+            </p:nvPicPr>
+            <p:blipFill>
+              <a:blip r:embed="rId6" cstate="print"/>
+              <a:stretch>
+                <a:fillRect/>
+              </a:stretch>
+            </p:blipFill>
+            <p:spPr>
+              <a:xfrm>
+                <a:off x="6781800" y="990600"/>
+                <a:ext cx="605393" cy="1241419"/>
+              </a:xfrm>
+              <a:prstGeom prst="rect">
+                <a:avLst/>
+              </a:prstGeom>
+            </p:spPr>
+          </p:pic>
+        </p:grpSp>
+        <p:grpSp>
+          <p:nvGrpSpPr>
+            <p:cNvPr id="432" name="Group 177"/>
+            <p:cNvGrpSpPr/>
+            <p:nvPr/>
+          </p:nvGrpSpPr>
+          <p:grpSpPr>
+            <a:xfrm>
+              <a:off x="7852807" y="990600"/>
+              <a:ext cx="1291193" cy="1393819"/>
+              <a:chOff x="6781800" y="990600"/>
+              <a:chExt cx="1291193" cy="1393819"/>
+            </a:xfrm>
+          </p:grpSpPr>
+          <p:pic>
+            <p:nvPicPr>
+              <p:cNvPr id="433" name="Picture 432" descr="boy.png"/>
+              <p:cNvPicPr>
+                <a:picLocks noChangeAspect="1"/>
+              </p:cNvPicPr>
+              <p:nvPr/>
+            </p:nvPicPr>
+            <p:blipFill>
+              <a:blip r:embed="rId6" cstate="print"/>
+              <a:stretch>
+                <a:fillRect/>
+              </a:stretch>
+            </p:blipFill>
+            <p:spPr>
+              <a:xfrm>
+                <a:off x="7010400" y="990600"/>
+                <a:ext cx="605393" cy="1241419"/>
+              </a:xfrm>
+              <a:prstGeom prst="rect">
+                <a:avLst/>
+              </a:prstGeom>
+            </p:spPr>
+          </p:pic>
+          <p:pic>
+            <p:nvPicPr>
+              <p:cNvPr id="434" name="Picture 433" descr="boy.png"/>
+              <p:cNvPicPr>
+                <a:picLocks noChangeAspect="1"/>
+              </p:cNvPicPr>
+              <p:nvPr/>
+            </p:nvPicPr>
+            <p:blipFill>
+              <a:blip r:embed="rId6" cstate="print"/>
+              <a:stretch>
+                <a:fillRect/>
+              </a:stretch>
+            </p:blipFill>
+            <p:spPr>
+              <a:xfrm>
+                <a:off x="7162800" y="1143000"/>
+                <a:ext cx="605393" cy="1241419"/>
+              </a:xfrm>
+              <a:prstGeom prst="rect">
+                <a:avLst/>
+              </a:prstGeom>
+            </p:spPr>
+          </p:pic>
+          <p:pic>
+            <p:nvPicPr>
+              <p:cNvPr id="435" name="Picture 434" descr="boy.png"/>
+              <p:cNvPicPr>
+                <a:picLocks noChangeAspect="1"/>
+              </p:cNvPicPr>
+              <p:nvPr/>
+            </p:nvPicPr>
+            <p:blipFill>
+              <a:blip r:embed="rId6" cstate="print"/>
+              <a:stretch>
+                <a:fillRect/>
+              </a:stretch>
+            </p:blipFill>
+            <p:spPr>
+              <a:xfrm>
+                <a:off x="7467600" y="990600"/>
+                <a:ext cx="605393" cy="1241419"/>
+              </a:xfrm>
+              <a:prstGeom prst="rect">
+                <a:avLst/>
+              </a:prstGeom>
+            </p:spPr>
+          </p:pic>
+          <p:pic>
+            <p:nvPicPr>
+              <p:cNvPr id="436" name="Picture 435" descr="boy.png"/>
+              <p:cNvPicPr>
+                <a:picLocks noChangeAspect="1"/>
+              </p:cNvPicPr>
+              <p:nvPr/>
+            </p:nvPicPr>
+            <p:blipFill>
+              <a:blip r:embed="rId6" cstate="print"/>
+              <a:stretch>
+                <a:fillRect/>
+              </a:stretch>
+            </p:blipFill>
+            <p:spPr>
+              <a:xfrm>
+                <a:off x="6781800" y="990600"/>
+                <a:ext cx="605393" cy="1241419"/>
+              </a:xfrm>
+              <a:prstGeom prst="rect">
+                <a:avLst/>
+              </a:prstGeom>
+            </p:spPr>
+          </p:pic>
+        </p:grpSp>
+      </p:grpSp>
+      <p:grpSp>
+        <p:nvGrpSpPr>
+          <p:cNvPr id="449" name="Group 448"/>
+          <p:cNvGrpSpPr/>
+          <p:nvPr/>
+        </p:nvGrpSpPr>
+        <p:grpSpPr>
+          <a:xfrm>
+            <a:off x="4419600" y="381000"/>
+            <a:ext cx="2514600" cy="1851019"/>
+            <a:chOff x="6629400" y="990600"/>
+            <a:chExt cx="2514600" cy="1851019"/>
+          </a:xfrm>
+        </p:grpSpPr>
+        <p:grpSp>
+          <p:nvGrpSpPr>
+            <p:cNvPr id="450" name="Group 166"/>
+            <p:cNvGrpSpPr/>
+            <p:nvPr/>
+          </p:nvGrpSpPr>
+          <p:grpSpPr>
+            <a:xfrm>
+              <a:off x="6781800" y="990600"/>
+              <a:ext cx="1291193" cy="1393819"/>
+              <a:chOff x="6781800" y="990600"/>
+              <a:chExt cx="1291193" cy="1393819"/>
+            </a:xfrm>
+          </p:grpSpPr>
+          <p:pic>
+            <p:nvPicPr>
+              <p:cNvPr id="466" name="Picture 465" descr="boy.png"/>
+              <p:cNvPicPr>
+                <a:picLocks noChangeAspect="1"/>
+              </p:cNvPicPr>
+              <p:nvPr/>
+            </p:nvPicPr>
+            <p:blipFill>
+              <a:blip r:embed="rId6" cstate="print"/>
+              <a:stretch>
+                <a:fillRect/>
+              </a:stretch>
+            </p:blipFill>
+            <p:spPr>
+              <a:xfrm>
+                <a:off x="7010400" y="990600"/>
+                <a:ext cx="605393" cy="1241419"/>
+              </a:xfrm>
+              <a:prstGeom prst="rect">
+                <a:avLst/>
+              </a:prstGeom>
+            </p:spPr>
+          </p:pic>
+          <p:pic>
+            <p:nvPicPr>
+              <p:cNvPr id="467" name="Picture 466" descr="boy.png"/>
+              <p:cNvPicPr>
+                <a:picLocks noChangeAspect="1"/>
+              </p:cNvPicPr>
+              <p:nvPr/>
+            </p:nvPicPr>
+            <p:blipFill>
+              <a:blip r:embed="rId6" cstate="print"/>
+              <a:stretch>
+                <a:fillRect/>
+              </a:stretch>
+            </p:blipFill>
+            <p:spPr>
+              <a:xfrm>
+                <a:off x="7162800" y="1143000"/>
+                <a:ext cx="605393" cy="1241419"/>
+              </a:xfrm>
+              <a:prstGeom prst="rect">
+                <a:avLst/>
+              </a:prstGeom>
+            </p:spPr>
+          </p:pic>
+          <p:pic>
+            <p:nvPicPr>
+              <p:cNvPr id="468" name="Picture 467" descr="boy.png"/>
+              <p:cNvPicPr>
+                <a:picLocks noChangeAspect="1"/>
+              </p:cNvPicPr>
+              <p:nvPr/>
+            </p:nvPicPr>
+            <p:blipFill>
+              <a:blip r:embed="rId6" cstate="print"/>
+              <a:stretch>
+                <a:fillRect/>
+              </a:stretch>
+            </p:blipFill>
+            <p:spPr>
+              <a:xfrm>
+                <a:off x="7467600" y="990600"/>
+                <a:ext cx="605393" cy="1241419"/>
+              </a:xfrm>
+              <a:prstGeom prst="rect">
+                <a:avLst/>
+              </a:prstGeom>
+            </p:spPr>
+          </p:pic>
+          <p:pic>
+            <p:nvPicPr>
+              <p:cNvPr id="469" name="Picture 468" descr="boy.png"/>
+              <p:cNvPicPr>
+                <a:picLocks noChangeAspect="1"/>
+              </p:cNvPicPr>
+              <p:nvPr/>
+            </p:nvPicPr>
+            <p:blipFill>
+              <a:blip r:embed="rId6" cstate="print"/>
+              <a:stretch>
+                <a:fillRect/>
+              </a:stretch>
+            </p:blipFill>
+            <p:spPr>
+              <a:xfrm>
+                <a:off x="6781800" y="990600"/>
+                <a:ext cx="605393" cy="1241419"/>
+              </a:xfrm>
+              <a:prstGeom prst="rect">
+                <a:avLst/>
+              </a:prstGeom>
+            </p:spPr>
+          </p:pic>
+        </p:grpSp>
+        <p:grpSp>
+          <p:nvGrpSpPr>
+            <p:cNvPr id="451" name="Group 167"/>
+            <p:cNvGrpSpPr/>
+            <p:nvPr/>
+          </p:nvGrpSpPr>
+          <p:grpSpPr>
+            <a:xfrm>
+              <a:off x="6934200" y="1143000"/>
+              <a:ext cx="1291193" cy="1393819"/>
+              <a:chOff x="6781800" y="990600"/>
+              <a:chExt cx="1291193" cy="1393819"/>
+            </a:xfrm>
+          </p:grpSpPr>
+          <p:pic>
+            <p:nvPicPr>
+              <p:cNvPr id="462" name="Picture 461" descr="boy.png"/>
+              <p:cNvPicPr>
+                <a:picLocks noChangeAspect="1"/>
+              </p:cNvPicPr>
+              <p:nvPr/>
+            </p:nvPicPr>
+            <p:blipFill>
+              <a:blip r:embed="rId6" cstate="print"/>
+              <a:stretch>
+                <a:fillRect/>
+              </a:stretch>
+            </p:blipFill>
+            <p:spPr>
+              <a:xfrm>
+                <a:off x="7010400" y="990600"/>
+                <a:ext cx="605393" cy="1241419"/>
+              </a:xfrm>
+              <a:prstGeom prst="rect">
+                <a:avLst/>
+              </a:prstGeom>
+            </p:spPr>
+          </p:pic>
+          <p:pic>
+            <p:nvPicPr>
+              <p:cNvPr id="463" name="Picture 462" descr="boy.png"/>
+              <p:cNvPicPr>
+                <a:picLocks noChangeAspect="1"/>
+              </p:cNvPicPr>
+              <p:nvPr/>
+            </p:nvPicPr>
+            <p:blipFill>
+              <a:blip r:embed="rId6" cstate="print"/>
+              <a:stretch>
+                <a:fillRect/>
+              </a:stretch>
+            </p:blipFill>
+            <p:spPr>
+              <a:xfrm>
+                <a:off x="7162800" y="1143000"/>
+                <a:ext cx="605393" cy="1241419"/>
+              </a:xfrm>
+              <a:prstGeom prst="rect">
+                <a:avLst/>
+              </a:prstGeom>
+            </p:spPr>
+          </p:pic>
+          <p:pic>
+            <p:nvPicPr>
+              <p:cNvPr id="464" name="Picture 463" descr="boy.png"/>
+              <p:cNvPicPr>
+                <a:picLocks noChangeAspect="1"/>
+              </p:cNvPicPr>
+              <p:nvPr/>
+            </p:nvPicPr>
+            <p:blipFill>
+              <a:blip r:embed="rId6" cstate="print"/>
+              <a:stretch>
+                <a:fillRect/>
+              </a:stretch>
+            </p:blipFill>
+            <p:spPr>
+              <a:xfrm>
+                <a:off x="7467600" y="990600"/>
+                <a:ext cx="605393" cy="1241419"/>
+              </a:xfrm>
+              <a:prstGeom prst="rect">
+                <a:avLst/>
+              </a:prstGeom>
+            </p:spPr>
+          </p:pic>
+          <p:pic>
+            <p:nvPicPr>
+              <p:cNvPr id="465" name="Picture 464" descr="boy.png"/>
+              <p:cNvPicPr>
+                <a:picLocks noChangeAspect="1"/>
+              </p:cNvPicPr>
+              <p:nvPr/>
+            </p:nvPicPr>
+            <p:blipFill>
+              <a:blip r:embed="rId6" cstate="print"/>
+              <a:stretch>
+                <a:fillRect/>
+              </a:stretch>
+            </p:blipFill>
+            <p:spPr>
+              <a:xfrm>
+                <a:off x="6781800" y="990600"/>
+                <a:ext cx="605393" cy="1241419"/>
+              </a:xfrm>
+              <a:prstGeom prst="rect">
+                <a:avLst/>
+              </a:prstGeom>
+            </p:spPr>
+          </p:pic>
+        </p:grpSp>
+        <p:grpSp>
+          <p:nvGrpSpPr>
+            <p:cNvPr id="452" name="Group 172"/>
+            <p:cNvGrpSpPr/>
+            <p:nvPr/>
+          </p:nvGrpSpPr>
+          <p:grpSpPr>
+            <a:xfrm>
+              <a:off x="6629400" y="1447800"/>
+              <a:ext cx="1291193" cy="1393819"/>
+              <a:chOff x="6781800" y="990600"/>
+              <a:chExt cx="1291193" cy="1393819"/>
+            </a:xfrm>
+          </p:grpSpPr>
+          <p:pic>
+            <p:nvPicPr>
+              <p:cNvPr id="458" name="Picture 457" descr="boy.png"/>
+              <p:cNvPicPr>
+                <a:picLocks noChangeAspect="1"/>
+              </p:cNvPicPr>
+              <p:nvPr/>
+            </p:nvPicPr>
+            <p:blipFill>
+              <a:blip r:embed="rId6" cstate="print"/>
+              <a:stretch>
+                <a:fillRect/>
+              </a:stretch>
+            </p:blipFill>
+            <p:spPr>
+              <a:xfrm>
+                <a:off x="7010400" y="990600"/>
+                <a:ext cx="605393" cy="1241419"/>
+              </a:xfrm>
+              <a:prstGeom prst="rect">
+                <a:avLst/>
+              </a:prstGeom>
+            </p:spPr>
+          </p:pic>
+          <p:pic>
+            <p:nvPicPr>
+              <p:cNvPr id="459" name="Picture 458" descr="boy.png"/>
+              <p:cNvPicPr>
+                <a:picLocks noChangeAspect="1"/>
+              </p:cNvPicPr>
+              <p:nvPr/>
+            </p:nvPicPr>
+            <p:blipFill>
+              <a:blip r:embed="rId6" cstate="print"/>
+              <a:stretch>
+                <a:fillRect/>
+              </a:stretch>
+            </p:blipFill>
+            <p:spPr>
+              <a:xfrm>
+                <a:off x="7162800" y="1143000"/>
+                <a:ext cx="605393" cy="1241419"/>
+              </a:xfrm>
+              <a:prstGeom prst="rect">
+                <a:avLst/>
+              </a:prstGeom>
+            </p:spPr>
+          </p:pic>
+          <p:pic>
+            <p:nvPicPr>
+              <p:cNvPr id="460" name="Picture 459" descr="boy.png"/>
+              <p:cNvPicPr>
+                <a:picLocks noChangeAspect="1"/>
+              </p:cNvPicPr>
+              <p:nvPr/>
+            </p:nvPicPr>
+            <p:blipFill>
+              <a:blip r:embed="rId6" cstate="print"/>
+              <a:stretch>
+                <a:fillRect/>
+              </a:stretch>
+            </p:blipFill>
+            <p:spPr>
+              <a:xfrm>
+                <a:off x="7467600" y="990600"/>
+                <a:ext cx="605393" cy="1241419"/>
+              </a:xfrm>
+              <a:prstGeom prst="rect">
+                <a:avLst/>
+              </a:prstGeom>
+            </p:spPr>
+          </p:pic>
+          <p:pic>
+            <p:nvPicPr>
+              <p:cNvPr id="461" name="Picture 460" descr="boy.png"/>
+              <p:cNvPicPr>
+                <a:picLocks noChangeAspect="1"/>
+              </p:cNvPicPr>
+              <p:nvPr/>
+            </p:nvPicPr>
+            <p:blipFill>
+              <a:blip r:embed="rId6" cstate="print"/>
+              <a:stretch>
+                <a:fillRect/>
+              </a:stretch>
+            </p:blipFill>
+            <p:spPr>
+              <a:xfrm>
+                <a:off x="6781800" y="990600"/>
+                <a:ext cx="605393" cy="1241419"/>
+              </a:xfrm>
+              <a:prstGeom prst="rect">
+                <a:avLst/>
+              </a:prstGeom>
+            </p:spPr>
+          </p:pic>
+        </p:grpSp>
+        <p:grpSp>
+          <p:nvGrpSpPr>
+            <p:cNvPr id="453" name="Group 177"/>
+            <p:cNvGrpSpPr/>
+            <p:nvPr/>
+          </p:nvGrpSpPr>
+          <p:grpSpPr>
+            <a:xfrm>
+              <a:off x="7852807" y="990600"/>
+              <a:ext cx="1291193" cy="1393819"/>
+              <a:chOff x="6781800" y="990600"/>
+              <a:chExt cx="1291193" cy="1393819"/>
+            </a:xfrm>
+          </p:grpSpPr>
+          <p:pic>
+            <p:nvPicPr>
+              <p:cNvPr id="454" name="Picture 453" descr="boy.png"/>
+              <p:cNvPicPr>
+                <a:picLocks noChangeAspect="1"/>
+              </p:cNvPicPr>
+              <p:nvPr/>
+            </p:nvPicPr>
+            <p:blipFill>
+              <a:blip r:embed="rId6" cstate="print"/>
+              <a:stretch>
+                <a:fillRect/>
+              </a:stretch>
+            </p:blipFill>
+            <p:spPr>
+              <a:xfrm>
+                <a:off x="7010400" y="990600"/>
+                <a:ext cx="605393" cy="1241419"/>
+              </a:xfrm>
+              <a:prstGeom prst="rect">
+                <a:avLst/>
+              </a:prstGeom>
+            </p:spPr>
+          </p:pic>
+          <p:pic>
+            <p:nvPicPr>
+              <p:cNvPr id="455" name="Picture 454" descr="boy.png"/>
+              <p:cNvPicPr>
+                <a:picLocks noChangeAspect="1"/>
+              </p:cNvPicPr>
+              <p:nvPr/>
+            </p:nvPicPr>
+            <p:blipFill>
+              <a:blip r:embed="rId6" cstate="print"/>
+              <a:stretch>
+                <a:fillRect/>
+              </a:stretch>
+            </p:blipFill>
+            <p:spPr>
+              <a:xfrm>
+                <a:off x="7162800" y="1143000"/>
+                <a:ext cx="605393" cy="1241419"/>
+              </a:xfrm>
+              <a:prstGeom prst="rect">
+                <a:avLst/>
+              </a:prstGeom>
+            </p:spPr>
+          </p:pic>
+          <p:pic>
+            <p:nvPicPr>
+              <p:cNvPr id="456" name="Picture 455" descr="boy.png"/>
+              <p:cNvPicPr>
+                <a:picLocks noChangeAspect="1"/>
+              </p:cNvPicPr>
+              <p:nvPr/>
+            </p:nvPicPr>
+            <p:blipFill>
+              <a:blip r:embed="rId6" cstate="print"/>
+              <a:stretch>
+                <a:fillRect/>
+              </a:stretch>
+            </p:blipFill>
+            <p:spPr>
+              <a:xfrm>
+                <a:off x="7467600" y="990600"/>
+                <a:ext cx="605393" cy="1241419"/>
+              </a:xfrm>
+              <a:prstGeom prst="rect">
+                <a:avLst/>
+              </a:prstGeom>
+            </p:spPr>
+          </p:pic>
+          <p:pic>
+            <p:nvPicPr>
+              <p:cNvPr id="457" name="Picture 456" descr="boy.png"/>
+              <p:cNvPicPr>
+                <a:picLocks noChangeAspect="1"/>
+              </p:cNvPicPr>
+              <p:nvPr/>
+            </p:nvPicPr>
+            <p:blipFill>
+              <a:blip r:embed="rId6" cstate="print"/>
+              <a:stretch>
+                <a:fillRect/>
+              </a:stretch>
+            </p:blipFill>
+            <p:spPr>
+              <a:xfrm>
+                <a:off x="6781800" y="990600"/>
+                <a:ext cx="605393" cy="1241419"/>
+              </a:xfrm>
+              <a:prstGeom prst="rect">
+                <a:avLst/>
+              </a:prstGeom>
+            </p:spPr>
+          </p:pic>
+        </p:grpSp>
+      </p:grpSp>
+      <p:pic>
+        <p:nvPicPr>
+          <p:cNvPr id="470" name="Picture 469" descr="boy.png"/>
+          <p:cNvPicPr>
+            <a:picLocks noChangeAspect="1"/>
+          </p:cNvPicPr>
+          <p:nvPr/>
+        </p:nvPicPr>
+        <p:blipFill>
+          <a:blip r:embed="rId7" cstate="print"/>
+          <a:stretch>
+            <a:fillRect/>
+          </a:stretch>
+        </p:blipFill>
+        <p:spPr>
+          <a:xfrm>
+            <a:off x="5594119" y="2133600"/>
+            <a:ext cx="1107274" cy="2270577"/>
+          </a:xfrm>
+          <a:prstGeom prst="rect">
+            <a:avLst/>
+          </a:prstGeom>
+        </p:spPr>
+      </p:pic>
+      <p:pic>
+        <p:nvPicPr>
+          <p:cNvPr id="471" name="Picture 470" descr="boy.png"/>
+          <p:cNvPicPr>
+            <a:picLocks noChangeAspect="1"/>
+          </p:cNvPicPr>
+          <p:nvPr/>
+        </p:nvPicPr>
+        <p:blipFill>
+          <a:blip r:embed="rId8" cstate="print"/>
+          <a:stretch>
+            <a:fillRect/>
+          </a:stretch>
+        </p:blipFill>
+        <p:spPr>
+          <a:xfrm>
+            <a:off x="7848600" y="3048000"/>
+            <a:ext cx="772835" cy="1584777"/>
+          </a:xfrm>
+          <a:prstGeom prst="rect">
+            <a:avLst/>
+          </a:prstGeom>
+        </p:spPr>
+      </p:pic>
       <p:sp>
         <p:nvSpPr>
-          <p:cNvPr id="184" name="TextBox 183"/>
+          <p:cNvPr id="472" name="TextBox 471"/>
           <p:cNvSpPr txBox="1"/>
           <p:nvPr/>
         </p:nvSpPr>
         <p:spPr>
           <a:xfrm>
-            <a:off x="8001000" y="304800"/>
-            <a:ext cx="990600" cy="369332"/>
+            <a:off x="7467600" y="0"/>
+            <a:ext cx="1676400" cy="369332"/>
           </a:xfrm>
           <a:prstGeom prst="rect">
             <a:avLst/>
@@ -17436,7 +19597,7 @@
           <a:p>
             <a:r>
               <a:rPr lang="en-US" dirty="0" smtClean="0"/>
-              <a:t>15</a:t>
+              <a:t>98</a:t>
             </a:r>
             <a:endParaRPr lang="en-US" dirty="0"/>
           </a:p>
@@ -17444,13 +19605,13 @@
       </p:sp>
       <p:sp>
         <p:nvSpPr>
-          <p:cNvPr id="185" name="Down Arrow 9"/>
+          <p:cNvPr id="473" name="Down Arrow 472"/>
           <p:cNvSpPr/>
           <p:nvPr/>
         </p:nvSpPr>
         <p:spPr>
           <a:xfrm>
-            <a:off x="7315200" y="3505200"/>
+            <a:off x="6400800" y="3276600"/>
             <a:ext cx="533400" cy="1066800"/>
           </a:xfrm>
           <a:prstGeom prst="downArrow">
@@ -17490,7 +19651,7 @@
 </p:sld>
 </file>
 
-<file path=ppt/slides/slide5.xml><?xml version="1.0" encoding="utf-8"?>
+<file path=ppt/slides/slide7.xml><?xml version="1.0" encoding="utf-8"?>
 <p:sld xmlns:a="http://schemas.openxmlformats.org/drawingml/2006/main" xmlns:r="http://schemas.openxmlformats.org/officeDocument/2006/relationships" xmlns:p="http://schemas.openxmlformats.org/presentationml/2006/main">
   <p:cSld>
     <p:spTree>
@@ -17826,78 +19987,656 @@
       </p:cxnSp>
       <p:grpSp>
         <p:nvGrpSpPr>
-          <p:cNvPr id="12" name="Group 14"/>
+          <p:cNvPr id="31" name="Group 30"/>
           <p:cNvGrpSpPr/>
           <p:nvPr/>
         </p:nvGrpSpPr>
         <p:grpSpPr>
           <a:xfrm>
-            <a:off x="533400" y="4114800"/>
-            <a:ext cx="1447800" cy="1066800"/>
-            <a:chOff x="2514600" y="2286000"/>
-            <a:chExt cx="3124200" cy="2286000"/>
+            <a:off x="457200" y="5486400"/>
+            <a:ext cx="8458200" cy="1219200"/>
+            <a:chOff x="533400" y="3962400"/>
+            <a:chExt cx="8458200" cy="1219200"/>
           </a:xfrm>
         </p:grpSpPr>
+        <p:grpSp>
+          <p:nvGrpSpPr>
+            <p:cNvPr id="12" name="Group 14"/>
+            <p:cNvGrpSpPr/>
+            <p:nvPr/>
+          </p:nvGrpSpPr>
+          <p:grpSpPr>
+            <a:xfrm>
+              <a:off x="533400" y="4114800"/>
+              <a:ext cx="1447800" cy="1066800"/>
+              <a:chOff x="2514600" y="2286000"/>
+              <a:chExt cx="3124200" cy="2286000"/>
+            </a:xfrm>
+          </p:grpSpPr>
+          <p:sp>
+            <p:nvSpPr>
+              <p:cNvPr id="13" name="Rectangle 2"/>
+              <p:cNvSpPr/>
+              <p:nvPr/>
+            </p:nvSpPr>
+            <p:spPr>
+              <a:xfrm>
+                <a:off x="2590800" y="2286000"/>
+                <a:ext cx="3048000" cy="2286000"/>
+              </a:xfrm>
+              <a:prstGeom prst="rect">
+                <a:avLst/>
+              </a:prstGeom>
+              <a:solidFill>
+                <a:srgbClr val="B86600"/>
+              </a:solidFill>
+              <a:ln>
+                <a:solidFill>
+                  <a:schemeClr val="tx1"/>
+                </a:solidFill>
+              </a:ln>
+            </p:spPr>
+            <p:style>
+              <a:lnRef idx="2">
+                <a:schemeClr val="accent1">
+                  <a:shade val="50000"/>
+                </a:schemeClr>
+              </a:lnRef>
+              <a:fillRef idx="1">
+                <a:schemeClr val="accent1"/>
+              </a:fillRef>
+              <a:effectRef idx="0">
+                <a:schemeClr val="accent1"/>
+              </a:effectRef>
+              <a:fontRef idx="minor">
+                <a:schemeClr val="lt1"/>
+              </a:fontRef>
+            </p:style>
+            <p:txBody>
+              <a:bodyPr rtlCol="0" anchor="ctr"/>
+              <a:lstStyle/>
+              <a:p>
+                <a:pPr algn="ctr"/>
+                <a:endParaRPr lang="en-US"/>
+              </a:p>
+            </p:txBody>
+          </p:sp>
+          <p:sp>
+            <p:nvSpPr>
+              <p:cNvPr id="14" name="Oval 16"/>
+              <p:cNvSpPr/>
+              <p:nvPr/>
+            </p:nvSpPr>
+            <p:spPr>
+              <a:xfrm>
+                <a:off x="2819400" y="2286000"/>
+                <a:ext cx="2819400" cy="609600"/>
+              </a:xfrm>
+              <a:prstGeom prst="ellipse">
+                <a:avLst/>
+              </a:prstGeom>
+              <a:solidFill>
+                <a:schemeClr val="tx1"/>
+              </a:solidFill>
+              <a:ln>
+                <a:solidFill>
+                  <a:schemeClr val="tx1"/>
+                </a:solidFill>
+              </a:ln>
+            </p:spPr>
+            <p:style>
+              <a:lnRef idx="2">
+                <a:schemeClr val="accent1">
+                  <a:shade val="50000"/>
+                </a:schemeClr>
+              </a:lnRef>
+              <a:fillRef idx="1">
+                <a:schemeClr val="accent1"/>
+              </a:fillRef>
+              <a:effectRef idx="0">
+                <a:schemeClr val="accent1"/>
+              </a:effectRef>
+              <a:fontRef idx="minor">
+                <a:schemeClr val="lt1"/>
+              </a:fontRef>
+            </p:style>
+            <p:txBody>
+              <a:bodyPr rtlCol="0" anchor="ctr"/>
+              <a:lstStyle/>
+              <a:p>
+                <a:pPr algn="ctr"/>
+                <a:endParaRPr lang="en-US"/>
+              </a:p>
+            </p:txBody>
+          </p:sp>
+          <p:sp>
+            <p:nvSpPr>
+              <p:cNvPr id="15" name="Rectangle 1"/>
+              <p:cNvSpPr/>
+              <p:nvPr/>
+            </p:nvSpPr>
+            <p:spPr>
+              <a:xfrm>
+                <a:off x="2819400" y="2438400"/>
+                <a:ext cx="2819400" cy="2133600"/>
+              </a:xfrm>
+              <a:prstGeom prst="rect">
+                <a:avLst/>
+              </a:prstGeom>
+              <a:solidFill>
+                <a:srgbClr val="CC6600"/>
+              </a:solidFill>
+              <a:ln>
+                <a:solidFill>
+                  <a:schemeClr val="tx1"/>
+                </a:solidFill>
+              </a:ln>
+            </p:spPr>
+            <p:style>
+              <a:lnRef idx="2">
+                <a:schemeClr val="accent1">
+                  <a:shade val="50000"/>
+                </a:schemeClr>
+              </a:lnRef>
+              <a:fillRef idx="1">
+                <a:schemeClr val="accent1"/>
+              </a:fillRef>
+              <a:effectRef idx="0">
+                <a:schemeClr val="accent1"/>
+              </a:effectRef>
+              <a:fontRef idx="minor">
+                <a:schemeClr val="lt1"/>
+              </a:fontRef>
+            </p:style>
+            <p:txBody>
+              <a:bodyPr rtlCol="0" anchor="ctr"/>
+              <a:lstStyle/>
+              <a:p>
+                <a:pPr algn="ctr"/>
+                <a:r>
+                  <a:rPr lang="en-US" dirty="0" smtClean="0"/>
+                  <a:t>girls</a:t>
+                </a:r>
+                <a:endParaRPr lang="en-US" dirty="0"/>
+              </a:p>
+            </p:txBody>
+          </p:sp>
+          <p:cxnSp>
+            <p:nvCxnSpPr>
+              <p:cNvPr id="16" name="Straight Connector 4"/>
+              <p:cNvCxnSpPr/>
+              <p:nvPr/>
+            </p:nvCxnSpPr>
+            <p:spPr>
+              <a:xfrm>
+                <a:off x="2590800" y="2286000"/>
+                <a:ext cx="228600" cy="152400"/>
+              </a:xfrm>
+              <a:prstGeom prst="line">
+                <a:avLst/>
+              </a:prstGeom>
+              <a:ln w="28575">
+                <a:solidFill>
+                  <a:schemeClr val="tx1"/>
+                </a:solidFill>
+              </a:ln>
+            </p:spPr>
+            <p:style>
+              <a:lnRef idx="1">
+                <a:schemeClr val="accent1"/>
+              </a:lnRef>
+              <a:fillRef idx="0">
+                <a:schemeClr val="accent1"/>
+              </a:fillRef>
+              <a:effectRef idx="0">
+                <a:schemeClr val="accent1"/>
+              </a:effectRef>
+              <a:fontRef idx="minor">
+                <a:schemeClr val="tx1"/>
+              </a:fontRef>
+            </p:style>
+          </p:cxnSp>
+          <p:sp>
+            <p:nvSpPr>
+              <p:cNvPr id="17" name="Isosceles Triangle 5"/>
+              <p:cNvSpPr/>
+              <p:nvPr/>
+            </p:nvSpPr>
+            <p:spPr>
+              <a:xfrm rot="10800000">
+                <a:off x="2514600" y="2362199"/>
+                <a:ext cx="381000" cy="304800"/>
+              </a:xfrm>
+              <a:prstGeom prst="triangle">
+                <a:avLst/>
+              </a:prstGeom>
+              <a:solidFill>
+                <a:srgbClr val="B86600"/>
+              </a:solidFill>
+              <a:ln>
+                <a:solidFill>
+                  <a:schemeClr val="tx1"/>
+                </a:solidFill>
+              </a:ln>
+              <a:scene3d>
+                <a:camera prst="isometricLeftDown"/>
+                <a:lightRig rig="threePt" dir="t"/>
+              </a:scene3d>
+            </p:spPr>
+            <p:style>
+              <a:lnRef idx="2">
+                <a:schemeClr val="accent1">
+                  <a:shade val="50000"/>
+                </a:schemeClr>
+              </a:lnRef>
+              <a:fillRef idx="1">
+                <a:schemeClr val="accent1"/>
+              </a:fillRef>
+              <a:effectRef idx="0">
+                <a:schemeClr val="accent1"/>
+              </a:effectRef>
+              <a:fontRef idx="minor">
+                <a:schemeClr val="lt1"/>
+              </a:fontRef>
+            </p:style>
+            <p:txBody>
+              <a:bodyPr rtlCol="0" anchor="ctr"/>
+              <a:lstStyle/>
+              <a:p>
+                <a:pPr algn="ctr"/>
+                <a:endParaRPr lang="en-US"/>
+              </a:p>
+            </p:txBody>
+          </p:sp>
+          <p:sp>
+            <p:nvSpPr>
+              <p:cNvPr id="18" name="Isosceles Triangle 7"/>
+              <p:cNvSpPr/>
+              <p:nvPr/>
+            </p:nvSpPr>
+            <p:spPr>
+              <a:xfrm rot="10800000">
+                <a:off x="2819400" y="2438400"/>
+                <a:ext cx="2819400" cy="609600"/>
+              </a:xfrm>
+              <a:prstGeom prst="triangle">
+                <a:avLst/>
+              </a:prstGeom>
+              <a:solidFill>
+                <a:srgbClr val="B86600"/>
+              </a:solidFill>
+              <a:ln>
+                <a:solidFill>
+                  <a:schemeClr val="tx1"/>
+                </a:solidFill>
+              </a:ln>
+            </p:spPr>
+            <p:style>
+              <a:lnRef idx="2">
+                <a:schemeClr val="accent1">
+                  <a:shade val="50000"/>
+                </a:schemeClr>
+              </a:lnRef>
+              <a:fillRef idx="1">
+                <a:schemeClr val="accent1"/>
+              </a:fillRef>
+              <a:effectRef idx="0">
+                <a:schemeClr val="accent1"/>
+              </a:effectRef>
+              <a:fontRef idx="minor">
+                <a:schemeClr val="lt1"/>
+              </a:fontRef>
+            </p:style>
+            <p:txBody>
+              <a:bodyPr rtlCol="0" anchor="ctr"/>
+              <a:lstStyle/>
+              <a:p>
+                <a:pPr algn="ctr"/>
+                <a:endParaRPr lang="en-US"/>
+              </a:p>
+            </p:txBody>
+          </p:sp>
+        </p:grpSp>
+        <p:grpSp>
+          <p:nvGrpSpPr>
+            <p:cNvPr id="19" name="Group 18"/>
+            <p:cNvGrpSpPr/>
+            <p:nvPr/>
+          </p:nvGrpSpPr>
+          <p:grpSpPr>
+            <a:xfrm>
+              <a:off x="3657600" y="3962400"/>
+              <a:ext cx="1295400" cy="1219200"/>
+              <a:chOff x="2514600" y="2286000"/>
+              <a:chExt cx="3124200" cy="2286000"/>
+            </a:xfrm>
+          </p:grpSpPr>
+          <p:sp>
+            <p:nvSpPr>
+              <p:cNvPr id="20" name="Rectangle 19"/>
+              <p:cNvSpPr/>
+              <p:nvPr/>
+            </p:nvSpPr>
+            <p:spPr>
+              <a:xfrm>
+                <a:off x="2590800" y="2286000"/>
+                <a:ext cx="3048000" cy="2286000"/>
+              </a:xfrm>
+              <a:prstGeom prst="rect">
+                <a:avLst/>
+              </a:prstGeom>
+              <a:solidFill>
+                <a:srgbClr val="B86600"/>
+              </a:solidFill>
+              <a:ln>
+                <a:solidFill>
+                  <a:schemeClr val="tx1"/>
+                </a:solidFill>
+              </a:ln>
+            </p:spPr>
+            <p:style>
+              <a:lnRef idx="2">
+                <a:schemeClr val="accent1">
+                  <a:shade val="50000"/>
+                </a:schemeClr>
+              </a:lnRef>
+              <a:fillRef idx="1">
+                <a:schemeClr val="accent1"/>
+              </a:fillRef>
+              <a:effectRef idx="0">
+                <a:schemeClr val="accent1"/>
+              </a:effectRef>
+              <a:fontRef idx="minor">
+                <a:schemeClr val="lt1"/>
+              </a:fontRef>
+            </p:style>
+            <p:txBody>
+              <a:bodyPr rtlCol="0" anchor="ctr"/>
+              <a:lstStyle/>
+              <a:p>
+                <a:pPr algn="ctr"/>
+                <a:endParaRPr lang="en-US"/>
+              </a:p>
+            </p:txBody>
+          </p:sp>
+          <p:sp>
+            <p:nvSpPr>
+              <p:cNvPr id="21" name="Oval 20"/>
+              <p:cNvSpPr/>
+              <p:nvPr/>
+            </p:nvSpPr>
+            <p:spPr>
+              <a:xfrm>
+                <a:off x="2819400" y="2286000"/>
+                <a:ext cx="2819400" cy="609600"/>
+              </a:xfrm>
+              <a:prstGeom prst="ellipse">
+                <a:avLst/>
+              </a:prstGeom>
+              <a:solidFill>
+                <a:schemeClr val="tx1"/>
+              </a:solidFill>
+              <a:ln>
+                <a:solidFill>
+                  <a:schemeClr val="tx1"/>
+                </a:solidFill>
+              </a:ln>
+            </p:spPr>
+            <p:style>
+              <a:lnRef idx="2">
+                <a:schemeClr val="accent1">
+                  <a:shade val="50000"/>
+                </a:schemeClr>
+              </a:lnRef>
+              <a:fillRef idx="1">
+                <a:schemeClr val="accent1"/>
+              </a:fillRef>
+              <a:effectRef idx="0">
+                <a:schemeClr val="accent1"/>
+              </a:effectRef>
+              <a:fontRef idx="minor">
+                <a:schemeClr val="lt1"/>
+              </a:fontRef>
+            </p:style>
+            <p:txBody>
+              <a:bodyPr rtlCol="0" anchor="ctr"/>
+              <a:lstStyle/>
+              <a:p>
+                <a:pPr algn="ctr"/>
+                <a:endParaRPr lang="en-US"/>
+              </a:p>
+            </p:txBody>
+          </p:sp>
+          <p:sp>
+            <p:nvSpPr>
+              <p:cNvPr id="22" name="Rectangle 21"/>
+              <p:cNvSpPr/>
+              <p:nvPr/>
+            </p:nvSpPr>
+            <p:spPr>
+              <a:xfrm>
+                <a:off x="2819400" y="2438400"/>
+                <a:ext cx="2819400" cy="2133600"/>
+              </a:xfrm>
+              <a:prstGeom prst="rect">
+                <a:avLst/>
+              </a:prstGeom>
+              <a:solidFill>
+                <a:srgbClr val="CC6600"/>
+              </a:solidFill>
+              <a:ln>
+                <a:solidFill>
+                  <a:schemeClr val="tx1"/>
+                </a:solidFill>
+              </a:ln>
+            </p:spPr>
+            <p:style>
+              <a:lnRef idx="2">
+                <a:schemeClr val="accent1">
+                  <a:shade val="50000"/>
+                </a:schemeClr>
+              </a:lnRef>
+              <a:fillRef idx="1">
+                <a:schemeClr val="accent1"/>
+              </a:fillRef>
+              <a:effectRef idx="0">
+                <a:schemeClr val="accent1"/>
+              </a:effectRef>
+              <a:fontRef idx="minor">
+                <a:schemeClr val="lt1"/>
+              </a:fontRef>
+            </p:style>
+            <p:txBody>
+              <a:bodyPr rtlCol="0" anchor="ctr"/>
+              <a:lstStyle/>
+              <a:p>
+                <a:pPr algn="ctr"/>
+                <a:r>
+                  <a:rPr lang="en-US" sz="1600" dirty="0" smtClean="0"/>
+                  <a:t>Boys</a:t>
+                </a:r>
+                <a:endParaRPr lang="en-US" sz="1600" dirty="0" smtClean="0"/>
+              </a:p>
+            </p:txBody>
+          </p:sp>
+          <p:cxnSp>
+            <p:nvCxnSpPr>
+              <p:cNvPr id="23" name="Straight Connector 22"/>
+              <p:cNvCxnSpPr/>
+              <p:nvPr/>
+            </p:nvCxnSpPr>
+            <p:spPr>
+              <a:xfrm>
+                <a:off x="2590800" y="2286000"/>
+                <a:ext cx="228600" cy="152400"/>
+              </a:xfrm>
+              <a:prstGeom prst="line">
+                <a:avLst/>
+              </a:prstGeom>
+              <a:ln w="28575">
+                <a:solidFill>
+                  <a:schemeClr val="tx1"/>
+                </a:solidFill>
+              </a:ln>
+            </p:spPr>
+            <p:style>
+              <a:lnRef idx="1">
+                <a:schemeClr val="accent1"/>
+              </a:lnRef>
+              <a:fillRef idx="0">
+                <a:schemeClr val="accent1"/>
+              </a:fillRef>
+              <a:effectRef idx="0">
+                <a:schemeClr val="accent1"/>
+              </a:effectRef>
+              <a:fontRef idx="minor">
+                <a:schemeClr val="tx1"/>
+              </a:fontRef>
+            </p:style>
+          </p:cxnSp>
+          <p:sp>
+            <p:nvSpPr>
+              <p:cNvPr id="24" name="Isosceles Triangle 23"/>
+              <p:cNvSpPr/>
+              <p:nvPr/>
+            </p:nvSpPr>
+            <p:spPr>
+              <a:xfrm rot="10800000">
+                <a:off x="2514600" y="2362199"/>
+                <a:ext cx="381000" cy="304800"/>
+              </a:xfrm>
+              <a:prstGeom prst="triangle">
+                <a:avLst/>
+              </a:prstGeom>
+              <a:solidFill>
+                <a:srgbClr val="B86600"/>
+              </a:solidFill>
+              <a:ln>
+                <a:solidFill>
+                  <a:schemeClr val="tx1"/>
+                </a:solidFill>
+              </a:ln>
+              <a:scene3d>
+                <a:camera prst="isometricLeftDown"/>
+                <a:lightRig rig="threePt" dir="t"/>
+              </a:scene3d>
+            </p:spPr>
+            <p:style>
+              <a:lnRef idx="2">
+                <a:schemeClr val="accent1">
+                  <a:shade val="50000"/>
+                </a:schemeClr>
+              </a:lnRef>
+              <a:fillRef idx="1">
+                <a:schemeClr val="accent1"/>
+              </a:fillRef>
+              <a:effectRef idx="0">
+                <a:schemeClr val="accent1"/>
+              </a:effectRef>
+              <a:fontRef idx="minor">
+                <a:schemeClr val="lt1"/>
+              </a:fontRef>
+            </p:style>
+            <p:txBody>
+              <a:bodyPr rtlCol="0" anchor="ctr"/>
+              <a:lstStyle/>
+              <a:p>
+                <a:pPr algn="ctr"/>
+                <a:endParaRPr lang="en-US"/>
+              </a:p>
+            </p:txBody>
+          </p:sp>
+          <p:sp>
+            <p:nvSpPr>
+              <p:cNvPr id="25" name="Isosceles Triangle 24"/>
+              <p:cNvSpPr/>
+              <p:nvPr/>
+            </p:nvSpPr>
+            <p:spPr>
+              <a:xfrm rot="10800000">
+                <a:off x="2819400" y="2438400"/>
+                <a:ext cx="2819400" cy="609600"/>
+              </a:xfrm>
+              <a:prstGeom prst="triangle">
+                <a:avLst/>
+              </a:prstGeom>
+              <a:solidFill>
+                <a:srgbClr val="B86600"/>
+              </a:solidFill>
+              <a:ln>
+                <a:solidFill>
+                  <a:schemeClr val="tx1"/>
+                </a:solidFill>
+              </a:ln>
+            </p:spPr>
+            <p:style>
+              <a:lnRef idx="2">
+                <a:schemeClr val="accent1">
+                  <a:shade val="50000"/>
+                </a:schemeClr>
+              </a:lnRef>
+              <a:fillRef idx="1">
+                <a:schemeClr val="accent1"/>
+              </a:fillRef>
+              <a:effectRef idx="0">
+                <a:schemeClr val="accent1"/>
+              </a:effectRef>
+              <a:fontRef idx="minor">
+                <a:schemeClr val="lt1"/>
+              </a:fontRef>
+            </p:style>
+            <p:txBody>
+              <a:bodyPr rtlCol="0" anchor="ctr"/>
+              <a:lstStyle/>
+              <a:p>
+                <a:pPr algn="ctr"/>
+                <a:endParaRPr lang="en-US"/>
+              </a:p>
+            </p:txBody>
+          </p:sp>
+        </p:grpSp>
         <p:sp>
           <p:nvSpPr>
-            <p:cNvPr id="13" name="Rectangle 2"/>
+            <p:cNvPr id="26" name="TextBox 25"/>
+            <p:cNvSpPr txBox="1"/>
+            <p:nvPr/>
+          </p:nvSpPr>
+          <p:spPr>
+            <a:xfrm>
+              <a:off x="2057400" y="4495800"/>
+              <a:ext cx="1066800" cy="369332"/>
+            </a:xfrm>
+            <a:prstGeom prst="rect">
+              <a:avLst/>
+            </a:prstGeom>
+            <a:noFill/>
+          </p:spPr>
+          <p:txBody>
+            <a:bodyPr wrap="square" rtlCol="0">
+              <a:spAutoFit/>
+            </a:bodyPr>
+            <a:lstStyle/>
+            <a:p>
+              <a:r>
+                <a:rPr lang="en-US" dirty="0" smtClean="0"/>
+                <a:t>95 (girls)</a:t>
+              </a:r>
+              <a:endParaRPr lang="en-US" dirty="0"/>
+            </a:p>
+          </p:txBody>
+        </p:sp>
+        <p:sp>
+          <p:nvSpPr>
+            <p:cNvPr id="27" name="Plus 26"/>
             <p:cNvSpPr/>
             <p:nvPr/>
           </p:nvSpPr>
           <p:spPr>
             <a:xfrm>
-              <a:off x="2590800" y="2286000"/>
-              <a:ext cx="3048000" cy="2286000"/>
+              <a:off x="2971800" y="4267200"/>
+              <a:ext cx="533400" cy="609600"/>
             </a:xfrm>
-            <a:prstGeom prst="rect">
-              <a:avLst/>
-            </a:prstGeom>
-            <a:solidFill>
-              <a:srgbClr val="B86600"/>
-            </a:solidFill>
-            <a:ln>
-              <a:solidFill>
-                <a:schemeClr val="tx1"/>
-              </a:solidFill>
-            </a:ln>
-          </p:spPr>
-          <p:style>
-            <a:lnRef idx="2">
-              <a:schemeClr val="accent1">
-                <a:shade val="50000"/>
-              </a:schemeClr>
-            </a:lnRef>
-            <a:fillRef idx="1">
-              <a:schemeClr val="accent1"/>
-            </a:fillRef>
-            <a:effectRef idx="0">
-              <a:schemeClr val="accent1"/>
-            </a:effectRef>
-            <a:fontRef idx="minor">
-              <a:schemeClr val="lt1"/>
-            </a:fontRef>
-          </p:style>
-          <p:txBody>
-            <a:bodyPr rtlCol="0" anchor="ctr"/>
-            <a:lstStyle/>
-            <a:p>
-              <a:pPr algn="ctr"/>
-              <a:endParaRPr lang="en-US"/>
-            </a:p>
-          </p:txBody>
-        </p:sp>
-        <p:sp>
-          <p:nvSpPr>
-            <p:cNvPr id="14" name="Oval 16"/>
-            <p:cNvSpPr/>
-            <p:nvPr/>
-          </p:nvSpPr>
-          <p:spPr>
-            <a:xfrm>
-              <a:off x="2819400" y="2286000"/>
-              <a:ext cx="2819400" cy="609600"/>
-            </a:xfrm>
-            <a:prstGeom prst="ellipse">
+            <a:prstGeom prst="mathPlus">
               <a:avLst/>
             </a:prstGeom>
             <a:solidFill>
@@ -17936,20 +20675,54 @@
         </p:sp>
         <p:sp>
           <p:nvSpPr>
-            <p:cNvPr id="15" name="Rectangle 1"/>
+            <p:cNvPr id="28" name="TextBox 27"/>
+            <p:cNvSpPr txBox="1"/>
+            <p:nvPr/>
+          </p:nvSpPr>
+          <p:spPr>
+            <a:xfrm>
+              <a:off x="5029200" y="4419600"/>
+              <a:ext cx="1066800" cy="369332"/>
+            </a:xfrm>
+            <a:prstGeom prst="rect">
+              <a:avLst/>
+            </a:prstGeom>
+            <a:noFill/>
+          </p:spPr>
+          <p:txBody>
+            <a:bodyPr wrap="square" rtlCol="0">
+              <a:spAutoFit/>
+            </a:bodyPr>
+            <a:lstStyle/>
+            <a:p>
+              <a:r>
+                <a:rPr lang="en-US" dirty="0" smtClean="0"/>
+                <a:t>98 </a:t>
+              </a:r>
+              <a:r>
+                <a:rPr lang="en-US" dirty="0" smtClean="0"/>
+                <a:t>(boys)</a:t>
+              </a:r>
+              <a:endParaRPr lang="en-US" dirty="0"/>
+            </a:p>
+          </p:txBody>
+        </p:sp>
+        <p:sp>
+          <p:nvSpPr>
+            <p:cNvPr id="29" name="Equal 28"/>
             <p:cNvSpPr/>
             <p:nvPr/>
           </p:nvSpPr>
           <p:spPr>
             <a:xfrm>
-              <a:off x="2819400" y="2438400"/>
-              <a:ext cx="2819400" cy="2133600"/>
+              <a:off x="5943600" y="4343400"/>
+              <a:ext cx="914400" cy="533400"/>
             </a:xfrm>
-            <a:prstGeom prst="rect">
+            <a:prstGeom prst="mathEqual">
               <a:avLst/>
             </a:prstGeom>
             <a:solidFill>
-              <a:srgbClr val="CC6600"/>
+              <a:schemeClr val="tx1"/>
             </a:solidFill>
             <a:ln>
               <a:solidFill>
@@ -17978,224 +20751,712 @@
             <a:lstStyle/>
             <a:p>
               <a:pPr algn="ctr"/>
-              <a:r>
-                <a:rPr lang="en-US" dirty="0" smtClean="0"/>
-                <a:t>girls</a:t>
-              </a:r>
-              <a:endParaRPr lang="en-US" dirty="0"/>
-            </a:p>
-          </p:txBody>
-        </p:sp>
-        <p:cxnSp>
-          <p:nvCxnSpPr>
-            <p:cNvPr id="16" name="Straight Connector 4"/>
-            <p:cNvCxnSpPr/>
-            <p:nvPr/>
-          </p:nvCxnSpPr>
-          <p:spPr>
-            <a:xfrm>
-              <a:off x="2590800" y="2286000"/>
-              <a:ext cx="228600" cy="152400"/>
-            </a:xfrm>
-            <a:prstGeom prst="line">
-              <a:avLst/>
-            </a:prstGeom>
-            <a:ln w="28575">
-              <a:solidFill>
-                <a:schemeClr val="tx1"/>
-              </a:solidFill>
-            </a:ln>
-          </p:spPr>
-          <p:style>
-            <a:lnRef idx="1">
-              <a:schemeClr val="accent1"/>
-            </a:lnRef>
-            <a:fillRef idx="0">
-              <a:schemeClr val="accent1"/>
-            </a:fillRef>
-            <a:effectRef idx="0">
-              <a:schemeClr val="accent1"/>
-            </a:effectRef>
-            <a:fontRef idx="minor">
-              <a:schemeClr val="tx1"/>
-            </a:fontRef>
-          </p:style>
-        </p:cxnSp>
-        <p:sp>
-          <p:nvSpPr>
-            <p:cNvPr id="17" name="Isosceles Triangle 5"/>
-            <p:cNvSpPr/>
-            <p:nvPr/>
-          </p:nvSpPr>
-          <p:spPr>
-            <a:xfrm rot="10800000">
-              <a:off x="2514600" y="2362199"/>
-              <a:ext cx="381000" cy="304800"/>
-            </a:xfrm>
-            <a:prstGeom prst="triangle">
-              <a:avLst/>
-            </a:prstGeom>
-            <a:solidFill>
-              <a:srgbClr val="B86600"/>
-            </a:solidFill>
-            <a:ln>
-              <a:solidFill>
-                <a:schemeClr val="tx1"/>
-              </a:solidFill>
-            </a:ln>
-            <a:scene3d>
-              <a:camera prst="isometricLeftDown"/>
-              <a:lightRig rig="threePt" dir="t"/>
-            </a:scene3d>
-          </p:spPr>
-          <p:style>
-            <a:lnRef idx="2">
-              <a:schemeClr val="accent1">
-                <a:shade val="50000"/>
-              </a:schemeClr>
-            </a:lnRef>
-            <a:fillRef idx="1">
-              <a:schemeClr val="accent1"/>
-            </a:fillRef>
-            <a:effectRef idx="0">
-              <a:schemeClr val="accent1"/>
-            </a:effectRef>
-            <a:fontRef idx="minor">
-              <a:schemeClr val="lt1"/>
-            </a:fontRef>
-          </p:style>
-          <p:txBody>
-            <a:bodyPr rtlCol="0" anchor="ctr"/>
-            <a:lstStyle/>
-            <a:p>
-              <a:pPr algn="ctr"/>
-              <a:endParaRPr lang="en-US"/>
+              <a:endParaRPr lang="en-US">
+                <a:solidFill>
+                  <a:schemeClr val="tx1"/>
+                </a:solidFill>
+              </a:endParaRPr>
             </a:p>
           </p:txBody>
         </p:sp>
         <p:sp>
           <p:nvSpPr>
-            <p:cNvPr id="18" name="Isosceles Triangle 7"/>
-            <p:cNvSpPr/>
+            <p:cNvPr id="30" name="TextBox 29"/>
+            <p:cNvSpPr txBox="1"/>
             <p:nvPr/>
           </p:nvSpPr>
           <p:spPr>
-            <a:xfrm rot="10800000">
-              <a:off x="2819400" y="2438400"/>
-              <a:ext cx="2819400" cy="609600"/>
+            <a:xfrm>
+              <a:off x="6934200" y="4191000"/>
+              <a:ext cx="2057400" cy="954107"/>
             </a:xfrm>
-            <a:prstGeom prst="triangle">
+            <a:prstGeom prst="rect">
               <a:avLst/>
             </a:prstGeom>
-            <a:solidFill>
-              <a:srgbClr val="B86600"/>
-            </a:solidFill>
-            <a:ln>
-              <a:solidFill>
-                <a:schemeClr val="tx1"/>
-              </a:solidFill>
-            </a:ln>
+            <a:noFill/>
           </p:spPr>
-          <p:style>
-            <a:lnRef idx="2">
-              <a:schemeClr val="accent1">
-                <a:shade val="50000"/>
-              </a:schemeClr>
-            </a:lnRef>
-            <a:fillRef idx="1">
-              <a:schemeClr val="accent1"/>
-            </a:fillRef>
-            <a:effectRef idx="0">
-              <a:schemeClr val="accent1"/>
-            </a:effectRef>
-            <a:fontRef idx="minor">
-              <a:schemeClr val="lt1"/>
-            </a:fontRef>
-          </p:style>
           <p:txBody>
-            <a:bodyPr rtlCol="0" anchor="ctr"/>
+            <a:bodyPr wrap="square" rtlCol="0">
+              <a:spAutoFit/>
+            </a:bodyPr>
             <a:lstStyle/>
             <a:p>
-              <a:pPr algn="ctr"/>
-              <a:endParaRPr lang="en-US"/>
+              <a:r>
+                <a:rPr lang="en-US" sz="2800" dirty="0" smtClean="0"/>
+                <a:t>193</a:t>
+              </a:r>
+              <a:endParaRPr lang="en-US" sz="2800" dirty="0" smtClean="0"/>
+            </a:p>
+            <a:p>
+              <a:r>
+                <a:rPr lang="en-US" sz="2800" dirty="0" smtClean="0"/>
+                <a:t>(</a:t>
+              </a:r>
+              <a:r>
+                <a:rPr lang="en-US" sz="2800" dirty="0" err="1" smtClean="0"/>
+                <a:t>girls+boys</a:t>
+              </a:r>
+              <a:r>
+                <a:rPr lang="en-US" sz="2800" dirty="0" smtClean="0"/>
+                <a:t>)</a:t>
+              </a:r>
+              <a:endParaRPr lang="en-US" sz="2800" dirty="0"/>
             </a:p>
           </p:txBody>
         </p:sp>
       </p:grpSp>
       <p:grpSp>
         <p:nvGrpSpPr>
-          <p:cNvPr id="19" name="Group 18"/>
+          <p:cNvPr id="32" name="Group 31"/>
           <p:cNvGrpSpPr/>
           <p:nvPr/>
         </p:nvGrpSpPr>
         <p:grpSpPr>
           <a:xfrm>
-            <a:off x="3657600" y="3962400"/>
-            <a:ext cx="1295400" cy="1219200"/>
-            <a:chOff x="2514600" y="2286000"/>
-            <a:chExt cx="3124200" cy="2286000"/>
+            <a:off x="457200" y="3962400"/>
+            <a:ext cx="8458200" cy="1613595"/>
+            <a:chOff x="533400" y="3962400"/>
+            <a:chExt cx="8458200" cy="1613595"/>
           </a:xfrm>
         </p:grpSpPr>
+        <p:grpSp>
+          <p:nvGrpSpPr>
+            <p:cNvPr id="33" name="Group 14"/>
+            <p:cNvGrpSpPr/>
+            <p:nvPr/>
+          </p:nvGrpSpPr>
+          <p:grpSpPr>
+            <a:xfrm>
+              <a:off x="533400" y="4114800"/>
+              <a:ext cx="1447800" cy="1066800"/>
+              <a:chOff x="2514600" y="2286000"/>
+              <a:chExt cx="3124200" cy="2286000"/>
+            </a:xfrm>
+          </p:grpSpPr>
+          <p:sp>
+            <p:nvSpPr>
+              <p:cNvPr id="46" name="Rectangle 2"/>
+              <p:cNvSpPr/>
+              <p:nvPr/>
+            </p:nvSpPr>
+            <p:spPr>
+              <a:xfrm>
+                <a:off x="2590800" y="2286000"/>
+                <a:ext cx="3048000" cy="2286000"/>
+              </a:xfrm>
+              <a:prstGeom prst="rect">
+                <a:avLst/>
+              </a:prstGeom>
+              <a:solidFill>
+                <a:srgbClr val="B86600"/>
+              </a:solidFill>
+              <a:ln>
+                <a:solidFill>
+                  <a:schemeClr val="tx1"/>
+                </a:solidFill>
+              </a:ln>
+            </p:spPr>
+            <p:style>
+              <a:lnRef idx="2">
+                <a:schemeClr val="accent1">
+                  <a:shade val="50000"/>
+                </a:schemeClr>
+              </a:lnRef>
+              <a:fillRef idx="1">
+                <a:schemeClr val="accent1"/>
+              </a:fillRef>
+              <a:effectRef idx="0">
+                <a:schemeClr val="accent1"/>
+              </a:effectRef>
+              <a:fontRef idx="minor">
+                <a:schemeClr val="lt1"/>
+              </a:fontRef>
+            </p:style>
+            <p:txBody>
+              <a:bodyPr rtlCol="0" anchor="ctr"/>
+              <a:lstStyle/>
+              <a:p>
+                <a:pPr algn="ctr"/>
+                <a:endParaRPr lang="en-US"/>
+              </a:p>
+            </p:txBody>
+          </p:sp>
+          <p:sp>
+            <p:nvSpPr>
+              <p:cNvPr id="47" name="Oval 16"/>
+              <p:cNvSpPr/>
+              <p:nvPr/>
+            </p:nvSpPr>
+            <p:spPr>
+              <a:xfrm>
+                <a:off x="2819400" y="2286000"/>
+                <a:ext cx="2819400" cy="609600"/>
+              </a:xfrm>
+              <a:prstGeom prst="ellipse">
+                <a:avLst/>
+              </a:prstGeom>
+              <a:solidFill>
+                <a:schemeClr val="tx1"/>
+              </a:solidFill>
+              <a:ln>
+                <a:solidFill>
+                  <a:schemeClr val="tx1"/>
+                </a:solidFill>
+              </a:ln>
+            </p:spPr>
+            <p:style>
+              <a:lnRef idx="2">
+                <a:schemeClr val="accent1">
+                  <a:shade val="50000"/>
+                </a:schemeClr>
+              </a:lnRef>
+              <a:fillRef idx="1">
+                <a:schemeClr val="accent1"/>
+              </a:fillRef>
+              <a:effectRef idx="0">
+                <a:schemeClr val="accent1"/>
+              </a:effectRef>
+              <a:fontRef idx="minor">
+                <a:schemeClr val="lt1"/>
+              </a:fontRef>
+            </p:style>
+            <p:txBody>
+              <a:bodyPr rtlCol="0" anchor="ctr"/>
+              <a:lstStyle/>
+              <a:p>
+                <a:pPr algn="ctr"/>
+                <a:endParaRPr lang="en-US"/>
+              </a:p>
+            </p:txBody>
+          </p:sp>
+          <p:sp>
+            <p:nvSpPr>
+              <p:cNvPr id="48" name="Rectangle 1"/>
+              <p:cNvSpPr/>
+              <p:nvPr/>
+            </p:nvSpPr>
+            <p:spPr>
+              <a:xfrm>
+                <a:off x="2819400" y="2438400"/>
+                <a:ext cx="2819400" cy="2133600"/>
+              </a:xfrm>
+              <a:prstGeom prst="rect">
+                <a:avLst/>
+              </a:prstGeom>
+              <a:solidFill>
+                <a:srgbClr val="CC6600"/>
+              </a:solidFill>
+              <a:ln>
+                <a:solidFill>
+                  <a:schemeClr val="tx1"/>
+                </a:solidFill>
+              </a:ln>
+            </p:spPr>
+            <p:style>
+              <a:lnRef idx="2">
+                <a:schemeClr val="accent1">
+                  <a:shade val="50000"/>
+                </a:schemeClr>
+              </a:lnRef>
+              <a:fillRef idx="1">
+                <a:schemeClr val="accent1"/>
+              </a:fillRef>
+              <a:effectRef idx="0">
+                <a:schemeClr val="accent1"/>
+              </a:effectRef>
+              <a:fontRef idx="minor">
+                <a:schemeClr val="lt1"/>
+              </a:fontRef>
+            </p:style>
+            <p:txBody>
+              <a:bodyPr rtlCol="0" anchor="ctr"/>
+              <a:lstStyle/>
+              <a:p>
+                <a:pPr algn="ctr"/>
+                <a:r>
+                  <a:rPr lang="en-US" dirty="0" smtClean="0"/>
+                  <a:t>girls</a:t>
+                </a:r>
+                <a:endParaRPr lang="en-US" dirty="0"/>
+              </a:p>
+            </p:txBody>
+          </p:sp>
+          <p:cxnSp>
+            <p:nvCxnSpPr>
+              <p:cNvPr id="49" name="Straight Connector 4"/>
+              <p:cNvCxnSpPr/>
+              <p:nvPr/>
+            </p:nvCxnSpPr>
+            <p:spPr>
+              <a:xfrm>
+                <a:off x="2590800" y="2286000"/>
+                <a:ext cx="228600" cy="152400"/>
+              </a:xfrm>
+              <a:prstGeom prst="line">
+                <a:avLst/>
+              </a:prstGeom>
+              <a:ln w="28575">
+                <a:solidFill>
+                  <a:schemeClr val="tx1"/>
+                </a:solidFill>
+              </a:ln>
+            </p:spPr>
+            <p:style>
+              <a:lnRef idx="1">
+                <a:schemeClr val="accent1"/>
+              </a:lnRef>
+              <a:fillRef idx="0">
+                <a:schemeClr val="accent1"/>
+              </a:fillRef>
+              <a:effectRef idx="0">
+                <a:schemeClr val="accent1"/>
+              </a:effectRef>
+              <a:fontRef idx="minor">
+                <a:schemeClr val="tx1"/>
+              </a:fontRef>
+            </p:style>
+          </p:cxnSp>
+          <p:sp>
+            <p:nvSpPr>
+              <p:cNvPr id="50" name="Isosceles Triangle 5"/>
+              <p:cNvSpPr/>
+              <p:nvPr/>
+            </p:nvSpPr>
+            <p:spPr>
+              <a:xfrm rot="10800000">
+                <a:off x="2514600" y="2362199"/>
+                <a:ext cx="381000" cy="304800"/>
+              </a:xfrm>
+              <a:prstGeom prst="triangle">
+                <a:avLst/>
+              </a:prstGeom>
+              <a:solidFill>
+                <a:srgbClr val="B86600"/>
+              </a:solidFill>
+              <a:ln>
+                <a:solidFill>
+                  <a:schemeClr val="tx1"/>
+                </a:solidFill>
+              </a:ln>
+              <a:scene3d>
+                <a:camera prst="isometricLeftDown"/>
+                <a:lightRig rig="threePt" dir="t"/>
+              </a:scene3d>
+            </p:spPr>
+            <p:style>
+              <a:lnRef idx="2">
+                <a:schemeClr val="accent1">
+                  <a:shade val="50000"/>
+                </a:schemeClr>
+              </a:lnRef>
+              <a:fillRef idx="1">
+                <a:schemeClr val="accent1"/>
+              </a:fillRef>
+              <a:effectRef idx="0">
+                <a:schemeClr val="accent1"/>
+              </a:effectRef>
+              <a:fontRef idx="minor">
+                <a:schemeClr val="lt1"/>
+              </a:fontRef>
+            </p:style>
+            <p:txBody>
+              <a:bodyPr rtlCol="0" anchor="ctr"/>
+              <a:lstStyle/>
+              <a:p>
+                <a:pPr algn="ctr"/>
+                <a:endParaRPr lang="en-US"/>
+              </a:p>
+            </p:txBody>
+          </p:sp>
+          <p:sp>
+            <p:nvSpPr>
+              <p:cNvPr id="51" name="Isosceles Triangle 7"/>
+              <p:cNvSpPr/>
+              <p:nvPr/>
+            </p:nvSpPr>
+            <p:spPr>
+              <a:xfrm rot="10800000">
+                <a:off x="2819400" y="2438400"/>
+                <a:ext cx="2819400" cy="609600"/>
+              </a:xfrm>
+              <a:prstGeom prst="triangle">
+                <a:avLst/>
+              </a:prstGeom>
+              <a:solidFill>
+                <a:srgbClr val="B86600"/>
+              </a:solidFill>
+              <a:ln>
+                <a:solidFill>
+                  <a:schemeClr val="tx1"/>
+                </a:solidFill>
+              </a:ln>
+            </p:spPr>
+            <p:style>
+              <a:lnRef idx="2">
+                <a:schemeClr val="accent1">
+                  <a:shade val="50000"/>
+                </a:schemeClr>
+              </a:lnRef>
+              <a:fillRef idx="1">
+                <a:schemeClr val="accent1"/>
+              </a:fillRef>
+              <a:effectRef idx="0">
+                <a:schemeClr val="accent1"/>
+              </a:effectRef>
+              <a:fontRef idx="minor">
+                <a:schemeClr val="lt1"/>
+              </a:fontRef>
+            </p:style>
+            <p:txBody>
+              <a:bodyPr rtlCol="0" anchor="ctr"/>
+              <a:lstStyle/>
+              <a:p>
+                <a:pPr algn="ctr"/>
+                <a:endParaRPr lang="en-US"/>
+              </a:p>
+            </p:txBody>
+          </p:sp>
+        </p:grpSp>
+        <p:grpSp>
+          <p:nvGrpSpPr>
+            <p:cNvPr id="34" name="Group 18"/>
+            <p:cNvGrpSpPr/>
+            <p:nvPr/>
+          </p:nvGrpSpPr>
+          <p:grpSpPr>
+            <a:xfrm>
+              <a:off x="3657600" y="3962400"/>
+              <a:ext cx="1295400" cy="1219200"/>
+              <a:chOff x="2514600" y="2286000"/>
+              <a:chExt cx="3124200" cy="2286000"/>
+            </a:xfrm>
+          </p:grpSpPr>
+          <p:sp>
+            <p:nvSpPr>
+              <p:cNvPr id="40" name="Rectangle 39"/>
+              <p:cNvSpPr/>
+              <p:nvPr/>
+            </p:nvSpPr>
+            <p:spPr>
+              <a:xfrm>
+                <a:off x="2590800" y="2286000"/>
+                <a:ext cx="3048000" cy="2286000"/>
+              </a:xfrm>
+              <a:prstGeom prst="rect">
+                <a:avLst/>
+              </a:prstGeom>
+              <a:solidFill>
+                <a:srgbClr val="B86600"/>
+              </a:solidFill>
+              <a:ln>
+                <a:solidFill>
+                  <a:schemeClr val="tx1"/>
+                </a:solidFill>
+              </a:ln>
+            </p:spPr>
+            <p:style>
+              <a:lnRef idx="2">
+                <a:schemeClr val="accent1">
+                  <a:shade val="50000"/>
+                </a:schemeClr>
+              </a:lnRef>
+              <a:fillRef idx="1">
+                <a:schemeClr val="accent1"/>
+              </a:fillRef>
+              <a:effectRef idx="0">
+                <a:schemeClr val="accent1"/>
+              </a:effectRef>
+              <a:fontRef idx="minor">
+                <a:schemeClr val="lt1"/>
+              </a:fontRef>
+            </p:style>
+            <p:txBody>
+              <a:bodyPr rtlCol="0" anchor="ctr"/>
+              <a:lstStyle/>
+              <a:p>
+                <a:pPr algn="ctr"/>
+                <a:endParaRPr lang="en-US"/>
+              </a:p>
+            </p:txBody>
+          </p:sp>
+          <p:sp>
+            <p:nvSpPr>
+              <p:cNvPr id="41" name="Oval 40"/>
+              <p:cNvSpPr/>
+              <p:nvPr/>
+            </p:nvSpPr>
+            <p:spPr>
+              <a:xfrm>
+                <a:off x="2819400" y="2286000"/>
+                <a:ext cx="2819400" cy="609600"/>
+              </a:xfrm>
+              <a:prstGeom prst="ellipse">
+                <a:avLst/>
+              </a:prstGeom>
+              <a:solidFill>
+                <a:schemeClr val="tx1"/>
+              </a:solidFill>
+              <a:ln>
+                <a:solidFill>
+                  <a:schemeClr val="tx1"/>
+                </a:solidFill>
+              </a:ln>
+            </p:spPr>
+            <p:style>
+              <a:lnRef idx="2">
+                <a:schemeClr val="accent1">
+                  <a:shade val="50000"/>
+                </a:schemeClr>
+              </a:lnRef>
+              <a:fillRef idx="1">
+                <a:schemeClr val="accent1"/>
+              </a:fillRef>
+              <a:effectRef idx="0">
+                <a:schemeClr val="accent1"/>
+              </a:effectRef>
+              <a:fontRef idx="minor">
+                <a:schemeClr val="lt1"/>
+              </a:fontRef>
+            </p:style>
+            <p:txBody>
+              <a:bodyPr rtlCol="0" anchor="ctr"/>
+              <a:lstStyle/>
+              <a:p>
+                <a:pPr algn="ctr"/>
+                <a:endParaRPr lang="en-US"/>
+              </a:p>
+            </p:txBody>
+          </p:sp>
+          <p:sp>
+            <p:nvSpPr>
+              <p:cNvPr id="42" name="Rectangle 41"/>
+              <p:cNvSpPr/>
+              <p:nvPr/>
+            </p:nvSpPr>
+            <p:spPr>
+              <a:xfrm>
+                <a:off x="2819400" y="2438400"/>
+                <a:ext cx="2819400" cy="2133600"/>
+              </a:xfrm>
+              <a:prstGeom prst="rect">
+                <a:avLst/>
+              </a:prstGeom>
+              <a:solidFill>
+                <a:srgbClr val="CC6600"/>
+              </a:solidFill>
+              <a:ln>
+                <a:solidFill>
+                  <a:schemeClr val="tx1"/>
+                </a:solidFill>
+              </a:ln>
+            </p:spPr>
+            <p:style>
+              <a:lnRef idx="2">
+                <a:schemeClr val="accent1">
+                  <a:shade val="50000"/>
+                </a:schemeClr>
+              </a:lnRef>
+              <a:fillRef idx="1">
+                <a:schemeClr val="accent1"/>
+              </a:fillRef>
+              <a:effectRef idx="0">
+                <a:schemeClr val="accent1"/>
+              </a:effectRef>
+              <a:fontRef idx="minor">
+                <a:schemeClr val="lt1"/>
+              </a:fontRef>
+            </p:style>
+            <p:txBody>
+              <a:bodyPr rtlCol="0" anchor="ctr"/>
+              <a:lstStyle/>
+              <a:p>
+                <a:pPr algn="ctr"/>
+                <a:r>
+                  <a:rPr lang="en-US" sz="1600" dirty="0" smtClean="0"/>
+                  <a:t>gentlemen</a:t>
+                </a:r>
+                <a:endParaRPr lang="en-US" sz="1600" dirty="0" smtClean="0"/>
+              </a:p>
+            </p:txBody>
+          </p:sp>
+          <p:cxnSp>
+            <p:nvCxnSpPr>
+              <p:cNvPr id="43" name="Straight Connector 42"/>
+              <p:cNvCxnSpPr/>
+              <p:nvPr/>
+            </p:nvCxnSpPr>
+            <p:spPr>
+              <a:xfrm>
+                <a:off x="2590800" y="2286000"/>
+                <a:ext cx="228600" cy="152400"/>
+              </a:xfrm>
+              <a:prstGeom prst="line">
+                <a:avLst/>
+              </a:prstGeom>
+              <a:ln w="28575">
+                <a:solidFill>
+                  <a:schemeClr val="tx1"/>
+                </a:solidFill>
+              </a:ln>
+            </p:spPr>
+            <p:style>
+              <a:lnRef idx="1">
+                <a:schemeClr val="accent1"/>
+              </a:lnRef>
+              <a:fillRef idx="0">
+                <a:schemeClr val="accent1"/>
+              </a:fillRef>
+              <a:effectRef idx="0">
+                <a:schemeClr val="accent1"/>
+              </a:effectRef>
+              <a:fontRef idx="minor">
+                <a:schemeClr val="tx1"/>
+              </a:fontRef>
+            </p:style>
+          </p:cxnSp>
+          <p:sp>
+            <p:nvSpPr>
+              <p:cNvPr id="44" name="Isosceles Triangle 43"/>
+              <p:cNvSpPr/>
+              <p:nvPr/>
+            </p:nvSpPr>
+            <p:spPr>
+              <a:xfrm rot="10800000">
+                <a:off x="2514600" y="2362199"/>
+                <a:ext cx="381000" cy="304800"/>
+              </a:xfrm>
+              <a:prstGeom prst="triangle">
+                <a:avLst/>
+              </a:prstGeom>
+              <a:solidFill>
+                <a:srgbClr val="B86600"/>
+              </a:solidFill>
+              <a:ln>
+                <a:solidFill>
+                  <a:schemeClr val="tx1"/>
+                </a:solidFill>
+              </a:ln>
+              <a:scene3d>
+                <a:camera prst="isometricLeftDown"/>
+                <a:lightRig rig="threePt" dir="t"/>
+              </a:scene3d>
+            </p:spPr>
+            <p:style>
+              <a:lnRef idx="2">
+                <a:schemeClr val="accent1">
+                  <a:shade val="50000"/>
+                </a:schemeClr>
+              </a:lnRef>
+              <a:fillRef idx="1">
+                <a:schemeClr val="accent1"/>
+              </a:fillRef>
+              <a:effectRef idx="0">
+                <a:schemeClr val="accent1"/>
+              </a:effectRef>
+              <a:fontRef idx="minor">
+                <a:schemeClr val="lt1"/>
+              </a:fontRef>
+            </p:style>
+            <p:txBody>
+              <a:bodyPr rtlCol="0" anchor="ctr"/>
+              <a:lstStyle/>
+              <a:p>
+                <a:pPr algn="ctr"/>
+                <a:endParaRPr lang="en-US"/>
+              </a:p>
+            </p:txBody>
+          </p:sp>
+          <p:sp>
+            <p:nvSpPr>
+              <p:cNvPr id="45" name="Isosceles Triangle 44"/>
+              <p:cNvSpPr/>
+              <p:nvPr/>
+            </p:nvSpPr>
+            <p:spPr>
+              <a:xfrm rot="10800000">
+                <a:off x="2819400" y="2438400"/>
+                <a:ext cx="2819400" cy="609600"/>
+              </a:xfrm>
+              <a:prstGeom prst="triangle">
+                <a:avLst/>
+              </a:prstGeom>
+              <a:solidFill>
+                <a:srgbClr val="B86600"/>
+              </a:solidFill>
+              <a:ln>
+                <a:solidFill>
+                  <a:schemeClr val="tx1"/>
+                </a:solidFill>
+              </a:ln>
+            </p:spPr>
+            <p:style>
+              <a:lnRef idx="2">
+                <a:schemeClr val="accent1">
+                  <a:shade val="50000"/>
+                </a:schemeClr>
+              </a:lnRef>
+              <a:fillRef idx="1">
+                <a:schemeClr val="accent1"/>
+              </a:fillRef>
+              <a:effectRef idx="0">
+                <a:schemeClr val="accent1"/>
+              </a:effectRef>
+              <a:fontRef idx="minor">
+                <a:schemeClr val="lt1"/>
+              </a:fontRef>
+            </p:style>
+            <p:txBody>
+              <a:bodyPr rtlCol="0" anchor="ctr"/>
+              <a:lstStyle/>
+              <a:p>
+                <a:pPr algn="ctr"/>
+                <a:endParaRPr lang="en-US"/>
+              </a:p>
+            </p:txBody>
+          </p:sp>
+        </p:grpSp>
         <p:sp>
           <p:nvSpPr>
-            <p:cNvPr id="20" name="Rectangle 19"/>
+            <p:cNvPr id="35" name="TextBox 34"/>
+            <p:cNvSpPr txBox="1"/>
+            <p:nvPr/>
+          </p:nvSpPr>
+          <p:spPr>
+            <a:xfrm>
+              <a:off x="2057400" y="4495800"/>
+              <a:ext cx="1066800" cy="369332"/>
+            </a:xfrm>
+            <a:prstGeom prst="rect">
+              <a:avLst/>
+            </a:prstGeom>
+            <a:noFill/>
+          </p:spPr>
+          <p:txBody>
+            <a:bodyPr wrap="square" rtlCol="0">
+              <a:spAutoFit/>
+            </a:bodyPr>
+            <a:lstStyle/>
+            <a:p>
+              <a:r>
+                <a:rPr lang="en-US" dirty="0" smtClean="0"/>
+                <a:t>95 (girls)</a:t>
+              </a:r>
+              <a:endParaRPr lang="en-US" dirty="0"/>
+            </a:p>
+          </p:txBody>
+        </p:sp>
+        <p:sp>
+          <p:nvSpPr>
+            <p:cNvPr id="36" name="Plus 35"/>
             <p:cNvSpPr/>
             <p:nvPr/>
           </p:nvSpPr>
           <p:spPr>
             <a:xfrm>
-              <a:off x="2590800" y="2286000"/>
-              <a:ext cx="3048000" cy="2286000"/>
+              <a:off x="2971800" y="4267200"/>
+              <a:ext cx="533400" cy="609600"/>
             </a:xfrm>
-            <a:prstGeom prst="rect">
-              <a:avLst/>
-            </a:prstGeom>
-            <a:solidFill>
-              <a:srgbClr val="B86600"/>
-            </a:solidFill>
-            <a:ln>
-              <a:solidFill>
-                <a:schemeClr val="tx1"/>
-              </a:solidFill>
-            </a:ln>
-          </p:spPr>
-          <p:style>
-            <a:lnRef idx="2">
-              <a:schemeClr val="accent1">
-                <a:shade val="50000"/>
-              </a:schemeClr>
-            </a:lnRef>
-            <a:fillRef idx="1">
-              <a:schemeClr val="accent1"/>
-            </a:fillRef>
-            <a:effectRef idx="0">
-              <a:schemeClr val="accent1"/>
-            </a:effectRef>
-            <a:fontRef idx="minor">
-              <a:schemeClr val="lt1"/>
-            </a:fontRef>
-          </p:style>
-          <p:txBody>
-            <a:bodyPr rtlCol="0" anchor="ctr"/>
-            <a:lstStyle/>
-            <a:p>
-              <a:pPr algn="ctr"/>
-              <a:endParaRPr lang="en-US"/>
-            </a:p>
-          </p:txBody>
-        </p:sp>
-        <p:sp>
-          <p:nvSpPr>
-            <p:cNvPr id="21" name="Oval 20"/>
-            <p:cNvSpPr/>
-            <p:nvPr/>
-          </p:nvSpPr>
-          <p:spPr>
-            <a:xfrm>
-              <a:off x="2819400" y="2286000"/>
-              <a:ext cx="2819400" cy="609600"/>
-            </a:xfrm>
-            <a:prstGeom prst="ellipse">
+            <a:prstGeom prst="mathPlus">
               <a:avLst/>
             </a:prstGeom>
             <a:solidFill>
@@ -18234,20 +21495,50 @@
         </p:sp>
         <p:sp>
           <p:nvSpPr>
-            <p:cNvPr id="22" name="Rectangle 21"/>
+            <p:cNvPr id="37" name="TextBox 36"/>
+            <p:cNvSpPr txBox="1"/>
+            <p:nvPr/>
+          </p:nvSpPr>
+          <p:spPr>
+            <a:xfrm>
+              <a:off x="5029200" y="4419600"/>
+              <a:ext cx="1066800" cy="646331"/>
+            </a:xfrm>
+            <a:prstGeom prst="rect">
+              <a:avLst/>
+            </a:prstGeom>
+            <a:noFill/>
+          </p:spPr>
+          <p:txBody>
+            <a:bodyPr wrap="square" rtlCol="0">
+              <a:spAutoFit/>
+            </a:bodyPr>
+            <a:lstStyle/>
+            <a:p>
+              <a:r>
+                <a:rPr lang="en-US" dirty="0" smtClean="0"/>
+                <a:t>15(gentlemen)</a:t>
+              </a:r>
+              <a:endParaRPr lang="en-US" dirty="0"/>
+            </a:p>
+          </p:txBody>
+        </p:sp>
+        <p:sp>
+          <p:nvSpPr>
+            <p:cNvPr id="38" name="Equal 37"/>
             <p:cNvSpPr/>
             <p:nvPr/>
           </p:nvSpPr>
           <p:spPr>
             <a:xfrm>
-              <a:off x="2819400" y="2438400"/>
-              <a:ext cx="2819400" cy="2133600"/>
+              <a:off x="5943600" y="4343400"/>
+              <a:ext cx="914400" cy="533400"/>
             </a:xfrm>
-            <a:prstGeom prst="rect">
+            <a:prstGeom prst="mathEqual">
               <a:avLst/>
             </a:prstGeom>
             <a:solidFill>
-              <a:srgbClr val="CC6600"/>
+              <a:schemeClr val="tx1"/>
             </a:solidFill>
             <a:ln>
               <a:solidFill>
@@ -18276,367 +21567,60 @@
             <a:lstStyle/>
             <a:p>
               <a:pPr algn="ctr"/>
-              <a:r>
-                <a:rPr lang="en-US" sz="1600" dirty="0" smtClean="0"/>
-                <a:t>Boys</a:t>
-              </a:r>
-            </a:p>
-            <a:p>
-              <a:pPr algn="ctr"/>
-              <a:r>
-                <a:rPr lang="en-US" sz="1600" dirty="0" smtClean="0"/>
-                <a:t>Or</a:t>
-              </a:r>
-            </a:p>
-            <a:p>
-              <a:pPr algn="ctr"/>
-              <a:r>
-                <a:rPr lang="en-US" sz="1600" dirty="0" smtClean="0"/>
-                <a:t>gentlemen</a:t>
-              </a:r>
-            </a:p>
-          </p:txBody>
-        </p:sp>
-        <p:cxnSp>
-          <p:nvCxnSpPr>
-            <p:cNvPr id="23" name="Straight Connector 22"/>
-            <p:cNvCxnSpPr/>
-            <p:nvPr/>
-          </p:nvCxnSpPr>
-          <p:spPr>
-            <a:xfrm>
-              <a:off x="2590800" y="2286000"/>
-              <a:ext cx="228600" cy="152400"/>
-            </a:xfrm>
-            <a:prstGeom prst="line">
-              <a:avLst/>
-            </a:prstGeom>
-            <a:ln w="28575">
-              <a:solidFill>
-                <a:schemeClr val="tx1"/>
-              </a:solidFill>
-            </a:ln>
-          </p:spPr>
-          <p:style>
-            <a:lnRef idx="1">
-              <a:schemeClr val="accent1"/>
-            </a:lnRef>
-            <a:fillRef idx="0">
-              <a:schemeClr val="accent1"/>
-            </a:fillRef>
-            <a:effectRef idx="0">
-              <a:schemeClr val="accent1"/>
-            </a:effectRef>
-            <a:fontRef idx="minor">
-              <a:schemeClr val="tx1"/>
-            </a:fontRef>
-          </p:style>
-        </p:cxnSp>
-        <p:sp>
-          <p:nvSpPr>
-            <p:cNvPr id="24" name="Isosceles Triangle 23"/>
-            <p:cNvSpPr/>
-            <p:nvPr/>
-          </p:nvSpPr>
-          <p:spPr>
-            <a:xfrm rot="10800000">
-              <a:off x="2514600" y="2362199"/>
-              <a:ext cx="381000" cy="304800"/>
-            </a:xfrm>
-            <a:prstGeom prst="triangle">
-              <a:avLst/>
-            </a:prstGeom>
-            <a:solidFill>
-              <a:srgbClr val="B86600"/>
-            </a:solidFill>
-            <a:ln>
-              <a:solidFill>
-                <a:schemeClr val="tx1"/>
-              </a:solidFill>
-            </a:ln>
-            <a:scene3d>
-              <a:camera prst="isometricLeftDown"/>
-              <a:lightRig rig="threePt" dir="t"/>
-            </a:scene3d>
-          </p:spPr>
-          <p:style>
-            <a:lnRef idx="2">
-              <a:schemeClr val="accent1">
-                <a:shade val="50000"/>
-              </a:schemeClr>
-            </a:lnRef>
-            <a:fillRef idx="1">
-              <a:schemeClr val="accent1"/>
-            </a:fillRef>
-            <a:effectRef idx="0">
-              <a:schemeClr val="accent1"/>
-            </a:effectRef>
-            <a:fontRef idx="minor">
-              <a:schemeClr val="lt1"/>
-            </a:fontRef>
-          </p:style>
-          <p:txBody>
-            <a:bodyPr rtlCol="0" anchor="ctr"/>
-            <a:lstStyle/>
-            <a:p>
-              <a:pPr algn="ctr"/>
-              <a:endParaRPr lang="en-US"/>
+              <a:endParaRPr lang="en-US">
+                <a:solidFill>
+                  <a:schemeClr val="tx1"/>
+                </a:solidFill>
+              </a:endParaRPr>
             </a:p>
           </p:txBody>
         </p:sp>
         <p:sp>
           <p:nvSpPr>
-            <p:cNvPr id="25" name="Isosceles Triangle 24"/>
-            <p:cNvSpPr/>
+            <p:cNvPr id="39" name="TextBox 38"/>
+            <p:cNvSpPr txBox="1"/>
             <p:nvPr/>
           </p:nvSpPr>
           <p:spPr>
-            <a:xfrm rot="10800000">
-              <a:off x="2819400" y="2438400"/>
-              <a:ext cx="2819400" cy="609600"/>
+            <a:xfrm>
+              <a:off x="6934200" y="4191000"/>
+              <a:ext cx="2057400" cy="1384995"/>
             </a:xfrm>
-            <a:prstGeom prst="triangle">
+            <a:prstGeom prst="rect">
               <a:avLst/>
             </a:prstGeom>
-            <a:solidFill>
-              <a:srgbClr val="B86600"/>
-            </a:solidFill>
-            <a:ln>
-              <a:solidFill>
-                <a:schemeClr val="tx1"/>
-              </a:solidFill>
-            </a:ln>
+            <a:noFill/>
           </p:spPr>
-          <p:style>
-            <a:lnRef idx="2">
-              <a:schemeClr val="accent1">
-                <a:shade val="50000"/>
-              </a:schemeClr>
-            </a:lnRef>
-            <a:fillRef idx="1">
-              <a:schemeClr val="accent1"/>
-            </a:fillRef>
-            <a:effectRef idx="0">
-              <a:schemeClr val="accent1"/>
-            </a:effectRef>
-            <a:fontRef idx="minor">
-              <a:schemeClr val="lt1"/>
-            </a:fontRef>
-          </p:style>
           <p:txBody>
-            <a:bodyPr rtlCol="0" anchor="ctr"/>
+            <a:bodyPr wrap="square" rtlCol="0">
+              <a:spAutoFit/>
+            </a:bodyPr>
             <a:lstStyle/>
             <a:p>
-              <a:pPr algn="ctr"/>
-              <a:endParaRPr lang="en-US"/>
+              <a:r>
+                <a:rPr lang="en-US" sz="2800" dirty="0" smtClean="0"/>
+                <a:t>110</a:t>
+              </a:r>
+              <a:endParaRPr lang="en-US" sz="2800" dirty="0" smtClean="0"/>
+            </a:p>
+            <a:p>
+              <a:r>
+                <a:rPr lang="en-US" sz="2800" dirty="0" smtClean="0"/>
+                <a:t>(</a:t>
+              </a:r>
+              <a:r>
+                <a:rPr lang="en-US" sz="2800" dirty="0" err="1" smtClean="0"/>
+                <a:t>girls+gentlemen</a:t>
+              </a:r>
+              <a:r>
+                <a:rPr lang="en-US" sz="2800" dirty="0" smtClean="0"/>
+                <a:t>)</a:t>
+              </a:r>
+              <a:endParaRPr lang="en-US" sz="2800" dirty="0"/>
             </a:p>
           </p:txBody>
         </p:sp>
       </p:grpSp>
-      <p:sp>
-        <p:nvSpPr>
-          <p:cNvPr id="26" name="TextBox 25"/>
-          <p:cNvSpPr txBox="1"/>
-          <p:nvPr/>
-        </p:nvSpPr>
-        <p:spPr>
-          <a:xfrm>
-            <a:off x="2057400" y="4495800"/>
-            <a:ext cx="1066800" cy="369332"/>
-          </a:xfrm>
-          <a:prstGeom prst="rect">
-            <a:avLst/>
-          </a:prstGeom>
-          <a:noFill/>
-        </p:spPr>
-        <p:txBody>
-          <a:bodyPr wrap="square" rtlCol="0">
-            <a:spAutoFit/>
-          </a:bodyPr>
-          <a:lstStyle/>
-          <a:p>
-            <a:r>
-              <a:rPr lang="en-US" dirty="0" smtClean="0"/>
-              <a:t>95 (girls)</a:t>
-            </a:r>
-            <a:endParaRPr lang="en-US" dirty="0"/>
-          </a:p>
-        </p:txBody>
-      </p:sp>
-      <p:sp>
-        <p:nvSpPr>
-          <p:cNvPr id="27" name="Plus 26"/>
-          <p:cNvSpPr/>
-          <p:nvPr/>
-        </p:nvSpPr>
-        <p:spPr>
-          <a:xfrm>
-            <a:off x="2971800" y="4267200"/>
-            <a:ext cx="533400" cy="609600"/>
-          </a:xfrm>
-          <a:prstGeom prst="mathPlus">
-            <a:avLst/>
-          </a:prstGeom>
-          <a:solidFill>
-            <a:schemeClr val="tx1"/>
-          </a:solidFill>
-          <a:ln>
-            <a:solidFill>
-              <a:schemeClr val="tx1"/>
-            </a:solidFill>
-          </a:ln>
-        </p:spPr>
-        <p:style>
-          <a:lnRef idx="2">
-            <a:schemeClr val="accent1">
-              <a:shade val="50000"/>
-            </a:schemeClr>
-          </a:lnRef>
-          <a:fillRef idx="1">
-            <a:schemeClr val="accent1"/>
-          </a:fillRef>
-          <a:effectRef idx="0">
-            <a:schemeClr val="accent1"/>
-          </a:effectRef>
-          <a:fontRef idx="minor">
-            <a:schemeClr val="lt1"/>
-          </a:fontRef>
-        </p:style>
-        <p:txBody>
-          <a:bodyPr rtlCol="0" anchor="ctr"/>
-          <a:lstStyle/>
-          <a:p>
-            <a:pPr algn="ctr"/>
-            <a:endParaRPr lang="en-US"/>
-          </a:p>
-        </p:txBody>
-      </p:sp>
-      <p:sp>
-        <p:nvSpPr>
-          <p:cNvPr id="28" name="TextBox 27"/>
-          <p:cNvSpPr txBox="1"/>
-          <p:nvPr/>
-        </p:nvSpPr>
-        <p:spPr>
-          <a:xfrm>
-            <a:off x="5029200" y="4419600"/>
-            <a:ext cx="1066800" cy="369332"/>
-          </a:xfrm>
-          <a:prstGeom prst="rect">
-            <a:avLst/>
-          </a:prstGeom>
-          <a:noFill/>
-        </p:spPr>
-        <p:txBody>
-          <a:bodyPr wrap="square" rtlCol="0">
-            <a:spAutoFit/>
-          </a:bodyPr>
-          <a:lstStyle/>
-          <a:p>
-            <a:r>
-              <a:rPr lang="en-US" dirty="0" smtClean="0"/>
-              <a:t>15 (boys)</a:t>
-            </a:r>
-            <a:endParaRPr lang="en-US" dirty="0"/>
-          </a:p>
-        </p:txBody>
-      </p:sp>
-      <p:sp>
-        <p:nvSpPr>
-          <p:cNvPr id="29" name="Equal 28"/>
-          <p:cNvSpPr/>
-          <p:nvPr/>
-        </p:nvSpPr>
-        <p:spPr>
-          <a:xfrm>
-            <a:off x="5943600" y="4343400"/>
-            <a:ext cx="914400" cy="533400"/>
-          </a:xfrm>
-          <a:prstGeom prst="mathEqual">
-            <a:avLst/>
-          </a:prstGeom>
-          <a:solidFill>
-            <a:schemeClr val="tx1"/>
-          </a:solidFill>
-          <a:ln>
-            <a:solidFill>
-              <a:schemeClr val="tx1"/>
-            </a:solidFill>
-          </a:ln>
-        </p:spPr>
-        <p:style>
-          <a:lnRef idx="2">
-            <a:schemeClr val="accent1">
-              <a:shade val="50000"/>
-            </a:schemeClr>
-          </a:lnRef>
-          <a:fillRef idx="1">
-            <a:schemeClr val="accent1"/>
-          </a:fillRef>
-          <a:effectRef idx="0">
-            <a:schemeClr val="accent1"/>
-          </a:effectRef>
-          <a:fontRef idx="minor">
-            <a:schemeClr val="lt1"/>
-          </a:fontRef>
-        </p:style>
-        <p:txBody>
-          <a:bodyPr rtlCol="0" anchor="ctr"/>
-          <a:lstStyle/>
-          <a:p>
-            <a:pPr algn="ctr"/>
-            <a:endParaRPr lang="en-US">
-              <a:solidFill>
-                <a:schemeClr val="tx1"/>
-              </a:solidFill>
-            </a:endParaRPr>
-          </a:p>
-        </p:txBody>
-      </p:sp>
-      <p:sp>
-        <p:nvSpPr>
-          <p:cNvPr id="30" name="TextBox 29"/>
-          <p:cNvSpPr txBox="1"/>
-          <p:nvPr/>
-        </p:nvSpPr>
-        <p:spPr>
-          <a:xfrm>
-            <a:off x="6934200" y="4191000"/>
-            <a:ext cx="2057400" cy="954107"/>
-          </a:xfrm>
-          <a:prstGeom prst="rect">
-            <a:avLst/>
-          </a:prstGeom>
-          <a:noFill/>
-        </p:spPr>
-        <p:txBody>
-          <a:bodyPr wrap="square" rtlCol="0">
-            <a:spAutoFit/>
-          </a:bodyPr>
-          <a:lstStyle/>
-          <a:p>
-            <a:r>
-              <a:rPr lang="en-US" sz="2800" dirty="0" smtClean="0"/>
-              <a:t>110</a:t>
-            </a:r>
-          </a:p>
-          <a:p>
-            <a:r>
-              <a:rPr lang="en-US" sz="2800" dirty="0" smtClean="0"/>
-              <a:t>(</a:t>
-            </a:r>
-            <a:r>
-              <a:rPr lang="en-US" sz="2800" dirty="0" err="1" smtClean="0"/>
-              <a:t>girls+boys</a:t>
-            </a:r>
-            <a:r>
-              <a:rPr lang="en-US" sz="2800" dirty="0" smtClean="0"/>
-              <a:t>)</a:t>
-            </a:r>
-            <a:endParaRPr lang="en-US" sz="2800" dirty="0"/>
-          </a:p>
-        </p:txBody>
-      </p:sp>
     </p:spTree>
   </p:cSld>
   <p:clrMapOvr>
